--- a/Ice Sheet Modeling and Optimization.pptx
+++ b/Ice Sheet Modeling and Optimization.pptx
@@ -4278,7 +4278,7 @@
           <a:lstStyle/>
           <a:p>
             <a:r>
-              <a:rPr lang="en-US">
+              <a:rPr lang="en-US" dirty="0">
                 <a:solidFill>
                   <a:srgbClr val="FFFFFF"/>
                 </a:solidFill>
@@ -4317,13 +4317,254 @@
           <a:lstStyle/>
           <a:p>
             <a:r>
-              <a:rPr lang="en-US">
+              <a:rPr lang="en-US" dirty="0">
                 <a:solidFill>
                   <a:srgbClr val="FFFFFF"/>
                 </a:solidFill>
               </a:rPr>
-              <a:t>Explain the possibility of iteratively solving Task 1 and Task 2 to find optimal solutions for both 'A' and 'n'.</a:t>
-            </a:r>
+              <a:t>Is it possible to do task 1 and task 2 iteratively to find the optimal solution</a:t>
+            </a:r>
+            <a:r>
+              <a:rPr lang="hu-HU" dirty="0">
+                <a:solidFill>
+                  <a:srgbClr val="FFFFFF"/>
+                </a:solidFill>
+              </a:rPr>
+              <a:t> </a:t>
+            </a:r>
+            <a:r>
+              <a:rPr lang="en-US" dirty="0">
+                <a:solidFill>
+                  <a:srgbClr val="FFFFFF"/>
+                </a:solidFill>
+              </a:rPr>
+              <a:t>for both A and n?</a:t>
+            </a:r>
+            <a:endParaRPr lang="hu-HU" dirty="0">
+              <a:solidFill>
+                <a:srgbClr val="FFFFFF"/>
+              </a:solidFill>
+            </a:endParaRPr>
+          </a:p>
+          <a:p>
+            <a:endParaRPr lang="hu-HU" dirty="0">
+              <a:solidFill>
+                <a:srgbClr val="FFFFFF"/>
+              </a:solidFill>
+            </a:endParaRPr>
+          </a:p>
+          <a:p>
+            <a:r>
+              <a:rPr lang="hu-HU" dirty="0" err="1">
+                <a:solidFill>
+                  <a:srgbClr val="FFFFFF"/>
+                </a:solidFill>
+              </a:rPr>
+              <a:t>Possible</a:t>
+            </a:r>
+            <a:r>
+              <a:rPr lang="hu-HU" dirty="0">
+                <a:solidFill>
+                  <a:srgbClr val="FFFFFF"/>
+                </a:solidFill>
+              </a:rPr>
+              <a:t>, </a:t>
+            </a:r>
+            <a:r>
+              <a:rPr lang="hu-HU" dirty="0" err="1">
+                <a:solidFill>
+                  <a:srgbClr val="FFFFFF"/>
+                </a:solidFill>
+              </a:rPr>
+              <a:t>solution</a:t>
+            </a:r>
+            <a:r>
+              <a:rPr lang="hu-HU" dirty="0">
+                <a:solidFill>
+                  <a:srgbClr val="FFFFFF"/>
+                </a:solidFill>
+              </a:rPr>
+              <a:t> </a:t>
+            </a:r>
+            <a:r>
+              <a:rPr lang="hu-HU" dirty="0" err="1">
+                <a:solidFill>
+                  <a:srgbClr val="FFFFFF"/>
+                </a:solidFill>
+              </a:rPr>
+              <a:t>using</a:t>
+            </a:r>
+            <a:r>
+              <a:rPr lang="hu-HU" dirty="0">
+                <a:solidFill>
+                  <a:srgbClr val="FFFFFF"/>
+                </a:solidFill>
+              </a:rPr>
+              <a:t> </a:t>
+            </a:r>
+            <a:r>
+              <a:rPr lang="hu-HU" dirty="0" err="1">
+                <a:solidFill>
+                  <a:srgbClr val="FFFFFF"/>
+                </a:solidFill>
+              </a:rPr>
+              <a:t>lsqnonlin</a:t>
+            </a:r>
+            <a:r>
+              <a:rPr lang="hu-HU" dirty="0">
+                <a:solidFill>
+                  <a:srgbClr val="FFFFFF"/>
+                </a:solidFill>
+              </a:rPr>
+              <a:t> </a:t>
+            </a:r>
+            <a:r>
+              <a:rPr lang="hu-HU" dirty="0" err="1">
+                <a:solidFill>
+                  <a:srgbClr val="FFFFFF"/>
+                </a:solidFill>
+              </a:rPr>
+              <a:t>after</a:t>
+            </a:r>
+            <a:r>
+              <a:rPr lang="hu-HU" dirty="0">
+                <a:solidFill>
+                  <a:srgbClr val="FFFFFF"/>
+                </a:solidFill>
+              </a:rPr>
+              <a:t> </a:t>
+            </a:r>
+            <a:r>
+              <a:rPr lang="hu-HU" dirty="0" err="1">
+                <a:solidFill>
+                  <a:srgbClr val="FFFFFF"/>
+                </a:solidFill>
+              </a:rPr>
+              <a:t>forming</a:t>
+            </a:r>
+            <a:r>
+              <a:rPr lang="hu-HU" dirty="0">
+                <a:solidFill>
+                  <a:srgbClr val="FFFFFF"/>
+                </a:solidFill>
+              </a:rPr>
+              <a:t> non-</a:t>
+            </a:r>
+            <a:r>
+              <a:rPr lang="hu-HU" dirty="0" err="1">
+                <a:solidFill>
+                  <a:srgbClr val="FFFFFF"/>
+                </a:solidFill>
+              </a:rPr>
+              <a:t>linear</a:t>
+            </a:r>
+            <a:r>
+              <a:rPr lang="hu-HU" dirty="0">
+                <a:solidFill>
+                  <a:srgbClr val="FFFFFF"/>
+                </a:solidFill>
+              </a:rPr>
+              <a:t> </a:t>
+            </a:r>
+            <a:r>
+              <a:rPr lang="hu-HU" dirty="0" err="1">
+                <a:solidFill>
+                  <a:srgbClr val="FFFFFF"/>
+                </a:solidFill>
+              </a:rPr>
+              <a:t>least</a:t>
+            </a:r>
+            <a:r>
+              <a:rPr lang="hu-HU" dirty="0">
+                <a:solidFill>
+                  <a:srgbClr val="FFFFFF"/>
+                </a:solidFill>
+              </a:rPr>
+              <a:t> </a:t>
+            </a:r>
+            <a:r>
+              <a:rPr lang="hu-HU" dirty="0" err="1">
+                <a:solidFill>
+                  <a:srgbClr val="FFFFFF"/>
+                </a:solidFill>
+              </a:rPr>
+              <a:t>squares</a:t>
+            </a:r>
+            <a:r>
+              <a:rPr lang="hu-HU" dirty="0">
+                <a:solidFill>
+                  <a:srgbClr val="FFFFFF"/>
+                </a:solidFill>
+              </a:rPr>
+              <a:t> </a:t>
+            </a:r>
+            <a:r>
+              <a:rPr lang="hu-HU" dirty="0" err="1">
+                <a:solidFill>
+                  <a:srgbClr val="FFFFFF"/>
+                </a:solidFill>
+              </a:rPr>
+              <a:t>problem</a:t>
+            </a:r>
+            <a:endParaRPr lang="hu-HU" dirty="0">
+              <a:solidFill>
+                <a:srgbClr val="FFFFFF"/>
+              </a:solidFill>
+            </a:endParaRPr>
+          </a:p>
+          <a:p>
+            <a:endParaRPr lang="hu-HU" dirty="0">
+              <a:solidFill>
+                <a:srgbClr val="FFFFFF"/>
+              </a:solidFill>
+            </a:endParaRPr>
+          </a:p>
+          <a:p>
+            <a:r>
+              <a:rPr lang="hu-HU" dirty="0" err="1">
+                <a:solidFill>
+                  <a:srgbClr val="FFFFFF"/>
+                </a:solidFill>
+              </a:rPr>
+              <a:t>Lsqnonlin</a:t>
+            </a:r>
+            <a:r>
+              <a:rPr lang="hu-HU" dirty="0">
+                <a:solidFill>
+                  <a:srgbClr val="FFFFFF"/>
+                </a:solidFill>
+              </a:rPr>
+              <a:t> </a:t>
+            </a:r>
+            <a:r>
+              <a:rPr lang="hu-HU" dirty="0" err="1">
+                <a:solidFill>
+                  <a:srgbClr val="FFFFFF"/>
+                </a:solidFill>
+              </a:rPr>
+              <a:t>using</a:t>
+            </a:r>
+            <a:r>
+              <a:rPr lang="hu-HU" dirty="0">
+                <a:solidFill>
+                  <a:srgbClr val="FFFFFF"/>
+                </a:solidFill>
+              </a:rPr>
+              <a:t> </a:t>
+            </a:r>
+            <a:r>
+              <a:rPr lang="hu-HU" dirty="0" err="1">
+                <a:solidFill>
+                  <a:srgbClr val="FFFFFF"/>
+                </a:solidFill>
+              </a:rPr>
+              <a:t>Levenberg-Marquardt</a:t>
+            </a:r>
+            <a:endParaRPr lang="en-US" dirty="0">
+              <a:solidFill>
+                <a:srgbClr val="FFFFFF"/>
+              </a:solidFill>
+            </a:endParaRPr>
           </a:p>
         </p:txBody>
       </p:sp>
@@ -4498,45 +4739,966 @@
           </a:p>
         </p:txBody>
       </p:sp>
-      <p:sp>
-        <p:nvSpPr>
-          <p:cNvPr id="3" name="Szöveg helye 2">
-            <a:extLst>
-              <a:ext uri="{FF2B5EF4-FFF2-40B4-BE49-F238E27FC236}">
-                <a16:creationId xmlns:a16="http://schemas.microsoft.com/office/drawing/2014/main" id="{BE1336AB-2313-8B44-1696-8FC4603D2628}"/>
-              </a:ext>
-            </a:extLst>
-          </p:cNvPr>
-          <p:cNvSpPr>
-            <a:spLocks noGrp="1"/>
-          </p:cNvSpPr>
-          <p:nvPr>
-            <p:ph type="body" idx="1"/>
-          </p:nvPr>
-        </p:nvSpPr>
-        <p:spPr>
-          <a:xfrm>
-            <a:off x="838200" y="1825625"/>
-            <a:ext cx="10515600" cy="4351338"/>
-          </a:xfrm>
-        </p:spPr>
-        <p:txBody>
-          <a:bodyPr vert="horz" lIns="91440" tIns="45720" rIns="91440" bIns="45720" rtlCol="0">
-            <a:normAutofit/>
-          </a:bodyPr>
-          <a:lstStyle/>
-          <a:p>
-            <a:r>
-              <a:rPr lang="en-US">
-                <a:solidFill>
-                  <a:srgbClr val="FFFFFF"/>
-                </a:solidFill>
-              </a:rPr>
-              <a:t>Define the problem as a nonlinear least square (NSL) problem.</a:t>
-            </a:r>
-          </a:p>
-        </p:txBody>
-      </p:sp>
+      <mc:AlternateContent xmlns:mc="http://schemas.openxmlformats.org/markup-compatibility/2006">
+        <mc:Choice xmlns:a14="http://schemas.microsoft.com/office/drawing/2010/main" Requires="a14">
+          <p:sp>
+            <p:nvSpPr>
+              <p:cNvPr id="3" name="Szöveg helye 2">
+                <a:extLst>
+                  <a:ext uri="{FF2B5EF4-FFF2-40B4-BE49-F238E27FC236}">
+                    <a16:creationId xmlns:a16="http://schemas.microsoft.com/office/drawing/2014/main" id="{BE1336AB-2313-8B44-1696-8FC4603D2628}"/>
+                  </a:ext>
+                </a:extLst>
+              </p:cNvPr>
+              <p:cNvSpPr>
+                <a:spLocks noGrp="1"/>
+              </p:cNvSpPr>
+              <p:nvPr>
+                <p:ph type="body" idx="1"/>
+              </p:nvPr>
+            </p:nvSpPr>
+            <p:spPr>
+              <a:xfrm>
+                <a:off x="838200" y="1825625"/>
+                <a:ext cx="10515600" cy="4351338"/>
+              </a:xfrm>
+            </p:spPr>
+            <p:txBody>
+              <a:bodyPr vert="horz" lIns="91440" tIns="45720" rIns="91440" bIns="45720" rtlCol="0">
+                <a:normAutofit/>
+              </a:bodyPr>
+              <a:lstStyle/>
+              <a:p>
+                <a14:m>
+                  <m:oMath xmlns:m="http://schemas.openxmlformats.org/officeDocument/2006/math">
+                    <m:sSub>
+                      <m:sSubPr>
+                        <m:ctrlPr>
+                          <a:rPr lang="hu-HU" b="0" i="1" dirty="0" smtClean="0">
+                            <a:solidFill>
+                              <a:srgbClr val="FFFFFF"/>
+                            </a:solidFill>
+                            <a:latin typeface="Cambria Math" panose="02040503050406030204" pitchFamily="18" charset="0"/>
+                          </a:rPr>
+                        </m:ctrlPr>
+                      </m:sSubPr>
+                      <m:e>
+                        <m:r>
+                          <a:rPr lang="hu-HU" b="0" i="1" dirty="0" smtClean="0">
+                            <a:solidFill>
+                              <a:srgbClr val="FFFFFF"/>
+                            </a:solidFill>
+                            <a:latin typeface="Cambria Math" panose="02040503050406030204" pitchFamily="18" charset="0"/>
+                          </a:rPr>
+                          <m:t>𝐻</m:t>
+                        </m:r>
+                      </m:e>
+                      <m:sub>
+                        <m:r>
+                          <a:rPr lang="hu-HU" b="0" i="1" dirty="0" smtClean="0">
+                            <a:solidFill>
+                              <a:srgbClr val="FFFFFF"/>
+                            </a:solidFill>
+                            <a:latin typeface="Cambria Math" panose="02040503050406030204" pitchFamily="18" charset="0"/>
+                          </a:rPr>
+                          <m:t>𝑖</m:t>
+                        </m:r>
+                      </m:sub>
+                    </m:sSub>
+                    <m:r>
+                      <a:rPr lang="hu-HU" b="0" i="1" dirty="0" smtClean="0">
+                        <a:solidFill>
+                          <a:srgbClr val="FFFFFF"/>
+                        </a:solidFill>
+                        <a:latin typeface="Cambria Math" panose="02040503050406030204" pitchFamily="18" charset="0"/>
+                      </a:rPr>
+                      <m:t>(</m:t>
+                    </m:r>
+                    <m:r>
+                      <a:rPr lang="hu-HU" b="0" i="1" dirty="0" smtClean="0">
+                        <a:solidFill>
+                          <a:srgbClr val="FFFFFF"/>
+                        </a:solidFill>
+                        <a:latin typeface="Cambria Math" panose="02040503050406030204" pitchFamily="18" charset="0"/>
+                      </a:rPr>
+                      <m:t>𝑥</m:t>
+                    </m:r>
+                    <m:r>
+                      <a:rPr lang="hu-HU" b="0" i="1" dirty="0" smtClean="0">
+                        <a:solidFill>
+                          <a:srgbClr val="FFFFFF"/>
+                        </a:solidFill>
+                        <a:latin typeface="Cambria Math" panose="02040503050406030204" pitchFamily="18" charset="0"/>
+                      </a:rPr>
+                      <m:t>)=</m:t>
+                    </m:r>
+                    <m:sSup>
+                      <m:sSupPr>
+                        <m:ctrlPr>
+                          <a:rPr lang="hu-HU" b="0" i="1" smtClean="0">
+                            <a:solidFill>
+                              <a:srgbClr val="FFFFFF"/>
+                            </a:solidFill>
+                            <a:latin typeface="Cambria Math" panose="02040503050406030204" pitchFamily="18" charset="0"/>
+                          </a:rPr>
+                        </m:ctrlPr>
+                      </m:sSupPr>
+                      <m:e>
+                        <m:d>
+                          <m:dPr>
+                            <m:ctrlPr>
+                              <a:rPr lang="hu-HU" b="0" i="1" smtClean="0">
+                                <a:solidFill>
+                                  <a:srgbClr val="FFFFFF"/>
+                                </a:solidFill>
+                                <a:latin typeface="Cambria Math" panose="02040503050406030204" pitchFamily="18" charset="0"/>
+                              </a:rPr>
+                            </m:ctrlPr>
+                          </m:dPr>
+                          <m:e>
+                            <m:sSub>
+                              <m:sSubPr>
+                                <m:ctrlPr>
+                                  <a:rPr lang="hu-HU" b="0" i="1" smtClean="0">
+                                    <a:solidFill>
+                                      <a:srgbClr val="FFFFFF"/>
+                                    </a:solidFill>
+                                    <a:latin typeface="Cambria Math" panose="02040503050406030204" pitchFamily="18" charset="0"/>
+                                  </a:rPr>
+                                </m:ctrlPr>
+                              </m:sSubPr>
+                              <m:e>
+                                <m:r>
+                                  <a:rPr lang="hu-HU" b="0" i="1" smtClean="0">
+                                    <a:solidFill>
+                                      <a:srgbClr val="FFFFFF"/>
+                                    </a:solidFill>
+                                    <a:latin typeface="Cambria Math" panose="02040503050406030204" pitchFamily="18" charset="0"/>
+                                  </a:rPr>
+                                  <m:t>𝑎</m:t>
+                                </m:r>
+                              </m:e>
+                              <m:sub>
+                                <m:r>
+                                  <a:rPr lang="hu-HU" b="0" i="1" smtClean="0">
+                                    <a:solidFill>
+                                      <a:srgbClr val="FFFFFF"/>
+                                    </a:solidFill>
+                                    <a:latin typeface="Cambria Math" panose="02040503050406030204" pitchFamily="18" charset="0"/>
+                                  </a:rPr>
+                                  <m:t>𝑖</m:t>
+                                </m:r>
+                              </m:sub>
+                            </m:sSub>
+                            <m:d>
+                              <m:dPr>
+                                <m:ctrlPr>
+                                  <a:rPr lang="hu-HU" b="0" i="1" smtClean="0">
+                                    <a:solidFill>
+                                      <a:srgbClr val="FFFFFF"/>
+                                    </a:solidFill>
+                                    <a:latin typeface="Cambria Math" panose="02040503050406030204" pitchFamily="18" charset="0"/>
+                                  </a:rPr>
+                                </m:ctrlPr>
+                              </m:dPr>
+                              <m:e>
+                                <m:r>
+                                  <a:rPr lang="hu-HU" b="0" i="1" smtClean="0">
+                                    <a:solidFill>
+                                      <a:srgbClr val="FFFFFF"/>
+                                    </a:solidFill>
+                                    <a:latin typeface="Cambria Math" panose="02040503050406030204" pitchFamily="18" charset="0"/>
+                                  </a:rPr>
+                                  <m:t>𝑥</m:t>
+                                </m:r>
+                              </m:e>
+                            </m:d>
+                            <m:d>
+                              <m:dPr>
+                                <m:ctrlPr>
+                                  <a:rPr lang="hu-HU" b="0" i="1" smtClean="0">
+                                    <a:solidFill>
+                                      <a:srgbClr val="FFFFFF"/>
+                                    </a:solidFill>
+                                    <a:latin typeface="Cambria Math" panose="02040503050406030204" pitchFamily="18" charset="0"/>
+                                  </a:rPr>
+                                </m:ctrlPr>
+                              </m:dPr>
+                              <m:e>
+                                <m:r>
+                                  <a:rPr lang="hu-HU" b="0" i="1" smtClean="0">
+                                    <a:solidFill>
+                                      <a:srgbClr val="FFFFFF"/>
+                                    </a:solidFill>
+                                    <a:latin typeface="Cambria Math" panose="02040503050406030204" pitchFamily="18" charset="0"/>
+                                  </a:rPr>
+                                  <m:t>−</m:t>
+                                </m:r>
+                                <m:f>
+                                  <m:fPr>
+                                    <m:ctrlPr>
+                                      <a:rPr lang="hu-HU" b="0" i="1" smtClean="0">
+                                        <a:solidFill>
+                                          <a:srgbClr val="FFFFFF"/>
+                                        </a:solidFill>
+                                        <a:latin typeface="Cambria Math" panose="02040503050406030204" pitchFamily="18" charset="0"/>
+                                      </a:rPr>
+                                    </m:ctrlPr>
+                                  </m:fPr>
+                                  <m:num>
+                                    <m:r>
+                                      <a:rPr lang="hu-HU" b="0" i="1" smtClean="0">
+                                        <a:solidFill>
+                                          <a:srgbClr val="FFFFFF"/>
+                                        </a:solidFill>
+                                        <a:latin typeface="Cambria Math" panose="02040503050406030204" pitchFamily="18" charset="0"/>
+                                      </a:rPr>
+                                      <m:t>𝑛</m:t>
+                                    </m:r>
+                                    <m:r>
+                                      <a:rPr lang="hu-HU" b="0" i="1" smtClean="0">
+                                        <a:solidFill>
+                                          <a:srgbClr val="FFFFFF"/>
+                                        </a:solidFill>
+                                        <a:latin typeface="Cambria Math" panose="02040503050406030204" pitchFamily="18" charset="0"/>
+                                      </a:rPr>
+                                      <m:t>+2</m:t>
+                                    </m:r>
+                                  </m:num>
+                                  <m:den>
+                                    <m:r>
+                                      <a:rPr lang="hu-HU" b="0" i="1" smtClean="0">
+                                        <a:solidFill>
+                                          <a:srgbClr val="FFFFFF"/>
+                                        </a:solidFill>
+                                        <a:latin typeface="Cambria Math" panose="02040503050406030204" pitchFamily="18" charset="0"/>
+                                      </a:rPr>
+                                      <m:t>2</m:t>
+                                    </m:r>
+                                    <m:r>
+                                      <a:rPr lang="hu-HU" b="0" i="1" smtClean="0">
+                                        <a:solidFill>
+                                          <a:srgbClr val="FFFFFF"/>
+                                        </a:solidFill>
+                                        <a:latin typeface="Cambria Math" panose="02040503050406030204" pitchFamily="18" charset="0"/>
+                                      </a:rPr>
+                                      <m:t>𝐴</m:t>
+                                    </m:r>
+                                  </m:den>
+                                </m:f>
+                              </m:e>
+                            </m:d>
+                            <m:sSup>
+                              <m:sSupPr>
+                                <m:ctrlPr>
+                                  <a:rPr lang="hu-HU" b="0" i="1" smtClean="0">
+                                    <a:solidFill>
+                                      <a:srgbClr val="FFFFFF"/>
+                                    </a:solidFill>
+                                    <a:latin typeface="Cambria Math" panose="02040503050406030204" pitchFamily="18" charset="0"/>
+                                  </a:rPr>
+                                </m:ctrlPr>
+                              </m:sSupPr>
+                              <m:e>
+                                <m:d>
+                                  <m:dPr>
+                                    <m:ctrlPr>
+                                      <a:rPr lang="hu-HU" b="0" i="1" smtClean="0">
+                                        <a:solidFill>
+                                          <a:srgbClr val="FFFFFF"/>
+                                        </a:solidFill>
+                                        <a:latin typeface="Cambria Math" panose="02040503050406030204" pitchFamily="18" charset="0"/>
+                                      </a:rPr>
+                                    </m:ctrlPr>
+                                  </m:dPr>
+                                  <m:e>
+                                    <m:r>
+                                      <a:rPr lang="hu-HU" b="0" i="1" smtClean="0">
+                                        <a:solidFill>
+                                          <a:srgbClr val="FFFFFF"/>
+                                        </a:solidFill>
+                                        <a:latin typeface="Cambria Math" panose="02040503050406030204" pitchFamily="18" charset="0"/>
+                                      </a:rPr>
+                                      <m:t>𝜌</m:t>
+                                    </m:r>
+                                    <m:r>
+                                      <a:rPr lang="hu-HU" b="0" i="1" smtClean="0">
+                                        <a:solidFill>
+                                          <a:srgbClr val="FFFFFF"/>
+                                        </a:solidFill>
+                                        <a:latin typeface="Cambria Math" panose="02040503050406030204" pitchFamily="18" charset="0"/>
+                                      </a:rPr>
+                                      <m:t>𝑔</m:t>
+                                    </m:r>
+                                  </m:e>
+                                </m:d>
+                              </m:e>
+                              <m:sup>
+                                <m:r>
+                                  <a:rPr lang="hu-HU" b="0" i="1" smtClean="0">
+                                    <a:solidFill>
+                                      <a:srgbClr val="FFFFFF"/>
+                                    </a:solidFill>
+                                    <a:latin typeface="Cambria Math" panose="02040503050406030204" pitchFamily="18" charset="0"/>
+                                  </a:rPr>
+                                  <m:t>−</m:t>
+                                </m:r>
+                                <m:r>
+                                  <a:rPr lang="hu-HU" b="0" i="1" smtClean="0">
+                                    <a:solidFill>
+                                      <a:srgbClr val="FFFFFF"/>
+                                    </a:solidFill>
+                                    <a:latin typeface="Cambria Math" panose="02040503050406030204" pitchFamily="18" charset="0"/>
+                                  </a:rPr>
+                                  <m:t>𝑛</m:t>
+                                </m:r>
+                              </m:sup>
+                            </m:sSup>
+                            <m:sSup>
+                              <m:sSupPr>
+                                <m:ctrlPr>
+                                  <a:rPr lang="hu-HU" b="0" i="1" smtClean="0">
+                                    <a:solidFill>
+                                      <a:srgbClr val="FFFFFF"/>
+                                    </a:solidFill>
+                                    <a:latin typeface="Cambria Math" panose="02040503050406030204" pitchFamily="18" charset="0"/>
+                                  </a:rPr>
+                                </m:ctrlPr>
+                              </m:sSupPr>
+                              <m:e>
+                                <m:d>
+                                  <m:dPr>
+                                    <m:begChr m:val="|"/>
+                                    <m:endChr m:val="|"/>
+                                    <m:ctrlPr>
+                                      <a:rPr lang="hu-HU" b="0" i="1" smtClean="0">
+                                        <a:solidFill>
+                                          <a:srgbClr val="FFFFFF"/>
+                                        </a:solidFill>
+                                        <a:latin typeface="Cambria Math" panose="02040503050406030204" pitchFamily="18" charset="0"/>
+                                      </a:rPr>
+                                    </m:ctrlPr>
+                                  </m:dPr>
+                                  <m:e>
+                                    <m:f>
+                                      <m:fPr>
+                                        <m:ctrlPr>
+                                          <a:rPr lang="hu-HU" b="0" i="1" smtClean="0">
+                                            <a:solidFill>
+                                              <a:srgbClr val="FFFFFF"/>
+                                            </a:solidFill>
+                                            <a:latin typeface="Cambria Math" panose="02040503050406030204" pitchFamily="18" charset="0"/>
+                                          </a:rPr>
+                                        </m:ctrlPr>
+                                      </m:fPr>
+                                      <m:num>
+                                        <m:r>
+                                          <a:rPr lang="hu-HU" b="0" i="1" smtClean="0">
+                                            <a:solidFill>
+                                              <a:srgbClr val="FFFFFF"/>
+                                            </a:solidFill>
+                                            <a:latin typeface="Cambria Math" panose="02040503050406030204" pitchFamily="18" charset="0"/>
+                                          </a:rPr>
+                                          <m:t>ⅆ</m:t>
+                                        </m:r>
+                                        <m:r>
+                                          <a:rPr lang="hu-HU" b="0" i="1" smtClean="0">
+                                            <a:solidFill>
+                                              <a:srgbClr val="FFFFFF"/>
+                                            </a:solidFill>
+                                            <a:latin typeface="Cambria Math" panose="02040503050406030204" pitchFamily="18" charset="0"/>
+                                          </a:rPr>
+                                          <m:t>h</m:t>
+                                        </m:r>
+                                      </m:num>
+                                      <m:den>
+                                        <m:r>
+                                          <a:rPr lang="hu-HU" b="0" i="1" smtClean="0">
+                                            <a:solidFill>
+                                              <a:srgbClr val="FFFFFF"/>
+                                            </a:solidFill>
+                                            <a:latin typeface="Cambria Math" panose="02040503050406030204" pitchFamily="18" charset="0"/>
+                                          </a:rPr>
+                                          <m:t>ⅆ</m:t>
+                                        </m:r>
+                                        <m:r>
+                                          <a:rPr lang="hu-HU" b="0" i="1" smtClean="0">
+                                            <a:solidFill>
+                                              <a:srgbClr val="FFFFFF"/>
+                                            </a:solidFill>
+                                            <a:latin typeface="Cambria Math" panose="02040503050406030204" pitchFamily="18" charset="0"/>
+                                          </a:rPr>
+                                          <m:t>𝑥</m:t>
+                                        </m:r>
+                                      </m:den>
+                                    </m:f>
+                                  </m:e>
+                                </m:d>
+                              </m:e>
+                              <m:sup>
+                                <m:r>
+                                  <a:rPr lang="hu-HU" b="0" i="1" smtClean="0">
+                                    <a:solidFill>
+                                      <a:srgbClr val="FFFFFF"/>
+                                    </a:solidFill>
+                                    <a:latin typeface="Cambria Math" panose="02040503050406030204" pitchFamily="18" charset="0"/>
+                                  </a:rPr>
+                                  <m:t>1−</m:t>
+                                </m:r>
+                                <m:r>
+                                  <a:rPr lang="hu-HU" b="0" i="1" smtClean="0">
+                                    <a:solidFill>
+                                      <a:srgbClr val="FFFFFF"/>
+                                    </a:solidFill>
+                                    <a:latin typeface="Cambria Math" panose="02040503050406030204" pitchFamily="18" charset="0"/>
+                                  </a:rPr>
+                                  <m:t>𝑛</m:t>
+                                </m:r>
+                              </m:sup>
+                            </m:sSup>
+                            <m:sSup>
+                              <m:sSupPr>
+                                <m:ctrlPr>
+                                  <a:rPr lang="hu-HU" b="0" i="1" smtClean="0">
+                                    <a:solidFill>
+                                      <a:srgbClr val="FFFFFF"/>
+                                    </a:solidFill>
+                                    <a:latin typeface="Cambria Math" panose="02040503050406030204" pitchFamily="18" charset="0"/>
+                                  </a:rPr>
+                                </m:ctrlPr>
+                              </m:sSupPr>
+                              <m:e>
+                                <m:d>
+                                  <m:dPr>
+                                    <m:begChr m:val="|"/>
+                                    <m:endChr m:val="|"/>
+                                    <m:ctrlPr>
+                                      <a:rPr lang="hu-HU" b="0" i="1" smtClean="0">
+                                        <a:solidFill>
+                                          <a:srgbClr val="FFFFFF"/>
+                                        </a:solidFill>
+                                        <a:latin typeface="Cambria Math" panose="02040503050406030204" pitchFamily="18" charset="0"/>
+                                      </a:rPr>
+                                    </m:ctrlPr>
+                                  </m:dPr>
+                                  <m:e>
+                                    <m:f>
+                                      <m:fPr>
+                                        <m:ctrlPr>
+                                          <a:rPr lang="hu-HU" b="0" i="1" smtClean="0">
+                                            <a:solidFill>
+                                              <a:srgbClr val="FFFFFF"/>
+                                            </a:solidFill>
+                                            <a:latin typeface="Cambria Math" panose="02040503050406030204" pitchFamily="18" charset="0"/>
+                                          </a:rPr>
+                                        </m:ctrlPr>
+                                      </m:fPr>
+                                      <m:num>
+                                        <m:r>
+                                          <a:rPr lang="hu-HU" b="0" i="1" smtClean="0">
+                                            <a:solidFill>
+                                              <a:srgbClr val="FFFFFF"/>
+                                            </a:solidFill>
+                                            <a:latin typeface="Cambria Math" panose="02040503050406030204" pitchFamily="18" charset="0"/>
+                                          </a:rPr>
+                                          <m:t>ⅆ</m:t>
+                                        </m:r>
+                                        <m:r>
+                                          <a:rPr lang="hu-HU" b="0" i="1" smtClean="0">
+                                            <a:solidFill>
+                                              <a:srgbClr val="FFFFFF"/>
+                                            </a:solidFill>
+                                            <a:latin typeface="Cambria Math" panose="02040503050406030204" pitchFamily="18" charset="0"/>
+                                          </a:rPr>
+                                          <m:t>h</m:t>
+                                        </m:r>
+                                      </m:num>
+                                      <m:den>
+                                        <m:r>
+                                          <a:rPr lang="hu-HU" b="0" i="1" smtClean="0">
+                                            <a:solidFill>
+                                              <a:srgbClr val="FFFFFF"/>
+                                            </a:solidFill>
+                                            <a:latin typeface="Cambria Math" panose="02040503050406030204" pitchFamily="18" charset="0"/>
+                                          </a:rPr>
+                                          <m:t>ⅆ</m:t>
+                                        </m:r>
+                                        <m:r>
+                                          <a:rPr lang="hu-HU" b="0" i="1" smtClean="0">
+                                            <a:solidFill>
+                                              <a:srgbClr val="FFFFFF"/>
+                                            </a:solidFill>
+                                            <a:latin typeface="Cambria Math" panose="02040503050406030204" pitchFamily="18" charset="0"/>
+                                          </a:rPr>
+                                          <m:t>𝑥</m:t>
+                                        </m:r>
+                                      </m:den>
+                                    </m:f>
+                                  </m:e>
+                                </m:d>
+                              </m:e>
+                              <m:sup>
+                                <m:r>
+                                  <a:rPr lang="hu-HU" b="0" i="1" smtClean="0">
+                                    <a:solidFill>
+                                      <a:srgbClr val="FFFFFF"/>
+                                    </a:solidFill>
+                                    <a:latin typeface="Cambria Math" panose="02040503050406030204" pitchFamily="18" charset="0"/>
+                                  </a:rPr>
+                                  <m:t>−1</m:t>
+                                </m:r>
+                              </m:sup>
+                            </m:sSup>
+                          </m:e>
+                        </m:d>
+                      </m:e>
+                      <m:sup>
+                        <m:f>
+                          <m:fPr>
+                            <m:ctrlPr>
+                              <a:rPr lang="hu-HU" b="0" i="1" smtClean="0">
+                                <a:solidFill>
+                                  <a:srgbClr val="FFFFFF"/>
+                                </a:solidFill>
+                                <a:latin typeface="Cambria Math" panose="02040503050406030204" pitchFamily="18" charset="0"/>
+                              </a:rPr>
+                            </m:ctrlPr>
+                          </m:fPr>
+                          <m:num>
+                            <m:r>
+                              <a:rPr lang="hu-HU" b="0" i="1" smtClean="0">
+                                <a:solidFill>
+                                  <a:srgbClr val="FFFFFF"/>
+                                </a:solidFill>
+                                <a:latin typeface="Cambria Math" panose="02040503050406030204" pitchFamily="18" charset="0"/>
+                              </a:rPr>
+                              <m:t>1</m:t>
+                            </m:r>
+                          </m:num>
+                          <m:den>
+                            <m:r>
+                              <a:rPr lang="hu-HU" b="0" i="1" smtClean="0">
+                                <a:solidFill>
+                                  <a:srgbClr val="FFFFFF"/>
+                                </a:solidFill>
+                                <a:latin typeface="Cambria Math" panose="02040503050406030204" pitchFamily="18" charset="0"/>
+                              </a:rPr>
+                              <m:t>𝑛</m:t>
+                            </m:r>
+                            <m:r>
+                              <a:rPr lang="hu-HU" b="0" i="1" smtClean="0">
+                                <a:solidFill>
+                                  <a:srgbClr val="FFFFFF"/>
+                                </a:solidFill>
+                                <a:latin typeface="Cambria Math" panose="02040503050406030204" pitchFamily="18" charset="0"/>
+                              </a:rPr>
+                              <m:t>+</m:t>
+                            </m:r>
+                            <m:r>
+                              <a:rPr lang="hu-HU" b="0" i="1" smtClean="0">
+                                <a:solidFill>
+                                  <a:srgbClr val="FFFFFF"/>
+                                </a:solidFill>
+                                <a:latin typeface="Cambria Math" panose="02040503050406030204" pitchFamily="18" charset="0"/>
+                              </a:rPr>
+                              <m:t>𝑧</m:t>
+                            </m:r>
+                          </m:den>
+                        </m:f>
+                      </m:sup>
+                    </m:sSup>
+                  </m:oMath>
+                </a14:m>
+                <a:endParaRPr lang="hu-HU" dirty="0">
+                  <a:solidFill>
+                    <a:srgbClr val="FFFFFF"/>
+                  </a:solidFill>
+                </a:endParaRPr>
+              </a:p>
+              <a:p>
+                <a:r>
+                  <a:rPr lang="hu-HU" dirty="0" err="1">
+                    <a:solidFill>
+                      <a:srgbClr val="FFFFFF"/>
+                    </a:solidFill>
+                  </a:rPr>
+                  <a:t>Error</a:t>
+                </a:r>
+                <a:r>
+                  <a:rPr lang="hu-HU" dirty="0">
+                    <a:solidFill>
+                      <a:srgbClr val="FFFFFF"/>
+                    </a:solidFill>
+                  </a:rPr>
+                  <a:t>: </a:t>
+                </a:r>
+                <a14:m>
+                  <m:oMath xmlns:m="http://schemas.openxmlformats.org/officeDocument/2006/math">
+                    <m:r>
+                      <a:rPr lang="en-US" i="1" smtClean="0">
+                        <a:solidFill>
+                          <a:srgbClr val="FFFFFF"/>
+                        </a:solidFill>
+                        <a:latin typeface="Cambria Math" panose="02040503050406030204" pitchFamily="18" charset="0"/>
+                      </a:rPr>
+                      <m:t>𝑓</m:t>
+                    </m:r>
+                    <m:r>
+                      <a:rPr lang="hu-HU" b="0" i="1" smtClean="0">
+                        <a:solidFill>
+                          <a:srgbClr val="FFFFFF"/>
+                        </a:solidFill>
+                        <a:latin typeface="Cambria Math" panose="02040503050406030204" pitchFamily="18" charset="0"/>
+                      </a:rPr>
+                      <m:t>(</m:t>
+                    </m:r>
+                    <m:r>
+                      <a:rPr lang="hu-HU" b="0" i="1" smtClean="0">
+                        <a:solidFill>
+                          <a:srgbClr val="FFFFFF"/>
+                        </a:solidFill>
+                        <a:latin typeface="Cambria Math" panose="02040503050406030204" pitchFamily="18" charset="0"/>
+                      </a:rPr>
+                      <m:t>𝑥</m:t>
+                    </m:r>
+                    <m:r>
+                      <a:rPr lang="hu-HU" b="0" i="1" smtClean="0">
+                        <a:solidFill>
+                          <a:srgbClr val="FFFFFF"/>
+                        </a:solidFill>
+                        <a:latin typeface="Cambria Math" panose="02040503050406030204" pitchFamily="18" charset="0"/>
+                      </a:rPr>
+                      <m:t>)=</m:t>
+                    </m:r>
+                    <m:sSubSup>
+                      <m:sSubSupPr>
+                        <m:ctrlPr>
+                          <a:rPr lang="en-US" i="1" smtClean="0">
+                            <a:solidFill>
+                              <a:srgbClr val="FFFFFF"/>
+                            </a:solidFill>
+                            <a:latin typeface="Cambria Math" panose="02040503050406030204" pitchFamily="18" charset="0"/>
+                          </a:rPr>
+                        </m:ctrlPr>
+                      </m:sSubSupPr>
+                      <m:e>
+                        <m:d>
+                          <m:dPr>
+                            <m:begChr m:val="‖"/>
+                            <m:endChr m:val="‖"/>
+                            <m:ctrlPr>
+                              <a:rPr lang="en-US" i="1" smtClean="0">
+                                <a:solidFill>
+                                  <a:srgbClr val="FFFFFF"/>
+                                </a:solidFill>
+                                <a:latin typeface="Cambria Math" panose="02040503050406030204" pitchFamily="18" charset="0"/>
+                              </a:rPr>
+                            </m:ctrlPr>
+                          </m:dPr>
+                          <m:e>
+                            <m:sSub>
+                              <m:sSubPr>
+                                <m:ctrlPr>
+                                  <a:rPr lang="hu-HU" i="1" dirty="0">
+                                    <a:solidFill>
+                                      <a:srgbClr val="FFFFFF"/>
+                                    </a:solidFill>
+                                    <a:latin typeface="Cambria Math" panose="02040503050406030204" pitchFamily="18" charset="0"/>
+                                  </a:rPr>
+                                </m:ctrlPr>
+                              </m:sSubPr>
+                              <m:e>
+                                <m:r>
+                                  <a:rPr lang="hu-HU" i="1" dirty="0">
+                                    <a:solidFill>
+                                      <a:srgbClr val="FFFFFF"/>
+                                    </a:solidFill>
+                                    <a:latin typeface="Cambria Math" panose="02040503050406030204" pitchFamily="18" charset="0"/>
+                                  </a:rPr>
+                                  <m:t>𝐻</m:t>
+                                </m:r>
+                              </m:e>
+                              <m:sub>
+                                <m:r>
+                                  <a:rPr lang="hu-HU" i="1" dirty="0">
+                                    <a:solidFill>
+                                      <a:srgbClr val="FFFFFF"/>
+                                    </a:solidFill>
+                                    <a:latin typeface="Cambria Math" panose="02040503050406030204" pitchFamily="18" charset="0"/>
+                                  </a:rPr>
+                                  <m:t>𝑖</m:t>
+                                </m:r>
+                              </m:sub>
+                            </m:sSub>
+                            <m:r>
+                              <a:rPr lang="hu-HU" i="1" dirty="0">
+                                <a:solidFill>
+                                  <a:srgbClr val="FFFFFF"/>
+                                </a:solidFill>
+                                <a:latin typeface="Cambria Math" panose="02040503050406030204" pitchFamily="18" charset="0"/>
+                              </a:rPr>
+                              <m:t>(</m:t>
+                            </m:r>
+                            <m:r>
+                              <a:rPr lang="hu-HU" i="1" dirty="0">
+                                <a:solidFill>
+                                  <a:srgbClr val="FFFFFF"/>
+                                </a:solidFill>
+                                <a:latin typeface="Cambria Math" panose="02040503050406030204" pitchFamily="18" charset="0"/>
+                              </a:rPr>
+                              <m:t>𝑥</m:t>
+                            </m:r>
+                            <m:r>
+                              <a:rPr lang="hu-HU" i="1" dirty="0">
+                                <a:solidFill>
+                                  <a:srgbClr val="FFFFFF"/>
+                                </a:solidFill>
+                                <a:latin typeface="Cambria Math" panose="02040503050406030204" pitchFamily="18" charset="0"/>
+                              </a:rPr>
+                              <m:t>)−</m:t>
+                            </m:r>
+                            <m:sSubSup>
+                              <m:sSubSupPr>
+                                <m:ctrlPr>
+                                  <a:rPr lang="en-US" i="1" smtClean="0">
+                                    <a:solidFill>
+                                      <a:srgbClr val="FFFFFF"/>
+                                    </a:solidFill>
+                                    <a:latin typeface="Cambria Math" panose="02040503050406030204" pitchFamily="18" charset="0"/>
+                                  </a:rPr>
+                                </m:ctrlPr>
+                              </m:sSubSupPr>
+                              <m:e>
+                                <m:r>
+                                  <a:rPr lang="hu-HU" b="0" i="1" smtClean="0">
+                                    <a:solidFill>
+                                      <a:srgbClr val="FFFFFF"/>
+                                    </a:solidFill>
+                                    <a:latin typeface="Cambria Math" panose="02040503050406030204" pitchFamily="18" charset="0"/>
+                                  </a:rPr>
+                                  <m:t>𝐻</m:t>
+                                </m:r>
+                              </m:e>
+                              <m:sub>
+                                <m:r>
+                                  <a:rPr lang="hu-HU" b="0" i="1" smtClean="0">
+                                    <a:solidFill>
+                                      <a:srgbClr val="FFFFFF"/>
+                                    </a:solidFill>
+                                    <a:latin typeface="Cambria Math" panose="02040503050406030204" pitchFamily="18" charset="0"/>
+                                  </a:rPr>
+                                  <m:t>𝑖</m:t>
+                                </m:r>
+                              </m:sub>
+                              <m:sup>
+                                <m:r>
+                                  <a:rPr lang="hu-HU" b="0" i="1" smtClean="0">
+                                    <a:solidFill>
+                                      <a:srgbClr val="FFFFFF"/>
+                                    </a:solidFill>
+                                    <a:latin typeface="Cambria Math" panose="02040503050406030204" pitchFamily="18" charset="0"/>
+                                  </a:rPr>
+                                  <m:t>𝑜𝑏𝑠</m:t>
+                                </m:r>
+                              </m:sup>
+                            </m:sSubSup>
+                            <m:r>
+                              <a:rPr lang="en-US" i="1" smtClean="0">
+                                <a:solidFill>
+                                  <a:srgbClr val="FFFFFF"/>
+                                </a:solidFill>
+                                <a:latin typeface="Cambria Math" panose="02040503050406030204" pitchFamily="18" charset="0"/>
+                              </a:rPr>
+                              <m:t> </m:t>
+                            </m:r>
+                            <m:r>
+                              <a:rPr lang="hu-HU" b="0" i="1" smtClean="0">
+                                <a:solidFill>
+                                  <a:srgbClr val="FFFFFF"/>
+                                </a:solidFill>
+                                <a:latin typeface="Cambria Math" panose="02040503050406030204" pitchFamily="18" charset="0"/>
+                              </a:rPr>
+                              <m:t>(</m:t>
+                            </m:r>
+                            <m:r>
+                              <a:rPr lang="hu-HU" b="0" i="1" smtClean="0">
+                                <a:solidFill>
+                                  <a:srgbClr val="FFFFFF"/>
+                                </a:solidFill>
+                                <a:latin typeface="Cambria Math" panose="02040503050406030204" pitchFamily="18" charset="0"/>
+                              </a:rPr>
+                              <m:t>𝑥</m:t>
+                            </m:r>
+                            <m:r>
+                              <a:rPr lang="hu-HU" b="0" i="1" smtClean="0">
+                                <a:solidFill>
+                                  <a:srgbClr val="FFFFFF"/>
+                                </a:solidFill>
+                                <a:latin typeface="Cambria Math" panose="02040503050406030204" pitchFamily="18" charset="0"/>
+                              </a:rPr>
+                              <m:t>) </m:t>
+                            </m:r>
+                          </m:e>
+                        </m:d>
+                      </m:e>
+                      <m:sub>
+                        <m:r>
+                          <a:rPr lang="en-US" i="1" smtClean="0">
+                            <a:solidFill>
+                              <a:srgbClr val="FFFFFF"/>
+                            </a:solidFill>
+                            <a:latin typeface="Cambria Math" panose="02040503050406030204" pitchFamily="18" charset="0"/>
+                          </a:rPr>
+                          <m:t>2</m:t>
+                        </m:r>
+                      </m:sub>
+                      <m:sup>
+                        <m:r>
+                          <a:rPr lang="en-US" i="1" smtClean="0">
+                            <a:solidFill>
+                              <a:srgbClr val="FFFFFF"/>
+                            </a:solidFill>
+                            <a:latin typeface="Cambria Math" panose="02040503050406030204" pitchFamily="18" charset="0"/>
+                          </a:rPr>
+                          <m:t>2</m:t>
+                        </m:r>
+                      </m:sup>
+                    </m:sSubSup>
+                  </m:oMath>
+                </a14:m>
+                <a:endParaRPr lang="hu-HU" dirty="0">
+                  <a:solidFill>
+                    <a:srgbClr val="FFFFFF"/>
+                  </a:solidFill>
+                </a:endParaRPr>
+              </a:p>
+              <a:p>
+                <a:endParaRPr lang="hu-HU" dirty="0">
+                  <a:solidFill>
+                    <a:srgbClr val="FFFFFF"/>
+                  </a:solidFill>
+                </a:endParaRPr>
+              </a:p>
+              <a:p>
+                <a:r>
+                  <a:rPr lang="hu-HU" dirty="0" err="1">
+                    <a:solidFill>
+                      <a:srgbClr val="FFFFFF"/>
+                    </a:solidFill>
+                  </a:rPr>
+                  <a:t>Same</a:t>
+                </a:r>
+                <a:r>
+                  <a:rPr lang="hu-HU" dirty="0">
+                    <a:solidFill>
+                      <a:srgbClr val="FFFFFF"/>
+                    </a:solidFill>
+                  </a:rPr>
+                  <a:t> </a:t>
+                </a:r>
+                <a:r>
+                  <a:rPr lang="hu-HU" dirty="0" err="1">
+                    <a:solidFill>
+                      <a:srgbClr val="FFFFFF"/>
+                    </a:solidFill>
+                  </a:rPr>
+                  <a:t>results</a:t>
+                </a:r>
+                <a:r>
+                  <a:rPr lang="hu-HU" dirty="0">
+                    <a:solidFill>
+                      <a:srgbClr val="FFFFFF"/>
+                    </a:solidFill>
+                  </a:rPr>
+                  <a:t> </a:t>
+                </a:r>
+                <a:r>
+                  <a:rPr lang="hu-HU" dirty="0" err="1">
+                    <a:solidFill>
+                      <a:srgbClr val="FFFFFF"/>
+                    </a:solidFill>
+                  </a:rPr>
+                  <a:t>as</a:t>
+                </a:r>
+                <a:r>
+                  <a:rPr lang="hu-HU" dirty="0">
+                    <a:solidFill>
+                      <a:srgbClr val="FFFFFF"/>
+                    </a:solidFill>
+                  </a:rPr>
+                  <a:t> in </a:t>
+                </a:r>
+                <a:r>
+                  <a:rPr lang="hu-HU" dirty="0" err="1">
+                    <a:solidFill>
+                      <a:srgbClr val="FFFFFF"/>
+                    </a:solidFill>
+                  </a:rPr>
+                  <a:t>Task</a:t>
+                </a:r>
+                <a:r>
+                  <a:rPr lang="hu-HU" dirty="0">
+                    <a:solidFill>
+                      <a:srgbClr val="FFFFFF"/>
+                    </a:solidFill>
+                  </a:rPr>
+                  <a:t> 4.</a:t>
+                </a:r>
+              </a:p>
+              <a:p>
+                <a:endParaRPr lang="en-US" dirty="0">
+                  <a:solidFill>
+                    <a:srgbClr val="FFFFFF"/>
+                  </a:solidFill>
+                </a:endParaRPr>
+              </a:p>
+            </p:txBody>
+          </p:sp>
+        </mc:Choice>
+        <mc:Fallback>
+          <p:sp>
+            <p:nvSpPr>
+              <p:cNvPr id="3" name="Szöveg helye 2">
+                <a:extLst>
+                  <a:ext uri="{FF2B5EF4-FFF2-40B4-BE49-F238E27FC236}">
+                    <a16:creationId xmlns:a16="http://schemas.microsoft.com/office/drawing/2014/main" id="{BE1336AB-2313-8B44-1696-8FC4603D2628}"/>
+                  </a:ext>
+                </a:extLst>
+              </p:cNvPr>
+              <p:cNvSpPr>
+                <a:spLocks noGrp="1" noRot="1" noChangeAspect="1" noMove="1" noResize="1" noEditPoints="1" noAdjustHandles="1" noChangeArrowheads="1" noChangeShapeType="1" noTextEdit="1"/>
+              </p:cNvSpPr>
+              <p:nvPr>
+                <p:ph type="body" idx="1"/>
+              </p:nvPr>
+            </p:nvSpPr>
+            <p:spPr>
+              <a:xfrm>
+                <a:off x="838200" y="1825625"/>
+                <a:ext cx="10515600" cy="4351338"/>
+              </a:xfrm>
+              <a:blipFill>
+                <a:blip r:embed="rId3"/>
+                <a:stretch>
+                  <a:fillRect l="-1043"/>
+                </a:stretch>
+              </a:blipFill>
+            </p:spPr>
+            <p:txBody>
+              <a:bodyPr/>
+              <a:lstStyle/>
+              <a:p>
+                <a:r>
+                  <a:rPr lang="en-US">
+                    <a:noFill/>
+                  </a:rPr>
+                  <a:t> </a:t>
+                </a:r>
+              </a:p>
+            </p:txBody>
+          </p:sp>
+        </mc:Fallback>
+      </mc:AlternateContent>
     </p:spTree>
     <p:extLst>
       <p:ext uri="{BB962C8B-B14F-4D97-AF65-F5344CB8AC3E}">
@@ -5583,20 +6745,12 @@
               <a:lstStyle/>
               <a:p>
                 <a:r>
-                  <a:rPr lang="hu-HU" b="0" dirty="0" err="1">
-                    <a:solidFill>
-                      <a:srgbClr val="FFFFFF"/>
-                    </a:solidFill>
-                  </a:rPr>
-                  <a:t>Objective</a:t>
-                </a:r>
-                <a:r>
                   <a:rPr lang="hu-HU" b="0" dirty="0">
                     <a:solidFill>
                       <a:srgbClr val="FFFFFF"/>
                     </a:solidFill>
                   </a:rPr>
-                  <a:t> </a:t>
+                  <a:t>Objective </a:t>
                 </a:r>
                 <a:r>
                   <a:rPr lang="hu-HU" b="0" dirty="0" err="1">
@@ -6204,13 +7358,31 @@
                       <m:t>𝑓</m:t>
                     </m:r>
                     <m:r>
-                      <a:rPr lang="en-US" i="1" smtClean="0">
+                      <a:rPr lang="hu-HU" b="0" i="1" smtClean="0">
                         <a:solidFill>
                           <a:srgbClr val="FFFFFF"/>
                         </a:solidFill>
                         <a:latin typeface="Cambria Math" panose="02040503050406030204" pitchFamily="18" charset="0"/>
                       </a:rPr>
-                      <m:t>=</m:t>
+                      <m:t>(</m:t>
+                    </m:r>
+                    <m:r>
+                      <a:rPr lang="hu-HU" b="0" i="1" smtClean="0">
+                        <a:solidFill>
+                          <a:srgbClr val="FFFFFF"/>
+                        </a:solidFill>
+                        <a:latin typeface="Cambria Math" panose="02040503050406030204" pitchFamily="18" charset="0"/>
+                      </a:rPr>
+                      <m:t>𝑥</m:t>
+                    </m:r>
+                    <m:r>
+                      <a:rPr lang="hu-HU" b="0" i="1" smtClean="0">
+                        <a:solidFill>
+                          <a:srgbClr val="FFFFFF"/>
+                        </a:solidFill>
+                        <a:latin typeface="Cambria Math" panose="02040503050406030204" pitchFamily="18" charset="0"/>
+                      </a:rPr>
+                      <m:t>)=</m:t>
                     </m:r>
                     <m:sSubSup>
                       <m:sSubSupPr>
@@ -6303,13 +7475,13 @@
                               </m:e>
                               <m:sub>
                                 <m:r>
-                                  <a:rPr lang="en-US" i="1" smtClean="0">
+                                  <a:rPr lang="hu-HU" b="0" i="1" smtClean="0">
                                     <a:solidFill>
                                       <a:srgbClr val="FFFFFF"/>
                                     </a:solidFill>
                                     <a:latin typeface="Cambria Math" panose="02040503050406030204" pitchFamily="18" charset="0"/>
                                   </a:rPr>
-                                  <m:t>0</m:t>
+                                  <m:t>𝑜</m:t>
                                 </m:r>
                                 <m:r>
                                   <a:rPr lang="hu-HU" b="0" i="1" smtClean="0">
@@ -7031,6 +8203,14 @@
 <file path=ppt/slides/slide5.xml><?xml version="1.0" encoding="utf-8"?>
 <p:sld xmlns:a="http://schemas.openxmlformats.org/drawingml/2006/main" xmlns:r="http://schemas.openxmlformats.org/officeDocument/2006/relationships" xmlns:p="http://schemas.openxmlformats.org/presentationml/2006/main">
   <p:cSld>
+    <p:bg>
+      <p:bgPr>
+        <a:solidFill>
+          <a:schemeClr val="bg1"/>
+        </a:solidFill>
+        <a:effectLst/>
+      </p:bgPr>
+    </p:bg>
     <p:spTree>
       <p:nvGrpSpPr>
         <p:cNvPr id="1" name=""/>
@@ -7061,25 +8241,38 @@
             <p:ph type="title"/>
           </p:nvPr>
         </p:nvSpPr>
-        <p:spPr/>
-        <p:txBody>
-          <a:bodyPr/>
+        <p:spPr>
+          <a:xfrm>
+            <a:off x="838200" y="5702341"/>
+            <a:ext cx="7061616" cy="804161"/>
+          </a:xfrm>
+        </p:spPr>
+        <p:txBody>
+          <a:bodyPr vert="horz" lIns="91440" tIns="45720" rIns="91440" bIns="45720" rtlCol="0" anchor="ctr">
+            <a:normAutofit/>
+          </a:bodyPr>
           <a:lstStyle/>
           <a:p>
             <a:r>
-              <a:rPr lang="hu-HU"/>
+              <a:rPr lang="en-US" sz="3200" kern="1200">
+                <a:solidFill>
+                  <a:schemeClr val="tx1"/>
+                </a:solidFill>
+                <a:latin typeface="+mj-lt"/>
+                <a:ea typeface="+mj-ea"/>
+                <a:cs typeface="+mj-cs"/>
+              </a:rPr>
               <a:t>Visualization of the objective functions</a:t>
             </a:r>
-            <a:endParaRPr lang="en-US" dirty="0"/>
           </a:p>
         </p:txBody>
       </p:sp>
       <p:pic>
         <p:nvPicPr>
-          <p:cNvPr id="5" name="Kép 4" descr="A képen szöveg, sor, Diagram, diagram látható&#10;&#10;Automatikusan generált leírás">
-            <a:extLst>
-              <a:ext uri="{FF2B5EF4-FFF2-40B4-BE49-F238E27FC236}">
-                <a16:creationId xmlns:a16="http://schemas.microsoft.com/office/drawing/2014/main" id="{8889B8F7-0613-AD09-4BF3-05856FF2B3DC}"/>
+          <p:cNvPr id="4" name="Kép 3" descr="A képen szöveg, sor, Diagram, diagram látható&#10;&#10;Automatikusan generált leírás">
+            <a:extLst>
+              <a:ext uri="{FF2B5EF4-FFF2-40B4-BE49-F238E27FC236}">
+                <a16:creationId xmlns:a16="http://schemas.microsoft.com/office/drawing/2014/main" id="{08234F17-5F9E-6B6A-512F-23E23FFE795F}"/>
               </a:ext>
             </a:extLst>
           </p:cNvPr>
@@ -7088,7 +8281,7 @@
           </p:cNvPicPr>
           <p:nvPr/>
         </p:nvPicPr>
-        <p:blipFill>
+        <p:blipFill rotWithShape="1">
           <a:blip r:embed="rId2">
             <a:extLst>
               <a:ext uri="{28A0092B-C50C-407E-A947-70E740481C1C}">
@@ -7096,14 +8289,13 @@
               </a:ext>
             </a:extLst>
           </a:blip>
-          <a:stretch>
-            <a:fillRect/>
-          </a:stretch>
+          <a:srcRect l="4271" r="9138" b="1"/>
+          <a:stretch/>
         </p:blipFill>
         <p:spPr>
           <a:xfrm>
-            <a:off x="3429333" y="1429000"/>
-            <a:ext cx="5333333" cy="4000000"/>
+            <a:off x="-9" y="10"/>
+            <a:ext cx="6096000" cy="5279933"/>
           </a:xfrm>
           <a:prstGeom prst="rect">
             <a:avLst/>
@@ -7112,10 +8304,10 @@
       </p:pic>
       <p:pic>
         <p:nvPicPr>
-          <p:cNvPr id="7" name="Kép 6" descr="A képen sor, Diagram, diagram, szöveg látható&#10;&#10;Automatikusan generált leírás">
-            <a:extLst>
-              <a:ext uri="{FF2B5EF4-FFF2-40B4-BE49-F238E27FC236}">
-                <a16:creationId xmlns:a16="http://schemas.microsoft.com/office/drawing/2014/main" id="{9FEA415C-DA17-BA24-322C-44C80E620AD6}"/>
+          <p:cNvPr id="8" name="Kép 7" descr="A képen sor, Diagram, diagram, szöveg látható&#10;&#10;Automatikusan generált leírás">
+            <a:extLst>
+              <a:ext uri="{FF2B5EF4-FFF2-40B4-BE49-F238E27FC236}">
+                <a16:creationId xmlns:a16="http://schemas.microsoft.com/office/drawing/2014/main" id="{F3B459A1-775C-0725-7EEE-246905CC1809}"/>
               </a:ext>
             </a:extLst>
           </p:cNvPr>
@@ -7124,7 +8316,7 @@
           </p:cNvPicPr>
           <p:nvPr/>
         </p:nvPicPr>
-        <p:blipFill>
+        <p:blipFill rotWithShape="1">
           <a:blip r:embed="rId3">
             <a:extLst>
               <a:ext uri="{28A0092B-C50C-407E-A947-70E740481C1C}">
@@ -7132,20 +8324,194 @@
               </a:ext>
             </a:extLst>
           </a:blip>
-          <a:stretch>
-            <a:fillRect/>
-          </a:stretch>
+          <a:srcRect l="7888" r="5521" b="1"/>
+          <a:stretch/>
         </p:blipFill>
         <p:spPr>
           <a:xfrm>
-            <a:off x="1106011" y="3276461"/>
-            <a:ext cx="5333333" cy="4000000"/>
+            <a:off x="6096008" y="10"/>
+            <a:ext cx="6095999" cy="5279933"/>
           </a:xfrm>
           <a:prstGeom prst="rect">
             <a:avLst/>
           </a:prstGeom>
         </p:spPr>
       </p:pic>
+      <p:grpSp>
+        <p:nvGrpSpPr>
+          <p:cNvPr id="13" name="Group 12">
+            <a:extLst>
+              <a:ext uri="{FF2B5EF4-FFF2-40B4-BE49-F238E27FC236}">
+                <a16:creationId xmlns:a16="http://schemas.microsoft.com/office/drawing/2014/main" id="{4FAA5DCB-E796-5631-BEDF-C3538DF184E0}"/>
+              </a:ext>
+              <a:ext uri="{C183D7F6-B498-43B3-948B-1728B52AA6E4}">
+                <adec:decorative xmlns:adec="http://schemas.microsoft.com/office/drawing/2017/decorative" val="1"/>
+              </a:ext>
+            </a:extLst>
+          </p:cNvPr>
+          <p:cNvGrpSpPr>
+            <a:grpSpLocks noGrp="1" noUngrp="1" noRot="1" noChangeAspect="1" noMove="1" noResize="1"/>
+          </p:cNvGrpSpPr>
+          <p:nvPr>
+            <p:extLst>
+              <p:ext uri="{386F3935-93C4-4BCD-93E2-E3B085C9AB24}">
+                <p16:designElem xmlns:p16="http://schemas.microsoft.com/office/powerpoint/2015/main" val="1"/>
+              </p:ext>
+            </p:extLst>
+          </p:nvPr>
+        </p:nvGrpSpPr>
+        <p:grpSpPr>
+          <a:xfrm>
+            <a:off x="0" y="5186489"/>
+            <a:ext cx="12192000" cy="123364"/>
+            <a:chOff x="1" y="6737460"/>
+            <a:chExt cx="12192000" cy="123364"/>
+          </a:xfrm>
+        </p:grpSpPr>
+        <p:sp>
+          <p:nvSpPr>
+            <p:cNvPr id="14" name="Rectangle 13">
+              <a:extLst>
+                <a:ext uri="{FF2B5EF4-FFF2-40B4-BE49-F238E27FC236}">
+                  <a16:creationId xmlns:a16="http://schemas.microsoft.com/office/drawing/2014/main" id="{7D0E53FB-E9D7-2C90-1C0C-D8E0FA5DB8F5}"/>
+                </a:ext>
+                <a:ext uri="{C183D7F6-B498-43B3-948B-1728B52AA6E4}">
+                  <adec:decorative xmlns:adec="http://schemas.microsoft.com/office/drawing/2017/decorative" val="1"/>
+                </a:ext>
+              </a:extLst>
+            </p:cNvPr>
+            <p:cNvSpPr/>
+            <p:nvPr>
+              <p:extLst>
+                <p:ext uri="{386F3935-93C4-4BCD-93E2-E3B085C9AB24}">
+                  <p16:designElem xmlns:p16="http://schemas.microsoft.com/office/powerpoint/2015/main" val="1"/>
+                </p:ext>
+              </p:extLst>
+            </p:nvPr>
+          </p:nvSpPr>
+          <p:spPr>
+            <a:xfrm rot="16200000">
+              <a:off x="6034320" y="703141"/>
+              <a:ext cx="123362" cy="12192000"/>
+            </a:xfrm>
+            <a:prstGeom prst="rect">
+              <a:avLst/>
+            </a:prstGeom>
+            <a:gradFill>
+              <a:gsLst>
+                <a:gs pos="0">
+                  <a:schemeClr val="accent2"/>
+                </a:gs>
+                <a:gs pos="100000">
+                  <a:schemeClr val="accent5"/>
+                </a:gs>
+              </a:gsLst>
+              <a:lin ang="1800000" scaled="0"/>
+            </a:gradFill>
+            <a:ln>
+              <a:noFill/>
+            </a:ln>
+          </p:spPr>
+          <p:style>
+            <a:lnRef idx="2">
+              <a:schemeClr val="accent1">
+                <a:shade val="50000"/>
+              </a:schemeClr>
+            </a:lnRef>
+            <a:fillRef idx="1">
+              <a:schemeClr val="accent1"/>
+            </a:fillRef>
+            <a:effectRef idx="0">
+              <a:schemeClr val="accent1"/>
+            </a:effectRef>
+            <a:fontRef idx="minor">
+              <a:schemeClr val="lt1"/>
+            </a:fontRef>
+          </p:style>
+          <p:txBody>
+            <a:bodyPr rtlCol="0" anchor="ctr"/>
+            <a:lstStyle/>
+            <a:p>
+              <a:pPr algn="ctr"/>
+              <a:endParaRPr lang="en-US"/>
+            </a:p>
+          </p:txBody>
+        </p:sp>
+        <p:sp>
+          <p:nvSpPr>
+            <p:cNvPr id="15" name="Rectangle 14">
+              <a:extLst>
+                <a:ext uri="{FF2B5EF4-FFF2-40B4-BE49-F238E27FC236}">
+                  <a16:creationId xmlns:a16="http://schemas.microsoft.com/office/drawing/2014/main" id="{91AE1BA7-C690-2F30-65D6-3759194F2C79}"/>
+                </a:ext>
+                <a:ext uri="{C183D7F6-B498-43B3-948B-1728B52AA6E4}">
+                  <adec:decorative xmlns:adec="http://schemas.microsoft.com/office/drawing/2017/decorative" val="1"/>
+                </a:ext>
+              </a:extLst>
+            </p:cNvPr>
+            <p:cNvSpPr/>
+            <p:nvPr>
+              <p:extLst>
+                <p:ext uri="{386F3935-93C4-4BCD-93E2-E3B085C9AB24}">
+                  <p16:designElem xmlns:p16="http://schemas.microsoft.com/office/powerpoint/2015/main" val="1"/>
+                </p:ext>
+              </p:extLst>
+            </p:nvPr>
+          </p:nvSpPr>
+          <p:spPr>
+            <a:xfrm rot="16200000">
+              <a:off x="10240559" y="4909383"/>
+              <a:ext cx="123362" cy="3779520"/>
+            </a:xfrm>
+            <a:prstGeom prst="rect">
+              <a:avLst/>
+            </a:prstGeom>
+            <a:gradFill>
+              <a:gsLst>
+                <a:gs pos="19000">
+                  <a:schemeClr val="accent5">
+                    <a:alpha val="0"/>
+                  </a:schemeClr>
+                </a:gs>
+                <a:gs pos="100000">
+                  <a:schemeClr val="accent5">
+                    <a:lumMod val="60000"/>
+                    <a:lumOff val="40000"/>
+                  </a:schemeClr>
+                </a:gs>
+              </a:gsLst>
+              <a:lin ang="600000" scaled="0"/>
+            </a:gradFill>
+            <a:ln>
+              <a:noFill/>
+            </a:ln>
+          </p:spPr>
+          <p:style>
+            <a:lnRef idx="2">
+              <a:schemeClr val="accent1">
+                <a:shade val="50000"/>
+              </a:schemeClr>
+            </a:lnRef>
+            <a:fillRef idx="1">
+              <a:schemeClr val="accent1"/>
+            </a:fillRef>
+            <a:effectRef idx="0">
+              <a:schemeClr val="accent1"/>
+            </a:effectRef>
+            <a:fontRef idx="minor">
+              <a:schemeClr val="lt1"/>
+            </a:fontRef>
+          </p:style>
+          <p:txBody>
+            <a:bodyPr rtlCol="0" anchor="ctr"/>
+            <a:lstStyle/>
+            <a:p>
+              <a:pPr algn="ctr"/>
+              <a:endParaRPr lang="en-US"/>
+            </a:p>
+          </p:txBody>
+        </p:sp>
+      </p:grpSp>
     </p:spTree>
     <p:extLst>
       <p:ext uri="{BB962C8B-B14F-4D97-AF65-F5344CB8AC3E}">
@@ -7156,6 +8522,98 @@
   <p:clrMapOvr>
     <a:masterClrMapping/>
   </p:clrMapOvr>
+  <p:timing>
+    <p:tnLst>
+      <p:par>
+        <p:cTn id="1" dur="indefinite" restart="never" nodeType="tmRoot">
+          <p:childTnLst>
+            <p:seq concurrent="1" nextAc="seek">
+              <p:cTn id="2" dur="indefinite" nodeType="mainSeq">
+                <p:childTnLst>
+                  <p:par>
+                    <p:cTn id="3" fill="hold">
+                      <p:stCondLst>
+                        <p:cond delay="indefinite"/>
+                        <p:cond evt="onBegin" delay="0">
+                          <p:tn val="2"/>
+                        </p:cond>
+                      </p:stCondLst>
+                      <p:childTnLst>
+                        <p:par>
+                          <p:cTn id="4" fill="hold">
+                            <p:stCondLst>
+                              <p:cond delay="0"/>
+                            </p:stCondLst>
+                            <p:childTnLst>
+                              <p:par>
+                                <p:cTn id="5" presetID="10" presetClass="entr" presetSubtype="0" fill="hold" grpId="0" nodeType="withEffect">
+                                  <p:stCondLst>
+                                    <p:cond delay="1000"/>
+                                  </p:stCondLst>
+                                  <p:iterate>
+                                    <p:tmPct val="10000"/>
+                                  </p:iterate>
+                                  <p:childTnLst>
+                                    <p:set>
+                                      <p:cBhvr>
+                                        <p:cTn id="6" dur="1" fill="hold">
+                                          <p:stCondLst>
+                                            <p:cond delay="0"/>
+                                          </p:stCondLst>
+                                        </p:cTn>
+                                        <p:tgtEl>
+                                          <p:spTgt spid="2"/>
+                                        </p:tgtEl>
+                                        <p:attrNameLst>
+                                          <p:attrName>style.visibility</p:attrName>
+                                        </p:attrNameLst>
+                                      </p:cBhvr>
+                                      <p:to>
+                                        <p:strVal val="visible"/>
+                                      </p:to>
+                                    </p:set>
+                                    <p:animEffect transition="in" filter="fade">
+                                      <p:cBhvr>
+                                        <p:cTn id="7" dur="700"/>
+                                        <p:tgtEl>
+                                          <p:spTgt spid="2"/>
+                                        </p:tgtEl>
+                                      </p:cBhvr>
+                                    </p:animEffect>
+                                  </p:childTnLst>
+                                </p:cTn>
+                              </p:par>
+                            </p:childTnLst>
+                          </p:cTn>
+                        </p:par>
+                      </p:childTnLst>
+                    </p:cTn>
+                  </p:par>
+                </p:childTnLst>
+              </p:cTn>
+              <p:prevCondLst>
+                <p:cond evt="onPrev" delay="0">
+                  <p:tgtEl>
+                    <p:sldTgt/>
+                  </p:tgtEl>
+                </p:cond>
+              </p:prevCondLst>
+              <p:nextCondLst>
+                <p:cond evt="onNext" delay="0">
+                  <p:tgtEl>
+                    <p:sldTgt/>
+                  </p:tgtEl>
+                </p:cond>
+              </p:nextCondLst>
+            </p:seq>
+          </p:childTnLst>
+        </p:cTn>
+      </p:par>
+    </p:tnLst>
+    <p:bldLst>
+      <p:bldP spid="2" grpId="0"/>
+    </p:bldLst>
+  </p:timing>
 </p:sld>
 </file>
 
@@ -7463,6 +8921,20 @@
               <a:rPr lang="en-US" dirty="0"/>
               <a:t>n = 1.1 as an initial guess.</a:t>
             </a:r>
+            <a:endParaRPr lang="hu-HU" dirty="0"/>
+          </a:p>
+          <a:p>
+            <a:r>
+              <a:rPr lang="hu-HU" dirty="0"/>
+              <a:t>n = 62.9049</a:t>
+            </a:r>
+          </a:p>
+          <a:p>
+            <a:r>
+              <a:rPr lang="hu-HU" dirty="0"/>
+              <a:t>A = 1e-306.740 </a:t>
+            </a:r>
+            <a:endParaRPr lang="en-US" dirty="0"/>
           </a:p>
         </p:txBody>
       </p:sp>

--- a/Ice Sheet Modeling and Optimization.pptx
+++ b/Ice Sheet Modeling and Optimization.pptx
@@ -15,8 +15,9 @@
     <p:sldId id="267" r:id="rId9"/>
     <p:sldId id="262" r:id="rId10"/>
     <p:sldId id="263" r:id="rId11"/>
-    <p:sldId id="264" r:id="rId12"/>
-    <p:sldId id="265" r:id="rId13"/>
+    <p:sldId id="268" r:id="rId12"/>
+    <p:sldId id="264" r:id="rId13"/>
+    <p:sldId id="265" r:id="rId14"/>
   </p:sldIdLst>
   <p:sldSz cx="12192000" cy="6858000"/>
   <p:notesSz cx="6858000" cy="9144000"/>
@@ -272,7 +273,7 @@
           <a:p>
             <a:fld id="{BD40D4D6-A1E4-4A8F-BD49-CC603E896113}" type="datetimeFigureOut">
               <a:rPr lang="en-US" smtClean="0"/>
-              <a:t>11/24/2023</a:t>
+              <a:t>24-Nov-23</a:t>
             </a:fld>
             <a:endParaRPr lang="en-US"/>
           </a:p>
@@ -472,7 +473,7 @@
           <a:p>
             <a:fld id="{BD40D4D6-A1E4-4A8F-BD49-CC603E896113}" type="datetimeFigureOut">
               <a:rPr lang="en-US" smtClean="0"/>
-              <a:t>11/24/2023</a:t>
+              <a:t>24-Nov-23</a:t>
             </a:fld>
             <a:endParaRPr lang="en-US"/>
           </a:p>
@@ -682,7 +683,7 @@
           <a:p>
             <a:fld id="{BD40D4D6-A1E4-4A8F-BD49-CC603E896113}" type="datetimeFigureOut">
               <a:rPr lang="en-US" smtClean="0"/>
-              <a:t>11/24/2023</a:t>
+              <a:t>24-Nov-23</a:t>
             </a:fld>
             <a:endParaRPr lang="en-US"/>
           </a:p>
@@ -882,7 +883,7 @@
           <a:p>
             <a:fld id="{BD40D4D6-A1E4-4A8F-BD49-CC603E896113}" type="datetimeFigureOut">
               <a:rPr lang="en-US" smtClean="0"/>
-              <a:t>11/24/2023</a:t>
+              <a:t>24-Nov-23</a:t>
             </a:fld>
             <a:endParaRPr lang="en-US"/>
           </a:p>
@@ -1082,7 +1083,7 @@
           <a:p>
             <a:fld id="{BD40D4D6-A1E4-4A8F-BD49-CC603E896113}" type="datetimeFigureOut">
               <a:rPr lang="en-US" smtClean="0"/>
-              <a:t>11/24/2023</a:t>
+              <a:t>24-Nov-23</a:t>
             </a:fld>
             <a:endParaRPr lang="en-US"/>
           </a:p>
@@ -1358,7 +1359,7 @@
           <a:p>
             <a:fld id="{BD40D4D6-A1E4-4A8F-BD49-CC603E896113}" type="datetimeFigureOut">
               <a:rPr lang="en-US" smtClean="0"/>
-              <a:t>11/24/2023</a:t>
+              <a:t>24-Nov-23</a:t>
             </a:fld>
             <a:endParaRPr lang="en-US"/>
           </a:p>
@@ -1626,7 +1627,7 @@
           <a:p>
             <a:fld id="{BD40D4D6-A1E4-4A8F-BD49-CC603E896113}" type="datetimeFigureOut">
               <a:rPr lang="en-US" smtClean="0"/>
-              <a:t>11/24/2023</a:t>
+              <a:t>24-Nov-23</a:t>
             </a:fld>
             <a:endParaRPr lang="en-US"/>
           </a:p>
@@ -2041,7 +2042,7 @@
           <a:p>
             <a:fld id="{BD40D4D6-A1E4-4A8F-BD49-CC603E896113}" type="datetimeFigureOut">
               <a:rPr lang="en-US" smtClean="0"/>
-              <a:t>11/24/2023</a:t>
+              <a:t>24-Nov-23</a:t>
             </a:fld>
             <a:endParaRPr lang="en-US"/>
           </a:p>
@@ -2183,7 +2184,7 @@
           <a:p>
             <a:fld id="{BD40D4D6-A1E4-4A8F-BD49-CC603E896113}" type="datetimeFigureOut">
               <a:rPr lang="en-US" smtClean="0"/>
-              <a:t>11/24/2023</a:t>
+              <a:t>24-Nov-23</a:t>
             </a:fld>
             <a:endParaRPr lang="en-US"/>
           </a:p>
@@ -2296,7 +2297,7 @@
           <a:p>
             <a:fld id="{BD40D4D6-A1E4-4A8F-BD49-CC603E896113}" type="datetimeFigureOut">
               <a:rPr lang="en-US" smtClean="0"/>
-              <a:t>11/24/2023</a:t>
+              <a:t>24-Nov-23</a:t>
             </a:fld>
             <a:endParaRPr lang="en-US"/>
           </a:p>
@@ -2609,7 +2610,7 @@
           <a:p>
             <a:fld id="{BD40D4D6-A1E4-4A8F-BD49-CC603E896113}" type="datetimeFigureOut">
               <a:rPr lang="en-US" smtClean="0"/>
-              <a:t>11/24/2023</a:t>
+              <a:t>24-Nov-23</a:t>
             </a:fld>
             <a:endParaRPr lang="en-US"/>
           </a:p>
@@ -2898,7 +2899,7 @@
           <a:p>
             <a:fld id="{BD40D4D6-A1E4-4A8F-BD49-CC603E896113}" type="datetimeFigureOut">
               <a:rPr lang="en-US" smtClean="0"/>
-              <a:t>11/24/2023</a:t>
+              <a:t>24-Nov-23</a:t>
             </a:fld>
             <a:endParaRPr lang="en-US"/>
           </a:p>
@@ -3141,7 +3142,7 @@
           <a:p>
             <a:fld id="{BD40D4D6-A1E4-4A8F-BD49-CC603E896113}" type="datetimeFigureOut">
               <a:rPr lang="en-US" smtClean="0"/>
-              <a:t>11/24/2023</a:t>
+              <a:t>24-Nov-23</a:t>
             </a:fld>
             <a:endParaRPr lang="en-US"/>
           </a:p>
@@ -4288,286 +4289,162 @@
           </a:p>
         </p:txBody>
       </p:sp>
-      <p:sp>
-        <p:nvSpPr>
-          <p:cNvPr id="3" name="Szöveg helye 2">
-            <a:extLst>
-              <a:ext uri="{FF2B5EF4-FFF2-40B4-BE49-F238E27FC236}">
-                <a16:creationId xmlns:a16="http://schemas.microsoft.com/office/drawing/2014/main" id="{34D221F3-C694-F082-935E-7DC4417CDC41}"/>
-              </a:ext>
-            </a:extLst>
-          </p:cNvPr>
-          <p:cNvSpPr>
-            <a:spLocks noGrp="1"/>
-          </p:cNvSpPr>
-          <p:nvPr>
-            <p:ph type="body" idx="1"/>
-          </p:nvPr>
-        </p:nvSpPr>
-        <p:spPr>
-          <a:xfrm>
-            <a:off x="838200" y="1825625"/>
-            <a:ext cx="10515600" cy="4351338"/>
-          </a:xfrm>
-        </p:spPr>
-        <p:txBody>
-          <a:bodyPr vert="horz" lIns="91440" tIns="45720" rIns="91440" bIns="45720" rtlCol="0">
-            <a:normAutofit/>
-          </a:bodyPr>
-          <a:lstStyle/>
-          <a:p>
-            <a:r>
-              <a:rPr lang="en-US" dirty="0">
-                <a:solidFill>
-                  <a:srgbClr val="FFFFFF"/>
-                </a:solidFill>
-              </a:rPr>
-              <a:t>Is it possible to do task 1 and task 2 iteratively to find the optimal solution</a:t>
-            </a:r>
-            <a:r>
-              <a:rPr lang="hu-HU" dirty="0">
-                <a:solidFill>
-                  <a:srgbClr val="FFFFFF"/>
-                </a:solidFill>
-              </a:rPr>
-              <a:t> </a:t>
-            </a:r>
-            <a:r>
-              <a:rPr lang="en-US" dirty="0">
-                <a:solidFill>
-                  <a:srgbClr val="FFFFFF"/>
-                </a:solidFill>
-              </a:rPr>
-              <a:t>for both A and n?</a:t>
-            </a:r>
-            <a:endParaRPr lang="hu-HU" dirty="0">
-              <a:solidFill>
-                <a:srgbClr val="FFFFFF"/>
-              </a:solidFill>
-            </a:endParaRPr>
-          </a:p>
-          <a:p>
-            <a:endParaRPr lang="hu-HU" dirty="0">
-              <a:solidFill>
-                <a:srgbClr val="FFFFFF"/>
-              </a:solidFill>
-            </a:endParaRPr>
-          </a:p>
-          <a:p>
-            <a:r>
-              <a:rPr lang="hu-HU" dirty="0" err="1">
-                <a:solidFill>
-                  <a:srgbClr val="FFFFFF"/>
-                </a:solidFill>
-              </a:rPr>
-              <a:t>Possible</a:t>
-            </a:r>
-            <a:r>
-              <a:rPr lang="hu-HU" dirty="0">
-                <a:solidFill>
-                  <a:srgbClr val="FFFFFF"/>
-                </a:solidFill>
-              </a:rPr>
-              <a:t>, </a:t>
-            </a:r>
-            <a:r>
-              <a:rPr lang="hu-HU" dirty="0" err="1">
-                <a:solidFill>
-                  <a:srgbClr val="FFFFFF"/>
-                </a:solidFill>
-              </a:rPr>
-              <a:t>solution</a:t>
-            </a:r>
-            <a:r>
-              <a:rPr lang="hu-HU" dirty="0">
-                <a:solidFill>
-                  <a:srgbClr val="FFFFFF"/>
-                </a:solidFill>
-              </a:rPr>
-              <a:t> </a:t>
-            </a:r>
-            <a:r>
-              <a:rPr lang="hu-HU" dirty="0" err="1">
-                <a:solidFill>
-                  <a:srgbClr val="FFFFFF"/>
-                </a:solidFill>
-              </a:rPr>
-              <a:t>using</a:t>
-            </a:r>
-            <a:r>
-              <a:rPr lang="hu-HU" dirty="0">
-                <a:solidFill>
-                  <a:srgbClr val="FFFFFF"/>
-                </a:solidFill>
-              </a:rPr>
-              <a:t> </a:t>
-            </a:r>
-            <a:r>
-              <a:rPr lang="hu-HU" dirty="0" err="1">
-                <a:solidFill>
-                  <a:srgbClr val="FFFFFF"/>
-                </a:solidFill>
-              </a:rPr>
-              <a:t>lsqnonlin</a:t>
-            </a:r>
-            <a:r>
-              <a:rPr lang="hu-HU" dirty="0">
-                <a:solidFill>
-                  <a:srgbClr val="FFFFFF"/>
-                </a:solidFill>
-              </a:rPr>
-              <a:t> </a:t>
-            </a:r>
-            <a:r>
-              <a:rPr lang="hu-HU" dirty="0" err="1">
-                <a:solidFill>
-                  <a:srgbClr val="FFFFFF"/>
-                </a:solidFill>
-              </a:rPr>
-              <a:t>after</a:t>
-            </a:r>
-            <a:r>
-              <a:rPr lang="hu-HU" dirty="0">
-                <a:solidFill>
-                  <a:srgbClr val="FFFFFF"/>
-                </a:solidFill>
-              </a:rPr>
-              <a:t> </a:t>
-            </a:r>
-            <a:r>
-              <a:rPr lang="hu-HU" dirty="0" err="1">
-                <a:solidFill>
-                  <a:srgbClr val="FFFFFF"/>
-                </a:solidFill>
-              </a:rPr>
-              <a:t>forming</a:t>
-            </a:r>
-            <a:r>
-              <a:rPr lang="hu-HU" dirty="0">
-                <a:solidFill>
-                  <a:srgbClr val="FFFFFF"/>
-                </a:solidFill>
-              </a:rPr>
-              <a:t> non-</a:t>
-            </a:r>
-            <a:r>
-              <a:rPr lang="hu-HU" dirty="0" err="1">
-                <a:solidFill>
-                  <a:srgbClr val="FFFFFF"/>
-                </a:solidFill>
-              </a:rPr>
-              <a:t>linear</a:t>
-            </a:r>
-            <a:r>
-              <a:rPr lang="hu-HU" dirty="0">
-                <a:solidFill>
-                  <a:srgbClr val="FFFFFF"/>
-                </a:solidFill>
-              </a:rPr>
-              <a:t> </a:t>
-            </a:r>
-            <a:r>
-              <a:rPr lang="hu-HU" dirty="0" err="1">
-                <a:solidFill>
-                  <a:srgbClr val="FFFFFF"/>
-                </a:solidFill>
-              </a:rPr>
-              <a:t>least</a:t>
-            </a:r>
-            <a:r>
-              <a:rPr lang="hu-HU" dirty="0">
-                <a:solidFill>
-                  <a:srgbClr val="FFFFFF"/>
-                </a:solidFill>
-              </a:rPr>
-              <a:t> </a:t>
-            </a:r>
-            <a:r>
-              <a:rPr lang="hu-HU" dirty="0" err="1">
-                <a:solidFill>
-                  <a:srgbClr val="FFFFFF"/>
-                </a:solidFill>
-              </a:rPr>
-              <a:t>squares</a:t>
-            </a:r>
-            <a:r>
-              <a:rPr lang="hu-HU" dirty="0">
-                <a:solidFill>
-                  <a:srgbClr val="FFFFFF"/>
-                </a:solidFill>
-              </a:rPr>
-              <a:t> </a:t>
-            </a:r>
-            <a:r>
-              <a:rPr lang="hu-HU" dirty="0" err="1">
-                <a:solidFill>
-                  <a:srgbClr val="FFFFFF"/>
-                </a:solidFill>
-              </a:rPr>
-              <a:t>problem</a:t>
-            </a:r>
-            <a:endParaRPr lang="hu-HU" dirty="0">
-              <a:solidFill>
-                <a:srgbClr val="FFFFFF"/>
-              </a:solidFill>
-            </a:endParaRPr>
-          </a:p>
-          <a:p>
-            <a:endParaRPr lang="hu-HU" dirty="0">
-              <a:solidFill>
-                <a:srgbClr val="FFFFFF"/>
-              </a:solidFill>
-            </a:endParaRPr>
-          </a:p>
-          <a:p>
-            <a:r>
-              <a:rPr lang="hu-HU" dirty="0" err="1">
-                <a:solidFill>
-                  <a:srgbClr val="FFFFFF"/>
-                </a:solidFill>
-              </a:rPr>
-              <a:t>Lsqnonlin</a:t>
-            </a:r>
-            <a:r>
-              <a:rPr lang="hu-HU" dirty="0">
-                <a:solidFill>
-                  <a:srgbClr val="FFFFFF"/>
-                </a:solidFill>
-              </a:rPr>
-              <a:t> </a:t>
-            </a:r>
-            <a:r>
-              <a:rPr lang="hu-HU" dirty="0" err="1">
-                <a:solidFill>
-                  <a:srgbClr val="FFFFFF"/>
-                </a:solidFill>
-              </a:rPr>
-              <a:t>using</a:t>
-            </a:r>
-            <a:r>
-              <a:rPr lang="hu-HU" dirty="0">
-                <a:solidFill>
-                  <a:srgbClr val="FFFFFF"/>
-                </a:solidFill>
-              </a:rPr>
-              <a:t> </a:t>
-            </a:r>
-            <a:r>
-              <a:rPr lang="hu-HU" dirty="0" err="1">
-                <a:solidFill>
-                  <a:srgbClr val="FFFFFF"/>
-                </a:solidFill>
-              </a:rPr>
-              <a:t>Levenberg-Marquardt</a:t>
-            </a:r>
-            <a:endParaRPr lang="en-US" dirty="0">
-              <a:solidFill>
-                <a:srgbClr val="FFFFFF"/>
-              </a:solidFill>
-            </a:endParaRPr>
-          </a:p>
-        </p:txBody>
-      </p:sp>
+      <mc:AlternateContent xmlns:mc="http://schemas.openxmlformats.org/markup-compatibility/2006">
+        <mc:Choice xmlns:a14="http://schemas.microsoft.com/office/drawing/2010/main" Requires="a14">
+          <p:sp>
+            <p:nvSpPr>
+              <p:cNvPr id="3" name="Szöveg helye 2">
+                <a:extLst>
+                  <a:ext uri="{FF2B5EF4-FFF2-40B4-BE49-F238E27FC236}">
+                    <a16:creationId xmlns:a16="http://schemas.microsoft.com/office/drawing/2014/main" id="{34D221F3-C694-F082-935E-7DC4417CDC41}"/>
+                  </a:ext>
+                </a:extLst>
+              </p:cNvPr>
+              <p:cNvSpPr>
+                <a:spLocks noGrp="1"/>
+              </p:cNvSpPr>
+              <p:nvPr>
+                <p:ph type="body" idx="1"/>
+              </p:nvPr>
+            </p:nvSpPr>
+            <p:spPr>
+              <a:xfrm>
+                <a:off x="838200" y="1825625"/>
+                <a:ext cx="10515600" cy="4351338"/>
+              </a:xfrm>
+            </p:spPr>
+            <p:txBody>
+              <a:bodyPr vert="horz" lIns="91440" tIns="45720" rIns="91440" bIns="45720" rtlCol="0">
+                <a:normAutofit/>
+              </a:bodyPr>
+              <a:lstStyle/>
+              <a:p>
+                <a:r>
+                  <a:rPr lang="en-US" dirty="0">
+                    <a:solidFill>
+                      <a:srgbClr val="FFFFFF"/>
+                    </a:solidFill>
+                  </a:rPr>
+                  <a:t>Is it possible to do task 1 and task 2 iteratively to find the optimal solution</a:t>
+                </a:r>
+                <a:r>
+                  <a:rPr lang="hu-HU" dirty="0">
+                    <a:solidFill>
+                      <a:srgbClr val="FFFFFF"/>
+                    </a:solidFill>
+                  </a:rPr>
+                  <a:t> </a:t>
+                </a:r>
+                <a:r>
+                  <a:rPr lang="en-US" dirty="0">
+                    <a:solidFill>
+                      <a:srgbClr val="FFFFFF"/>
+                    </a:solidFill>
+                  </a:rPr>
+                  <a:t>for both </a:t>
+                </a:r>
+                <a14:m>
+                  <m:oMath xmlns:m="http://schemas.openxmlformats.org/officeDocument/2006/math">
+                    <m:r>
+                      <a:rPr lang="en-US" i="1" dirty="0" smtClean="0">
+                        <a:solidFill>
+                          <a:srgbClr val="FFFFFF"/>
+                        </a:solidFill>
+                        <a:latin typeface="Cambria Math" panose="02040503050406030204" pitchFamily="18" charset="0"/>
+                      </a:rPr>
+                      <m:t>𝐴</m:t>
+                    </m:r>
+                  </m:oMath>
+                </a14:m>
+                <a:r>
+                  <a:rPr lang="en-US" dirty="0">
+                    <a:solidFill>
+                      <a:srgbClr val="FFFFFF"/>
+                    </a:solidFill>
+                  </a:rPr>
+                  <a:t> and </a:t>
+                </a:r>
+                <a14:m>
+                  <m:oMath xmlns:m="http://schemas.openxmlformats.org/officeDocument/2006/math">
+                    <m:r>
+                      <a:rPr lang="en-US" i="1" dirty="0" smtClean="0">
+                        <a:solidFill>
+                          <a:srgbClr val="FFFFFF"/>
+                        </a:solidFill>
+                        <a:latin typeface="Cambria Math" panose="02040503050406030204" pitchFamily="18" charset="0"/>
+                      </a:rPr>
+                      <m:t>𝑛</m:t>
+                    </m:r>
+                  </m:oMath>
+                </a14:m>
+                <a:r>
+                  <a:rPr lang="en-US" dirty="0">
+                    <a:solidFill>
+                      <a:srgbClr val="FFFFFF"/>
+                    </a:solidFill>
+                  </a:rPr>
+                  <a:t>?</a:t>
+                </a:r>
+                <a:endParaRPr lang="hu-HU" dirty="0">
+                  <a:solidFill>
+                    <a:srgbClr val="FFFFFF"/>
+                  </a:solidFill>
+                </a:endParaRPr>
+              </a:p>
+              <a:p>
+                <a:endParaRPr lang="hu-HU" dirty="0">
+                  <a:solidFill>
+                    <a:srgbClr val="FFFFFF"/>
+                  </a:solidFill>
+                </a:endParaRPr>
+              </a:p>
+            </p:txBody>
+          </p:sp>
+        </mc:Choice>
+        <mc:Fallback>
+          <p:sp>
+            <p:nvSpPr>
+              <p:cNvPr id="3" name="Szöveg helye 2">
+                <a:extLst>
+                  <a:ext uri="{FF2B5EF4-FFF2-40B4-BE49-F238E27FC236}">
+                    <a16:creationId xmlns:a16="http://schemas.microsoft.com/office/drawing/2014/main" id="{34D221F3-C694-F082-935E-7DC4417CDC41}"/>
+                  </a:ext>
+                </a:extLst>
+              </p:cNvPr>
+              <p:cNvSpPr>
+                <a:spLocks noGrp="1" noRot="1" noChangeAspect="1" noMove="1" noResize="1" noEditPoints="1" noAdjustHandles="1" noChangeArrowheads="1" noChangeShapeType="1" noTextEdit="1"/>
+              </p:cNvSpPr>
+              <p:nvPr>
+                <p:ph type="body" idx="1"/>
+              </p:nvPr>
+            </p:nvSpPr>
+            <p:spPr>
+              <a:xfrm>
+                <a:off x="838200" y="1825625"/>
+                <a:ext cx="10515600" cy="4351338"/>
+              </a:xfrm>
+              <a:blipFill>
+                <a:blip r:embed="rId3"/>
+                <a:stretch>
+                  <a:fillRect l="-1043" t="-2241"/>
+                </a:stretch>
+              </a:blipFill>
+            </p:spPr>
+            <p:txBody>
+              <a:bodyPr/>
+              <a:lstStyle/>
+              <a:p>
+                <a:r>
+                  <a:rPr lang="en-US">
+                    <a:noFill/>
+                  </a:rPr>
+                  <a:t> </a:t>
+                </a:r>
+              </a:p>
+            </p:txBody>
+          </p:sp>
+        </mc:Fallback>
+      </mc:AlternateContent>
     </p:spTree>
     <p:extLst>
       <p:ext uri="{BB962C8B-B14F-4D97-AF65-F5344CB8AC3E}">
@@ -4582,6 +4459,309 @@
 </file>
 
 <file path=ppt/slides/slide11.xml><?xml version="1.0" encoding="utf-8"?>
+<p:sld xmlns:a="http://schemas.openxmlformats.org/drawingml/2006/main" xmlns:r="http://schemas.openxmlformats.org/officeDocument/2006/relationships" xmlns:p="http://schemas.openxmlformats.org/presentationml/2006/main">
+  <p:cSld>
+    <p:spTree>
+      <p:nvGrpSpPr>
+        <p:cNvPr id="1" name=""/>
+        <p:cNvGrpSpPr/>
+        <p:nvPr/>
+      </p:nvGrpSpPr>
+      <p:grpSpPr>
+        <a:xfrm>
+          <a:off x="0" y="0"/>
+          <a:ext cx="0" cy="0"/>
+          <a:chOff x="0" y="0"/>
+          <a:chExt cx="0" cy="0"/>
+        </a:xfrm>
+      </p:grpSpPr>
+      <p:pic>
+        <p:nvPicPr>
+          <p:cNvPr id="5" name="Picture 4">
+            <a:extLst>
+              <a:ext uri="{FF2B5EF4-FFF2-40B4-BE49-F238E27FC236}">
+                <a16:creationId xmlns:a16="http://schemas.microsoft.com/office/drawing/2014/main" id="{A9A80DFF-A475-4615-95CA-A2B7C21D46EC}"/>
+              </a:ext>
+            </a:extLst>
+          </p:cNvPr>
+          <p:cNvPicPr>
+            <a:picLocks noChangeAspect="1"/>
+          </p:cNvPicPr>
+          <p:nvPr/>
+        </p:nvPicPr>
+        <p:blipFill>
+          <a:blip r:embed="rId2">
+            <a:extLst>
+              <a:ext uri="{28A0092B-C50C-407E-A947-70E740481C1C}">
+                <a14:useLocalDpi xmlns:a14="http://schemas.microsoft.com/office/drawing/2010/main" val="0"/>
+              </a:ext>
+            </a:extLst>
+          </a:blip>
+          <a:stretch>
+            <a:fillRect/>
+          </a:stretch>
+        </p:blipFill>
+        <p:spPr>
+          <a:xfrm>
+            <a:off x="2831047" y="0"/>
+            <a:ext cx="6811259" cy="3261027"/>
+          </a:xfrm>
+          <a:prstGeom prst="rect">
+            <a:avLst/>
+          </a:prstGeom>
+        </p:spPr>
+      </p:pic>
+      <p:pic>
+        <p:nvPicPr>
+          <p:cNvPr id="7" name="Picture 6">
+            <a:extLst>
+              <a:ext uri="{FF2B5EF4-FFF2-40B4-BE49-F238E27FC236}">
+                <a16:creationId xmlns:a16="http://schemas.microsoft.com/office/drawing/2014/main" id="{698767E5-5FFF-4373-B488-5E27A8719A72}"/>
+              </a:ext>
+            </a:extLst>
+          </p:cNvPr>
+          <p:cNvPicPr>
+            <a:picLocks noChangeAspect="1"/>
+          </p:cNvPicPr>
+          <p:nvPr/>
+        </p:nvPicPr>
+        <p:blipFill>
+          <a:blip r:embed="rId3">
+            <a:extLst>
+              <a:ext uri="{28A0092B-C50C-407E-A947-70E740481C1C}">
+                <a14:useLocalDpi xmlns:a14="http://schemas.microsoft.com/office/drawing/2010/main" val="0"/>
+              </a:ext>
+            </a:extLst>
+          </a:blip>
+          <a:stretch>
+            <a:fillRect/>
+          </a:stretch>
+        </p:blipFill>
+        <p:spPr>
+          <a:xfrm>
+            <a:off x="1617784" y="3169087"/>
+            <a:ext cx="8956432" cy="3520940"/>
+          </a:xfrm>
+          <a:prstGeom prst="rect">
+            <a:avLst/>
+          </a:prstGeom>
+        </p:spPr>
+      </p:pic>
+      <p:cxnSp>
+        <p:nvCxnSpPr>
+          <p:cNvPr id="9" name="Straight Connector 8">
+            <a:extLst>
+              <a:ext uri="{FF2B5EF4-FFF2-40B4-BE49-F238E27FC236}">
+                <a16:creationId xmlns:a16="http://schemas.microsoft.com/office/drawing/2014/main" id="{59297AE6-701D-4E32-88A3-B09438A26EFB}"/>
+              </a:ext>
+            </a:extLst>
+          </p:cNvPr>
+          <p:cNvCxnSpPr>
+            <a:cxnSpLocks/>
+          </p:cNvCxnSpPr>
+          <p:nvPr/>
+        </p:nvCxnSpPr>
+        <p:spPr>
+          <a:xfrm>
+            <a:off x="7751298" y="3169087"/>
+            <a:ext cx="0" cy="3358322"/>
+          </a:xfrm>
+          <a:prstGeom prst="line">
+            <a:avLst/>
+          </a:prstGeom>
+          <a:ln w="9525" cap="flat" cmpd="sng" algn="ctr">
+            <a:solidFill>
+              <a:schemeClr val="accent2"/>
+            </a:solidFill>
+            <a:prstDash val="dash"/>
+            <a:round/>
+            <a:headEnd type="none" w="med" len="med"/>
+            <a:tailEnd type="none" w="med" len="med"/>
+          </a:ln>
+        </p:spPr>
+        <p:style>
+          <a:lnRef idx="0">
+            <a:scrgbClr r="0" g="0" b="0"/>
+          </a:lnRef>
+          <a:fillRef idx="0">
+            <a:scrgbClr r="0" g="0" b="0"/>
+          </a:fillRef>
+          <a:effectRef idx="0">
+            <a:scrgbClr r="0" g="0" b="0"/>
+          </a:effectRef>
+          <a:fontRef idx="minor">
+            <a:schemeClr val="tx1"/>
+          </a:fontRef>
+        </p:style>
+      </p:cxnSp>
+      <p:cxnSp>
+        <p:nvCxnSpPr>
+          <p:cNvPr id="12" name="Straight Connector 11">
+            <a:extLst>
+              <a:ext uri="{FF2B5EF4-FFF2-40B4-BE49-F238E27FC236}">
+                <a16:creationId xmlns:a16="http://schemas.microsoft.com/office/drawing/2014/main" id="{73D88623-060D-4DBE-B02A-D0EB57885B21}"/>
+              </a:ext>
+            </a:extLst>
+          </p:cNvPr>
+          <p:cNvCxnSpPr/>
+          <p:nvPr/>
+        </p:nvCxnSpPr>
+        <p:spPr>
+          <a:xfrm>
+            <a:off x="2549694" y="5176911"/>
+            <a:ext cx="7916669" cy="0"/>
+          </a:xfrm>
+          <a:prstGeom prst="line">
+            <a:avLst/>
+          </a:prstGeom>
+          <a:ln w="9525" cap="flat" cmpd="sng" algn="ctr">
+            <a:solidFill>
+              <a:srgbClr val="FF0000"/>
+            </a:solidFill>
+            <a:prstDash val="dash"/>
+            <a:round/>
+            <a:headEnd type="none" w="med" len="med"/>
+            <a:tailEnd type="none" w="med" len="med"/>
+          </a:ln>
+        </p:spPr>
+        <p:style>
+          <a:lnRef idx="0">
+            <a:scrgbClr r="0" g="0" b="0"/>
+          </a:lnRef>
+          <a:fillRef idx="0">
+            <a:scrgbClr r="0" g="0" b="0"/>
+          </a:fillRef>
+          <a:effectRef idx="0">
+            <a:scrgbClr r="0" g="0" b="0"/>
+          </a:effectRef>
+          <a:fontRef idx="minor">
+            <a:schemeClr val="tx1"/>
+          </a:fontRef>
+        </p:style>
+      </p:cxnSp>
+      <p:sp>
+        <p:nvSpPr>
+          <p:cNvPr id="13" name="TextBox 12">
+            <a:extLst>
+              <a:ext uri="{FF2B5EF4-FFF2-40B4-BE49-F238E27FC236}">
+                <a16:creationId xmlns:a16="http://schemas.microsoft.com/office/drawing/2014/main" id="{47D2F3A3-4E45-4C16-B427-0C2EA6F7ECB0}"/>
+              </a:ext>
+            </a:extLst>
+          </p:cNvPr>
+          <p:cNvSpPr txBox="1"/>
+          <p:nvPr/>
+        </p:nvSpPr>
+        <p:spPr>
+          <a:xfrm>
+            <a:off x="10191065" y="4744891"/>
+            <a:ext cx="1195071" cy="369332"/>
+          </a:xfrm>
+          <a:prstGeom prst="rect">
+            <a:avLst/>
+          </a:prstGeom>
+          <a:noFill/>
+        </p:spPr>
+        <p:txBody>
+          <a:bodyPr wrap="none" rtlCol="0">
+            <a:spAutoFit/>
+          </a:bodyPr>
+          <a:lstStyle/>
+          <a:p>
+            <a:r>
+              <a:rPr lang="en-US" dirty="0"/>
+              <a:t>Constant n</a:t>
+            </a:r>
+          </a:p>
+        </p:txBody>
+      </p:sp>
+      <p:sp>
+        <p:nvSpPr>
+          <p:cNvPr id="14" name="TextBox 13">
+            <a:extLst>
+              <a:ext uri="{FF2B5EF4-FFF2-40B4-BE49-F238E27FC236}">
+                <a16:creationId xmlns:a16="http://schemas.microsoft.com/office/drawing/2014/main" id="{D0C4C053-0F94-4BF8-8504-AE2D1D4BA9E1}"/>
+              </a:ext>
+            </a:extLst>
+          </p:cNvPr>
+          <p:cNvSpPr txBox="1"/>
+          <p:nvPr/>
+        </p:nvSpPr>
+        <p:spPr>
+          <a:xfrm>
+            <a:off x="7751298" y="3038370"/>
+            <a:ext cx="1206292" cy="369332"/>
+          </a:xfrm>
+          <a:prstGeom prst="rect">
+            <a:avLst/>
+          </a:prstGeom>
+          <a:noFill/>
+        </p:spPr>
+        <p:txBody>
+          <a:bodyPr wrap="none" rtlCol="0">
+            <a:spAutoFit/>
+          </a:bodyPr>
+          <a:lstStyle/>
+          <a:p>
+            <a:r>
+              <a:rPr lang="en-US" dirty="0"/>
+              <a:t>Constant A</a:t>
+            </a:r>
+          </a:p>
+        </p:txBody>
+      </p:sp>
+      <p:sp>
+        <p:nvSpPr>
+          <p:cNvPr id="15" name="TextBox 14">
+            <a:extLst>
+              <a:ext uri="{FF2B5EF4-FFF2-40B4-BE49-F238E27FC236}">
+                <a16:creationId xmlns:a16="http://schemas.microsoft.com/office/drawing/2014/main" id="{9B674E45-FE75-452A-BD00-88B94A37F13E}"/>
+              </a:ext>
+            </a:extLst>
+          </p:cNvPr>
+          <p:cNvSpPr txBox="1"/>
+          <p:nvPr/>
+        </p:nvSpPr>
+        <p:spPr>
+          <a:xfrm>
+            <a:off x="9920857" y="2608637"/>
+            <a:ext cx="1869423" cy="523220"/>
+          </a:xfrm>
+          <a:prstGeom prst="rect">
+            <a:avLst/>
+          </a:prstGeom>
+          <a:noFill/>
+        </p:spPr>
+        <p:txBody>
+          <a:bodyPr wrap="none" rtlCol="0">
+            <a:spAutoFit/>
+          </a:bodyPr>
+          <a:lstStyle/>
+          <a:p>
+            <a:r>
+              <a:rPr lang="en-US" sz="2800" dirty="0">
+                <a:solidFill>
+                  <a:srgbClr val="FF0000"/>
+                </a:solidFill>
+              </a:rPr>
+              <a:t>Impossible!</a:t>
+            </a:r>
+          </a:p>
+        </p:txBody>
+      </p:sp>
+    </p:spTree>
+    <p:extLst>
+      <p:ext uri="{BB962C8B-B14F-4D97-AF65-F5344CB8AC3E}">
+        <p14:creationId xmlns:p14="http://schemas.microsoft.com/office/powerpoint/2010/main" val="3826655900"/>
+      </p:ext>
+    </p:extLst>
+  </p:cSld>
+  <p:clrMapOvr>
+    <a:masterClrMapping/>
+  </p:clrMapOvr>
+</p:sld>
+</file>
+
+<file path=ppt/slides/slide12.xml><?xml version="1.0" encoding="utf-8"?>
 <p:sld xmlns:a="http://schemas.openxmlformats.org/drawingml/2006/main" xmlns:r="http://schemas.openxmlformats.org/officeDocument/2006/relationships" xmlns:p="http://schemas.openxmlformats.org/presentationml/2006/main">
   <p:cSld>
     <p:bg>
@@ -4856,6 +5036,15 @@
                             </m:ctrlPr>
                           </m:dPr>
                           <m:e>
+                            <m:r>
+                              <a:rPr lang="en-US" b="0" i="1" smtClean="0">
+                                <a:solidFill>
+                                  <a:srgbClr val="FFFFFF"/>
+                                </a:solidFill>
+                                <a:latin typeface="Cambria Math" panose="02040503050406030204" pitchFamily="18" charset="0"/>
+                              </a:rPr>
+                              <m:t>−</m:t>
+                            </m:r>
                             <m:sSub>
                               <m:sSubPr>
                                 <m:ctrlPr>
@@ -4913,81 +5102,58 @@
                                 </m:r>
                               </m:e>
                             </m:d>
-                            <m:d>
-                              <m:dPr>
+                            <m:f>
+                              <m:fPr>
                                 <m:ctrlPr>
-                                  <a:rPr lang="hu-HU" b="0" i="1" smtClean="0">
+                                  <a:rPr lang="hu-HU" i="1">
                                     <a:solidFill>
                                       <a:srgbClr val="FFFFFF"/>
                                     </a:solidFill>
                                     <a:latin typeface="Cambria Math" panose="02040503050406030204" pitchFamily="18" charset="0"/>
                                   </a:rPr>
                                 </m:ctrlPr>
-                              </m:dPr>
-                              <m:e>
+                              </m:fPr>
+                              <m:num>
                                 <m:r>
-                                  <a:rPr lang="hu-HU" b="0" i="1" smtClean="0">
+                                  <a:rPr lang="hu-HU" i="1">
                                     <a:solidFill>
                                       <a:srgbClr val="FFFFFF"/>
                                     </a:solidFill>
                                     <a:latin typeface="Cambria Math" panose="02040503050406030204" pitchFamily="18" charset="0"/>
                                   </a:rPr>
-                                  <m:t>−</m:t>
+                                  <m:t>𝑛</m:t>
                                 </m:r>
-                                <m:f>
-                                  <m:fPr>
-                                    <m:ctrlPr>
-                                      <a:rPr lang="hu-HU" b="0" i="1" smtClean="0">
-                                        <a:solidFill>
-                                          <a:srgbClr val="FFFFFF"/>
-                                        </a:solidFill>
-                                        <a:latin typeface="Cambria Math" panose="02040503050406030204" pitchFamily="18" charset="0"/>
-                                      </a:rPr>
-                                    </m:ctrlPr>
-                                  </m:fPr>
-                                  <m:num>
-                                    <m:r>
-                                      <a:rPr lang="hu-HU" b="0" i="1" smtClean="0">
-                                        <a:solidFill>
-                                          <a:srgbClr val="FFFFFF"/>
-                                        </a:solidFill>
-                                        <a:latin typeface="Cambria Math" panose="02040503050406030204" pitchFamily="18" charset="0"/>
-                                      </a:rPr>
-                                      <m:t>𝑛</m:t>
-                                    </m:r>
-                                    <m:r>
-                                      <a:rPr lang="hu-HU" b="0" i="1" smtClean="0">
-                                        <a:solidFill>
-                                          <a:srgbClr val="FFFFFF"/>
-                                        </a:solidFill>
-                                        <a:latin typeface="Cambria Math" panose="02040503050406030204" pitchFamily="18" charset="0"/>
-                                      </a:rPr>
-                                      <m:t>+2</m:t>
-                                    </m:r>
-                                  </m:num>
-                                  <m:den>
-                                    <m:r>
-                                      <a:rPr lang="hu-HU" b="0" i="1" smtClean="0">
-                                        <a:solidFill>
-                                          <a:srgbClr val="FFFFFF"/>
-                                        </a:solidFill>
-                                        <a:latin typeface="Cambria Math" panose="02040503050406030204" pitchFamily="18" charset="0"/>
-                                      </a:rPr>
-                                      <m:t>2</m:t>
-                                    </m:r>
-                                    <m:r>
-                                      <a:rPr lang="hu-HU" b="0" i="1" smtClean="0">
-                                        <a:solidFill>
-                                          <a:srgbClr val="FFFFFF"/>
-                                        </a:solidFill>
-                                        <a:latin typeface="Cambria Math" panose="02040503050406030204" pitchFamily="18" charset="0"/>
-                                      </a:rPr>
-                                      <m:t>𝐴</m:t>
-                                    </m:r>
-                                  </m:den>
-                                </m:f>
-                              </m:e>
-                            </m:d>
+                                <m:r>
+                                  <a:rPr lang="hu-HU" i="1">
+                                    <a:solidFill>
+                                      <a:srgbClr val="FFFFFF"/>
+                                    </a:solidFill>
+                                    <a:latin typeface="Cambria Math" panose="02040503050406030204" pitchFamily="18" charset="0"/>
+                                  </a:rPr>
+                                  <m:t>+2</m:t>
+                                </m:r>
+                              </m:num>
+                              <m:den>
+                                <m:r>
+                                  <a:rPr lang="hu-HU" i="1">
+                                    <a:solidFill>
+                                      <a:srgbClr val="FFFFFF"/>
+                                    </a:solidFill>
+                                    <a:latin typeface="Cambria Math" panose="02040503050406030204" pitchFamily="18" charset="0"/>
+                                  </a:rPr>
+                                  <m:t>2</m:t>
+                                </m:r>
+                                <m:r>
+                                  <a:rPr lang="hu-HU" i="1">
+                                    <a:solidFill>
+                                      <a:srgbClr val="FFFFFF"/>
+                                    </a:solidFill>
+                                    <a:latin typeface="Cambria Math" panose="02040503050406030204" pitchFamily="18" charset="0"/>
+                                  </a:rPr>
+                                  <m:t>𝐴</m:t>
+                                </m:r>
+                              </m:den>
+                            </m:f>
                             <m:sSup>
                               <m:sSupPr>
                                 <m:ctrlPr>
@@ -5066,22 +5232,22 @@
                                 </m:ctrlPr>
                               </m:sSupPr>
                               <m:e>
-                                <m:d>
-                                  <m:dPr>
-                                    <m:begChr m:val="|"/>
-                                    <m:endChr m:val="|"/>
+                                <m:sSub>
+                                  <m:sSubPr>
                                     <m:ctrlPr>
-                                      <a:rPr lang="hu-HU" b="0" i="1" smtClean="0">
+                                      <a:rPr lang="en-US" b="0" i="1" smtClean="0">
                                         <a:solidFill>
                                           <a:srgbClr val="FFFFFF"/>
                                         </a:solidFill>
                                         <a:latin typeface="Cambria Math" panose="02040503050406030204" pitchFamily="18" charset="0"/>
                                       </a:rPr>
                                     </m:ctrlPr>
-                                  </m:dPr>
+                                  </m:sSubPr>
                                   <m:e>
-                                    <m:f>
-                                      <m:fPr>
+                                    <m:d>
+                                      <m:dPr>
+                                        <m:begChr m:val="|"/>
+                                        <m:endChr m:val="|"/>
                                         <m:ctrlPr>
                                           <a:rPr lang="hu-HU" b="0" i="1" smtClean="0">
                                             <a:solidFill>
@@ -5090,50 +5256,75 @@
                                             <a:latin typeface="Cambria Math" panose="02040503050406030204" pitchFamily="18" charset="0"/>
                                           </a:rPr>
                                         </m:ctrlPr>
-                                      </m:fPr>
-                                      <m:num>
-                                        <m:r>
-                                          <a:rPr lang="hu-HU" b="0" i="1" smtClean="0">
-                                            <a:solidFill>
-                                              <a:srgbClr val="FFFFFF"/>
-                                            </a:solidFill>
-                                            <a:latin typeface="Cambria Math" panose="02040503050406030204" pitchFamily="18" charset="0"/>
-                                          </a:rPr>
-                                          <m:t>ⅆ</m:t>
-                                        </m:r>
-                                        <m:r>
-                                          <a:rPr lang="hu-HU" b="0" i="1" smtClean="0">
-                                            <a:solidFill>
-                                              <a:srgbClr val="FFFFFF"/>
-                                            </a:solidFill>
-                                            <a:latin typeface="Cambria Math" panose="02040503050406030204" pitchFamily="18" charset="0"/>
-                                          </a:rPr>
-                                          <m:t>h</m:t>
-                                        </m:r>
-                                      </m:num>
-                                      <m:den>
-                                        <m:r>
-                                          <a:rPr lang="hu-HU" b="0" i="1" smtClean="0">
-                                            <a:solidFill>
-                                              <a:srgbClr val="FFFFFF"/>
-                                            </a:solidFill>
-                                            <a:latin typeface="Cambria Math" panose="02040503050406030204" pitchFamily="18" charset="0"/>
-                                          </a:rPr>
-                                          <m:t>ⅆ</m:t>
-                                        </m:r>
-                                        <m:r>
-                                          <a:rPr lang="hu-HU" b="0" i="1" smtClean="0">
-                                            <a:solidFill>
-                                              <a:srgbClr val="FFFFFF"/>
-                                            </a:solidFill>
-                                            <a:latin typeface="Cambria Math" panose="02040503050406030204" pitchFamily="18" charset="0"/>
-                                          </a:rPr>
-                                          <m:t>𝑥</m:t>
-                                        </m:r>
-                                      </m:den>
-                                    </m:f>
+                                      </m:dPr>
+                                      <m:e>
+                                        <m:f>
+                                          <m:fPr>
+                                            <m:ctrlPr>
+                                              <a:rPr lang="hu-HU" b="0" i="1" smtClean="0">
+                                                <a:solidFill>
+                                                  <a:srgbClr val="FFFFFF"/>
+                                                </a:solidFill>
+                                                <a:latin typeface="Cambria Math" panose="02040503050406030204" pitchFamily="18" charset="0"/>
+                                              </a:rPr>
+                                            </m:ctrlPr>
+                                          </m:fPr>
+                                          <m:num>
+                                            <m:r>
+                                              <a:rPr lang="hu-HU" b="0" i="1" smtClean="0">
+                                                <a:solidFill>
+                                                  <a:srgbClr val="FFFFFF"/>
+                                                </a:solidFill>
+                                                <a:latin typeface="Cambria Math" panose="02040503050406030204" pitchFamily="18" charset="0"/>
+                                              </a:rPr>
+                                              <m:t>ⅆ</m:t>
+                                            </m:r>
+                                            <m:r>
+                                              <a:rPr lang="hu-HU" b="0" i="1" smtClean="0">
+                                                <a:solidFill>
+                                                  <a:srgbClr val="FFFFFF"/>
+                                                </a:solidFill>
+                                                <a:latin typeface="Cambria Math" panose="02040503050406030204" pitchFamily="18" charset="0"/>
+                                              </a:rPr>
+                                              <m:t>h</m:t>
+                                            </m:r>
+                                          </m:num>
+                                          <m:den>
+                                            <m:r>
+                                              <a:rPr lang="hu-HU" b="0" i="1" smtClean="0">
+                                                <a:solidFill>
+                                                  <a:srgbClr val="FFFFFF"/>
+                                                </a:solidFill>
+                                                <a:latin typeface="Cambria Math" panose="02040503050406030204" pitchFamily="18" charset="0"/>
+                                              </a:rPr>
+                                              <m:t>ⅆ</m:t>
+                                            </m:r>
+                                            <m:r>
+                                              <a:rPr lang="hu-HU" b="0" i="1" smtClean="0">
+                                                <a:solidFill>
+                                                  <a:srgbClr val="FFFFFF"/>
+                                                </a:solidFill>
+                                                <a:latin typeface="Cambria Math" panose="02040503050406030204" pitchFamily="18" charset="0"/>
+                                              </a:rPr>
+                                              <m:t>𝑥</m:t>
+                                            </m:r>
+                                          </m:den>
+                                        </m:f>
+                                      </m:e>
+                                    </m:d>
                                   </m:e>
-                                </m:d>
+                                  <m:sub>
+                                    <m:r>
+                                      <a:rPr lang="en-US" b="0" i="1" smtClean="0">
+                                        <a:solidFill>
+                                          <a:srgbClr val="FFFFFF"/>
+                                        </a:solidFill>
+                                        <a:latin typeface="Cambria Math" panose="02040503050406030204" pitchFamily="18" charset="0"/>
+                                      </a:rPr>
+                                      <m:t>𝑖</m:t>
+                                    </m:r>
+                                  </m:sub>
+                                </m:sSub>
                               </m:e>
                               <m:sup>
                                 <m:r>
@@ -5168,74 +5359,79 @@
                                 </m:ctrlPr>
                               </m:sSupPr>
                               <m:e>
-                                <m:d>
-                                  <m:dPr>
-                                    <m:begChr m:val="|"/>
-                                    <m:endChr m:val="|"/>
+                                <m:sSub>
+                                  <m:sSubPr>
                                     <m:ctrlPr>
-                                      <a:rPr lang="hu-HU" b="0" i="1" smtClean="0">
+                                      <a:rPr lang="en-US" b="0" i="1" smtClean="0">
                                         <a:solidFill>
                                           <a:srgbClr val="FFFFFF"/>
                                         </a:solidFill>
                                         <a:latin typeface="Cambria Math" panose="02040503050406030204" pitchFamily="18" charset="0"/>
                                       </a:rPr>
                                     </m:ctrlPr>
-                                  </m:dPr>
+                                  </m:sSubPr>
                                   <m:e>
-                                    <m:f>
-                                      <m:fPr>
+                                    <m:d>
+                                      <m:dPr>
                                         <m:ctrlPr>
-                                          <a:rPr lang="hu-HU" b="0" i="1" smtClean="0">
+                                          <a:rPr lang="en-US" b="0" i="1" smtClean="0">
                                             <a:solidFill>
                                               <a:srgbClr val="FFFFFF"/>
                                             </a:solidFill>
                                             <a:latin typeface="Cambria Math" panose="02040503050406030204" pitchFamily="18" charset="0"/>
                                           </a:rPr>
                                         </m:ctrlPr>
-                                      </m:fPr>
-                                      <m:num>
-                                        <m:r>
-                                          <a:rPr lang="hu-HU" b="0" i="1" smtClean="0">
-                                            <a:solidFill>
-                                              <a:srgbClr val="FFFFFF"/>
-                                            </a:solidFill>
-                                            <a:latin typeface="Cambria Math" panose="02040503050406030204" pitchFamily="18" charset="0"/>
-                                          </a:rPr>
-                                          <m:t>ⅆ</m:t>
-                                        </m:r>
-                                        <m:r>
-                                          <a:rPr lang="hu-HU" b="0" i="1" smtClean="0">
-                                            <a:solidFill>
-                                              <a:srgbClr val="FFFFFF"/>
-                                            </a:solidFill>
-                                            <a:latin typeface="Cambria Math" panose="02040503050406030204" pitchFamily="18" charset="0"/>
-                                          </a:rPr>
-                                          <m:t>h</m:t>
-                                        </m:r>
-                                      </m:num>
-                                      <m:den>
-                                        <m:r>
-                                          <a:rPr lang="hu-HU" b="0" i="1" smtClean="0">
-                                            <a:solidFill>
-                                              <a:srgbClr val="FFFFFF"/>
-                                            </a:solidFill>
-                                            <a:latin typeface="Cambria Math" panose="02040503050406030204" pitchFamily="18" charset="0"/>
-                                          </a:rPr>
-                                          <m:t>ⅆ</m:t>
-                                        </m:r>
-                                        <m:r>
-                                          <a:rPr lang="hu-HU" b="0" i="1" smtClean="0">
-                                            <a:solidFill>
-                                              <a:srgbClr val="FFFFFF"/>
-                                            </a:solidFill>
-                                            <a:latin typeface="Cambria Math" panose="02040503050406030204" pitchFamily="18" charset="0"/>
-                                          </a:rPr>
-                                          <m:t>𝑥</m:t>
-                                        </m:r>
-                                      </m:den>
-                                    </m:f>
+                                      </m:dPr>
+                                      <m:e>
+                                        <m:f>
+                                          <m:fPr>
+                                            <m:ctrlPr>
+                                              <a:rPr lang="en-US" b="0" i="1" smtClean="0">
+                                                <a:solidFill>
+                                                  <a:srgbClr val="FFFFFF"/>
+                                                </a:solidFill>
+                                                <a:latin typeface="Cambria Math" panose="02040503050406030204" pitchFamily="18" charset="0"/>
+                                              </a:rPr>
+                                            </m:ctrlPr>
+                                          </m:fPr>
+                                          <m:num>
+                                            <m:r>
+                                              <a:rPr lang="en-US" b="0" i="1" smtClean="0">
+                                                <a:solidFill>
+                                                  <a:srgbClr val="FFFFFF"/>
+                                                </a:solidFill>
+                                                <a:latin typeface="Cambria Math" panose="02040503050406030204" pitchFamily="18" charset="0"/>
+                                              </a:rPr>
+                                              <m:t>𝑑h</m:t>
+                                            </m:r>
+                                          </m:num>
+                                          <m:den>
+                                            <m:r>
+                                              <a:rPr lang="en-US" b="0" i="1" smtClean="0">
+                                                <a:solidFill>
+                                                  <a:srgbClr val="FFFFFF"/>
+                                                </a:solidFill>
+                                                <a:latin typeface="Cambria Math" panose="02040503050406030204" pitchFamily="18" charset="0"/>
+                                              </a:rPr>
+                                              <m:t>𝑑𝑥</m:t>
+                                            </m:r>
+                                          </m:den>
+                                        </m:f>
+                                      </m:e>
+                                    </m:d>
                                   </m:e>
-                                </m:d>
+                                  <m:sub>
+                                    <m:r>
+                                      <a:rPr lang="en-US" b="0" i="1" smtClean="0">
+                                        <a:solidFill>
+                                          <a:srgbClr val="FFFFFF"/>
+                                        </a:solidFill>
+                                        <a:latin typeface="Cambria Math" panose="02040503050406030204" pitchFamily="18" charset="0"/>
+                                      </a:rPr>
+                                      <m:t>𝑖</m:t>
+                                    </m:r>
+                                  </m:sub>
+                                </m:sSub>
                               </m:e>
                               <m:sup>
                                 <m:r>
@@ -5334,15 +5530,40 @@
                 </a:r>
                 <a14:m>
                   <m:oMath xmlns:m="http://schemas.openxmlformats.org/officeDocument/2006/math">
-                    <m:r>
-                      <a:rPr lang="en-US" i="1" smtClean="0">
-                        <a:solidFill>
-                          <a:srgbClr val="FFFFFF"/>
-                        </a:solidFill>
-                        <a:latin typeface="Cambria Math" panose="02040503050406030204" pitchFamily="18" charset="0"/>
-                      </a:rPr>
-                      <m:t>𝑓</m:t>
-                    </m:r>
+                    <m:sSub>
+                      <m:sSubPr>
+                        <m:ctrlPr>
+                          <a:rPr lang="en-US" b="0" i="0" smtClean="0">
+                            <a:solidFill>
+                              <a:srgbClr val="FFFFFF"/>
+                            </a:solidFill>
+                            <a:latin typeface="Cambria Math" panose="02040503050406030204" pitchFamily="18" charset="0"/>
+                          </a:rPr>
+                        </m:ctrlPr>
+                      </m:sSubPr>
+                      <m:e>
+                        <m:r>
+                          <a:rPr lang="en-US" b="0" i="1" smtClean="0">
+                            <a:solidFill>
+                              <a:srgbClr val="FFFFFF"/>
+                            </a:solidFill>
+                            <a:latin typeface="Cambria Math" panose="02040503050406030204" pitchFamily="18" charset="0"/>
+                          </a:rPr>
+                          <m:t>𝑓</m:t>
+                        </m:r>
+                      </m:e>
+                      <m:sub>
+                        <m:r>
+                          <a:rPr lang="en-US" b="0" i="1" smtClean="0">
+                            <a:solidFill>
+                              <a:srgbClr val="FFFFFF"/>
+                            </a:solidFill>
+                            <a:latin typeface="Cambria Math" panose="02040503050406030204" pitchFamily="18" charset="0"/>
+                          </a:rPr>
+                          <m:t>𝑖</m:t>
+                        </m:r>
+                      </m:sub>
+                    </m:sSub>
                     <m:r>
                       <a:rPr lang="hu-HU" b="0" i="1" smtClean="0">
                         <a:solidFill>
@@ -5370,10 +5591,71 @@
                       </a:rPr>
                       <m:t>)=</m:t>
                     </m:r>
+                    <m:sSub>
+                      <m:sSubPr>
+                        <m:ctrlPr>
+                          <a:rPr lang="hu-HU" i="1" dirty="0">
+                            <a:solidFill>
+                              <a:srgbClr val="FFFFFF"/>
+                            </a:solidFill>
+                            <a:latin typeface="Cambria Math" panose="02040503050406030204" pitchFamily="18" charset="0"/>
+                          </a:rPr>
+                        </m:ctrlPr>
+                      </m:sSubPr>
+                      <m:e>
+                        <m:r>
+                          <a:rPr lang="hu-HU" i="1" dirty="0">
+                            <a:solidFill>
+                              <a:srgbClr val="FFFFFF"/>
+                            </a:solidFill>
+                            <a:latin typeface="Cambria Math" panose="02040503050406030204" pitchFamily="18" charset="0"/>
+                          </a:rPr>
+                          <m:t>𝐻</m:t>
+                        </m:r>
+                      </m:e>
+                      <m:sub>
+                        <m:r>
+                          <a:rPr lang="hu-HU" i="1" dirty="0">
+                            <a:solidFill>
+                              <a:srgbClr val="FFFFFF"/>
+                            </a:solidFill>
+                            <a:latin typeface="Cambria Math" panose="02040503050406030204" pitchFamily="18" charset="0"/>
+                          </a:rPr>
+                          <m:t>𝑖</m:t>
+                        </m:r>
+                      </m:sub>
+                    </m:sSub>
+                    <m:r>
+                      <a:rPr lang="hu-HU" i="1" dirty="0">
+                        <a:solidFill>
+                          <a:srgbClr val="FFFFFF"/>
+                        </a:solidFill>
+                        <a:latin typeface="Cambria Math" panose="02040503050406030204" pitchFamily="18" charset="0"/>
+                      </a:rPr>
+                      <m:t>(</m:t>
+                    </m:r>
+                    <m:r>
+                      <a:rPr lang="hu-HU" i="1" dirty="0">
+                        <a:solidFill>
+                          <a:srgbClr val="FFFFFF"/>
+                        </a:solidFill>
+                        <a:latin typeface="Cambria Math" panose="02040503050406030204" pitchFamily="18" charset="0"/>
+                      </a:rPr>
+                      <m:t>𝑥</m:t>
+                    </m:r>
+                    <m:r>
+                      <a:rPr lang="hu-HU" i="1" dirty="0">
+                        <a:solidFill>
+                          <a:srgbClr val="FFFFFF"/>
+                        </a:solidFill>
+                        <a:latin typeface="Cambria Math" panose="02040503050406030204" pitchFamily="18" charset="0"/>
+                      </a:rPr>
+                      <m:t>)−</m:t>
+                    </m:r>
                     <m:sSubSup>
                       <m:sSubSupPr>
                         <m:ctrlPr>
-                          <a:rPr lang="en-US" i="1" smtClean="0">
+                          <a:rPr lang="en-US" i="1">
                             <a:solidFill>
                               <a:srgbClr val="FFFFFF"/>
                             </a:solidFill>
@@ -5382,189 +5664,196 @@
                         </m:ctrlPr>
                       </m:sSubSupPr>
                       <m:e>
-                        <m:d>
-                          <m:dPr>
-                            <m:begChr m:val="‖"/>
-                            <m:endChr m:val="‖"/>
-                            <m:ctrlPr>
-                              <a:rPr lang="en-US" i="1" smtClean="0">
-                                <a:solidFill>
-                                  <a:srgbClr val="FFFFFF"/>
-                                </a:solidFill>
-                                <a:latin typeface="Cambria Math" panose="02040503050406030204" pitchFamily="18" charset="0"/>
-                              </a:rPr>
-                            </m:ctrlPr>
-                          </m:dPr>
-                          <m:e>
-                            <m:sSub>
-                              <m:sSubPr>
-                                <m:ctrlPr>
-                                  <a:rPr lang="hu-HU" i="1" dirty="0">
-                                    <a:solidFill>
-                                      <a:srgbClr val="FFFFFF"/>
-                                    </a:solidFill>
-                                    <a:latin typeface="Cambria Math" panose="02040503050406030204" pitchFamily="18" charset="0"/>
-                                  </a:rPr>
-                                </m:ctrlPr>
-                              </m:sSubPr>
-                              <m:e>
-                                <m:r>
-                                  <a:rPr lang="hu-HU" i="1" dirty="0">
-                                    <a:solidFill>
-                                      <a:srgbClr val="FFFFFF"/>
-                                    </a:solidFill>
-                                    <a:latin typeface="Cambria Math" panose="02040503050406030204" pitchFamily="18" charset="0"/>
-                                  </a:rPr>
-                                  <m:t>𝐻</m:t>
-                                </m:r>
-                              </m:e>
-                              <m:sub>
-                                <m:r>
-                                  <a:rPr lang="hu-HU" i="1" dirty="0">
-                                    <a:solidFill>
-                                      <a:srgbClr val="FFFFFF"/>
-                                    </a:solidFill>
-                                    <a:latin typeface="Cambria Math" panose="02040503050406030204" pitchFamily="18" charset="0"/>
-                                  </a:rPr>
-                                  <m:t>𝑖</m:t>
-                                </m:r>
-                              </m:sub>
-                            </m:sSub>
-                            <m:r>
-                              <a:rPr lang="hu-HU" i="1" dirty="0">
-                                <a:solidFill>
-                                  <a:srgbClr val="FFFFFF"/>
-                                </a:solidFill>
-                                <a:latin typeface="Cambria Math" panose="02040503050406030204" pitchFamily="18" charset="0"/>
-                              </a:rPr>
-                              <m:t>(</m:t>
-                            </m:r>
-                            <m:r>
-                              <a:rPr lang="hu-HU" i="1" dirty="0">
-                                <a:solidFill>
-                                  <a:srgbClr val="FFFFFF"/>
-                                </a:solidFill>
-                                <a:latin typeface="Cambria Math" panose="02040503050406030204" pitchFamily="18" charset="0"/>
-                              </a:rPr>
-                              <m:t>𝑥</m:t>
-                            </m:r>
-                            <m:r>
-                              <a:rPr lang="hu-HU" i="1" dirty="0">
-                                <a:solidFill>
-                                  <a:srgbClr val="FFFFFF"/>
-                                </a:solidFill>
-                                <a:latin typeface="Cambria Math" panose="02040503050406030204" pitchFamily="18" charset="0"/>
-                              </a:rPr>
-                              <m:t>)−</m:t>
-                            </m:r>
-                            <m:sSubSup>
-                              <m:sSubSupPr>
-                                <m:ctrlPr>
-                                  <a:rPr lang="en-US" i="1" smtClean="0">
-                                    <a:solidFill>
-                                      <a:srgbClr val="FFFFFF"/>
-                                    </a:solidFill>
-                                    <a:latin typeface="Cambria Math" panose="02040503050406030204" pitchFamily="18" charset="0"/>
-                                  </a:rPr>
-                                </m:ctrlPr>
-                              </m:sSubSupPr>
-                              <m:e>
-                                <m:r>
-                                  <a:rPr lang="hu-HU" b="0" i="1" smtClean="0">
-                                    <a:solidFill>
-                                      <a:srgbClr val="FFFFFF"/>
-                                    </a:solidFill>
-                                    <a:latin typeface="Cambria Math" panose="02040503050406030204" pitchFamily="18" charset="0"/>
-                                  </a:rPr>
-                                  <m:t>𝐻</m:t>
-                                </m:r>
-                              </m:e>
-                              <m:sub>
-                                <m:r>
-                                  <a:rPr lang="hu-HU" b="0" i="1" smtClean="0">
-                                    <a:solidFill>
-                                      <a:srgbClr val="FFFFFF"/>
-                                    </a:solidFill>
-                                    <a:latin typeface="Cambria Math" panose="02040503050406030204" pitchFamily="18" charset="0"/>
-                                  </a:rPr>
-                                  <m:t>𝑖</m:t>
-                                </m:r>
-                              </m:sub>
-                              <m:sup>
-                                <m:r>
-                                  <a:rPr lang="hu-HU" b="0" i="1" smtClean="0">
-                                    <a:solidFill>
-                                      <a:srgbClr val="FFFFFF"/>
-                                    </a:solidFill>
-                                    <a:latin typeface="Cambria Math" panose="02040503050406030204" pitchFamily="18" charset="0"/>
-                                  </a:rPr>
-                                  <m:t>𝑜𝑏𝑠</m:t>
-                                </m:r>
-                              </m:sup>
-                            </m:sSubSup>
-                            <m:r>
-                              <a:rPr lang="en-US" i="1" smtClean="0">
-                                <a:solidFill>
-                                  <a:srgbClr val="FFFFFF"/>
-                                </a:solidFill>
-                                <a:latin typeface="Cambria Math" panose="02040503050406030204" pitchFamily="18" charset="0"/>
-                              </a:rPr>
-                              <m:t> </m:t>
-                            </m:r>
-                            <m:r>
-                              <a:rPr lang="hu-HU" b="0" i="1" smtClean="0">
-                                <a:solidFill>
-                                  <a:srgbClr val="FFFFFF"/>
-                                </a:solidFill>
-                                <a:latin typeface="Cambria Math" panose="02040503050406030204" pitchFamily="18" charset="0"/>
-                              </a:rPr>
-                              <m:t>(</m:t>
-                            </m:r>
-                            <m:r>
-                              <a:rPr lang="hu-HU" b="0" i="1" smtClean="0">
-                                <a:solidFill>
-                                  <a:srgbClr val="FFFFFF"/>
-                                </a:solidFill>
-                                <a:latin typeface="Cambria Math" panose="02040503050406030204" pitchFamily="18" charset="0"/>
-                              </a:rPr>
-                              <m:t>𝑥</m:t>
-                            </m:r>
-                            <m:r>
-                              <a:rPr lang="hu-HU" b="0" i="1" smtClean="0">
-                                <a:solidFill>
-                                  <a:srgbClr val="FFFFFF"/>
-                                </a:solidFill>
-                                <a:latin typeface="Cambria Math" panose="02040503050406030204" pitchFamily="18" charset="0"/>
-                              </a:rPr>
-                              <m:t>) </m:t>
-                            </m:r>
-                          </m:e>
-                        </m:d>
-                      </m:e>
-                      <m:sub>
                         <m:r>
-                          <a:rPr lang="en-US" i="1" smtClean="0">
+                          <a:rPr lang="hu-HU" i="1">
                             <a:solidFill>
                               <a:srgbClr val="FFFFFF"/>
                             </a:solidFill>
                             <a:latin typeface="Cambria Math" panose="02040503050406030204" pitchFamily="18" charset="0"/>
                           </a:rPr>
-                          <m:t>2</m:t>
+                          <m:t>𝐻</m:t>
                         </m:r>
-                      </m:sub>
-                      <m:sup>
+                      </m:e>
+                      <m:sub>
                         <m:r>
-                          <a:rPr lang="en-US" i="1" smtClean="0">
+                          <a:rPr lang="hu-HU" i="1">
                             <a:solidFill>
                               <a:srgbClr val="FFFFFF"/>
                             </a:solidFill>
                             <a:latin typeface="Cambria Math" panose="02040503050406030204" pitchFamily="18" charset="0"/>
                           </a:rPr>
-                          <m:t>2</m:t>
+                          <m:t>𝑖</m:t>
+                        </m:r>
+                      </m:sub>
+                      <m:sup>
+                        <m:r>
+                          <a:rPr lang="hu-HU" i="1">
+                            <a:solidFill>
+                              <a:srgbClr val="FFFFFF"/>
+                            </a:solidFill>
+                            <a:latin typeface="Cambria Math" panose="02040503050406030204" pitchFamily="18" charset="0"/>
+                          </a:rPr>
+                          <m:t>𝑜𝑏𝑠</m:t>
                         </m:r>
                       </m:sup>
                     </m:sSubSup>
+                    <m:r>
+                      <a:rPr lang="en-US" i="1">
+                        <a:solidFill>
+                          <a:srgbClr val="FFFFFF"/>
+                        </a:solidFill>
+                        <a:latin typeface="Cambria Math" panose="02040503050406030204" pitchFamily="18" charset="0"/>
+                      </a:rPr>
+                      <m:t> </m:t>
+                    </m:r>
+                    <m:r>
+                      <a:rPr lang="hu-HU" i="1">
+                        <a:solidFill>
+                          <a:srgbClr val="FFFFFF"/>
+                        </a:solidFill>
+                        <a:latin typeface="Cambria Math" panose="02040503050406030204" pitchFamily="18" charset="0"/>
+                      </a:rPr>
+                      <m:t>(</m:t>
+                    </m:r>
+                    <m:r>
+                      <a:rPr lang="hu-HU" i="1">
+                        <a:solidFill>
+                          <a:srgbClr val="FFFFFF"/>
+                        </a:solidFill>
+                        <a:latin typeface="Cambria Math" panose="02040503050406030204" pitchFamily="18" charset="0"/>
+                      </a:rPr>
+                      <m:t>𝑥</m:t>
+                    </m:r>
+                    <m:r>
+                      <a:rPr lang="hu-HU" i="1">
+                        <a:solidFill>
+                          <a:srgbClr val="FFFFFF"/>
+                        </a:solidFill>
+                        <a:latin typeface="Cambria Math" panose="02040503050406030204" pitchFamily="18" charset="0"/>
+                      </a:rPr>
+                      <m:t>)</m:t>
+                    </m:r>
                   </m:oMath>
+                </a14:m>
+                <a:endParaRPr lang="en-US" dirty="0">
+                  <a:solidFill>
+                    <a:srgbClr val="FFFFFF"/>
+                  </a:solidFill>
+                </a:endParaRPr>
+              </a:p>
+              <a:p>
+                <a:r>
+                  <a:rPr lang="en-US" dirty="0">
+                    <a:solidFill>
+                      <a:srgbClr val="FFFFFF"/>
+                    </a:solidFill>
+                  </a:rPr>
+                  <a:t>Objective function</a:t>
+                </a:r>
+              </a:p>
+              <a:p>
+                <a:pPr marL="0" indent="0">
+                  <a:buNone/>
+                </a:pPr>
+                <a14:m>
+                  <m:oMathPara xmlns:m="http://schemas.openxmlformats.org/officeDocument/2006/math">
+                    <m:oMathParaPr>
+                      <m:jc m:val="centerGroup"/>
+                    </m:oMathParaPr>
+                    <m:oMath xmlns:m="http://schemas.openxmlformats.org/officeDocument/2006/math">
+                      <m:r>
+                        <a:rPr lang="en-US" b="0" i="1" smtClean="0">
+                          <a:solidFill>
+                            <a:srgbClr val="FFFFFF"/>
+                          </a:solidFill>
+                          <a:latin typeface="Cambria Math" panose="02040503050406030204" pitchFamily="18" charset="0"/>
+                        </a:rPr>
+                        <m:t>𝑓</m:t>
+                      </m:r>
+                      <m:r>
+                        <a:rPr lang="en-US" b="0" i="1" smtClean="0">
+                          <a:solidFill>
+                            <a:srgbClr val="FFFFFF"/>
+                          </a:solidFill>
+                          <a:latin typeface="Cambria Math" panose="02040503050406030204" pitchFamily="18" charset="0"/>
+                        </a:rPr>
+                        <m:t>=</m:t>
+                      </m:r>
+                      <m:nary>
+                        <m:naryPr>
+                          <m:chr m:val="∑"/>
+                          <m:supHide m:val="on"/>
+                          <m:ctrlPr>
+                            <a:rPr lang="en-US" b="0" i="1" smtClean="0">
+                              <a:solidFill>
+                                <a:srgbClr val="FFFFFF"/>
+                              </a:solidFill>
+                              <a:latin typeface="Cambria Math" panose="02040503050406030204" pitchFamily="18" charset="0"/>
+                            </a:rPr>
+                          </m:ctrlPr>
+                        </m:naryPr>
+                        <m:sub>
+                          <m:r>
+                            <a:rPr lang="en-US" b="0" i="1" smtClean="0">
+                              <a:solidFill>
+                                <a:srgbClr val="FFFFFF"/>
+                              </a:solidFill>
+                              <a:latin typeface="Cambria Math" panose="02040503050406030204" pitchFamily="18" charset="0"/>
+                            </a:rPr>
+                            <m:t>𝑖</m:t>
+                          </m:r>
+                        </m:sub>
+                        <m:sup/>
+                        <m:e>
+                          <m:sSubSup>
+                            <m:sSubSupPr>
+                              <m:ctrlPr>
+                                <a:rPr lang="en-US" b="0" i="1" smtClean="0">
+                                  <a:solidFill>
+                                    <a:srgbClr val="FFFFFF"/>
+                                  </a:solidFill>
+                                  <a:latin typeface="Cambria Math" panose="02040503050406030204" pitchFamily="18" charset="0"/>
+                                </a:rPr>
+                              </m:ctrlPr>
+                            </m:sSubSupPr>
+                            <m:e>
+                              <m:r>
+                                <a:rPr lang="en-US" b="0" i="1" smtClean="0">
+                                  <a:solidFill>
+                                    <a:srgbClr val="FFFFFF"/>
+                                  </a:solidFill>
+                                  <a:latin typeface="Cambria Math" panose="02040503050406030204" pitchFamily="18" charset="0"/>
+                                </a:rPr>
+                                <m:t>𝑓</m:t>
+                              </m:r>
+                            </m:e>
+                            <m:sub>
+                              <m:r>
+                                <a:rPr lang="en-US" b="0" i="1" smtClean="0">
+                                  <a:solidFill>
+                                    <a:srgbClr val="FFFFFF"/>
+                                  </a:solidFill>
+                                  <a:latin typeface="Cambria Math" panose="02040503050406030204" pitchFamily="18" charset="0"/>
+                                </a:rPr>
+                                <m:t>𝑖</m:t>
+                              </m:r>
+                            </m:sub>
+                            <m:sup>
+                              <m:r>
+                                <a:rPr lang="en-US" b="0" i="1" smtClean="0">
+                                  <a:solidFill>
+                                    <a:srgbClr val="FFFFFF"/>
+                                  </a:solidFill>
+                                  <a:latin typeface="Cambria Math" panose="02040503050406030204" pitchFamily="18" charset="0"/>
+                                </a:rPr>
+                                <m:t>2</m:t>
+                              </m:r>
+                            </m:sup>
+                          </m:sSubSup>
+                        </m:e>
+                      </m:nary>
+                    </m:oMath>
+                  </m:oMathPara>
                 </a14:m>
                 <a:endParaRPr lang="hu-HU" dirty="0">
                   <a:solidFill>
@@ -5804,7 +6093,7 @@
 </p:sld>
 </file>
 
-<file path=ppt/slides/slide12.xml><?xml version="1.0" encoding="utf-8"?>
+<file path=ppt/slides/slide13.xml><?xml version="1.0" encoding="utf-8"?>
 <p:sld xmlns:a="http://schemas.openxmlformats.org/drawingml/2006/main" xmlns:r="http://schemas.openxmlformats.org/officeDocument/2006/relationships" xmlns:p="http://schemas.openxmlformats.org/presentationml/2006/main">
   <p:cSld>
     <p:bg>
@@ -6504,45 +6793,281 @@
           </a:p>
         </p:txBody>
       </p:sp>
-      <p:sp>
-        <p:nvSpPr>
-          <p:cNvPr id="3" name="Szöveg helye 2">
-            <a:extLst>
-              <a:ext uri="{FF2B5EF4-FFF2-40B4-BE49-F238E27FC236}">
-                <a16:creationId xmlns:a16="http://schemas.microsoft.com/office/drawing/2014/main" id="{8FA482A4-6C76-48D2-2FA4-6308F882D248}"/>
-              </a:ext>
-            </a:extLst>
-          </p:cNvPr>
-          <p:cNvSpPr>
-            <a:spLocks noGrp="1"/>
-          </p:cNvSpPr>
-          <p:nvPr>
-            <p:ph type="body" idx="1"/>
-          </p:nvPr>
-        </p:nvSpPr>
-        <p:spPr>
-          <a:xfrm>
-            <a:off x="838200" y="1825625"/>
-            <a:ext cx="10515600" cy="4351338"/>
-          </a:xfrm>
-        </p:spPr>
-        <p:txBody>
-          <a:bodyPr vert="horz" lIns="91440" tIns="45720" rIns="91440" bIns="45720" rtlCol="0">
-            <a:normAutofit/>
-          </a:bodyPr>
-          <a:lstStyle/>
-          <a:p>
-            <a:r>
-              <a:rPr lang="en-US" dirty="0">
-                <a:solidFill>
-                  <a:srgbClr val="FFFFFF"/>
-                </a:solidFill>
-              </a:rPr>
-              <a:t>Explain Full Stokes equations, Shallow Ice Approximation, and the nonlinear relationship between thickness (H) and mass balance function (a(x)).</a:t>
-            </a:r>
-          </a:p>
-        </p:txBody>
-      </p:sp>
+      <mc:AlternateContent xmlns:mc="http://schemas.openxmlformats.org/markup-compatibility/2006">
+        <mc:Choice xmlns:a14="http://schemas.microsoft.com/office/drawing/2010/main" Requires="a14">
+          <p:sp>
+            <p:nvSpPr>
+              <p:cNvPr id="3" name="Szöveg helye 2">
+                <a:extLst>
+                  <a:ext uri="{FF2B5EF4-FFF2-40B4-BE49-F238E27FC236}">
+                    <a16:creationId xmlns:a16="http://schemas.microsoft.com/office/drawing/2014/main" id="{8FA482A4-6C76-48D2-2FA4-6308F882D248}"/>
+                  </a:ext>
+                </a:extLst>
+              </p:cNvPr>
+              <p:cNvSpPr>
+                <a:spLocks noGrp="1"/>
+              </p:cNvSpPr>
+              <p:nvPr>
+                <p:ph type="body" idx="1"/>
+              </p:nvPr>
+            </p:nvSpPr>
+            <p:spPr>
+              <a:xfrm>
+                <a:off x="838200" y="1825625"/>
+                <a:ext cx="10515600" cy="2676037"/>
+              </a:xfrm>
+              <a:gradFill>
+                <a:gsLst>
+                  <a:gs pos="100000">
+                    <a:schemeClr val="bg1">
+                      <a:lumMod val="95000"/>
+                      <a:lumOff val="5000"/>
+                      <a:alpha val="78000"/>
+                    </a:schemeClr>
+                  </a:gs>
+                  <a:gs pos="100000">
+                    <a:schemeClr val="accent1">
+                      <a:lumMod val="45000"/>
+                      <a:lumOff val="55000"/>
+                    </a:schemeClr>
+                  </a:gs>
+                  <a:gs pos="100000">
+                    <a:schemeClr val="accent1">
+                      <a:lumMod val="45000"/>
+                      <a:lumOff val="55000"/>
+                    </a:schemeClr>
+                  </a:gs>
+                  <a:gs pos="100000">
+                    <a:schemeClr val="accent1">
+                      <a:lumMod val="30000"/>
+                      <a:lumOff val="70000"/>
+                    </a:schemeClr>
+                  </a:gs>
+                </a:gsLst>
+                <a:lin ang="5400000" scaled="1"/>
+              </a:gradFill>
+            </p:spPr>
+            <p:txBody>
+              <a:bodyPr vert="horz" lIns="91440" tIns="45720" rIns="91440" bIns="45720" rtlCol="0">
+                <a:normAutofit/>
+              </a:bodyPr>
+              <a:lstStyle/>
+              <a:p>
+                <a:r>
+                  <a:rPr lang="en-US" dirty="0">
+                    <a:solidFill>
+                      <a:srgbClr val="FFFFFF"/>
+                    </a:solidFill>
+                  </a:rPr>
+                  <a:t>Shallow Ice Approximation is used to obtain a the nonlinear relationship between thickness </a:t>
+                </a:r>
+                <a14:m>
+                  <m:oMath xmlns:m="http://schemas.openxmlformats.org/officeDocument/2006/math">
+                    <m:r>
+                      <a:rPr lang="en-US" i="1" dirty="0" smtClean="0">
+                        <a:solidFill>
+                          <a:srgbClr val="FFFFFF"/>
+                        </a:solidFill>
+                        <a:latin typeface="Cambria Math" panose="02040503050406030204" pitchFamily="18" charset="0"/>
+                      </a:rPr>
+                      <m:t>𝐻</m:t>
+                    </m:r>
+                    <m:r>
+                      <a:rPr lang="en-US" b="0" i="1" dirty="0" smtClean="0">
+                        <a:solidFill>
+                          <a:srgbClr val="FFFFFF"/>
+                        </a:solidFill>
+                        <a:latin typeface="Cambria Math" panose="02040503050406030204" pitchFamily="18" charset="0"/>
+                      </a:rPr>
+                      <m:t>(</m:t>
+                    </m:r>
+                    <m:r>
+                      <a:rPr lang="en-US" b="0" i="1" dirty="0" smtClean="0">
+                        <a:solidFill>
+                          <a:srgbClr val="FFFFFF"/>
+                        </a:solidFill>
+                        <a:latin typeface="Cambria Math" panose="02040503050406030204" pitchFamily="18" charset="0"/>
+                      </a:rPr>
+                      <m:t>𝑥</m:t>
+                    </m:r>
+                    <m:r>
+                      <a:rPr lang="en-US" b="0" i="1" dirty="0" smtClean="0">
+                        <a:solidFill>
+                          <a:srgbClr val="FFFFFF"/>
+                        </a:solidFill>
+                        <a:latin typeface="Cambria Math" panose="02040503050406030204" pitchFamily="18" charset="0"/>
+                      </a:rPr>
+                      <m:t>)</m:t>
+                    </m:r>
+                  </m:oMath>
+                </a14:m>
+                <a:r>
+                  <a:rPr lang="en-US" dirty="0">
+                    <a:solidFill>
+                      <a:srgbClr val="FFFFFF"/>
+                    </a:solidFill>
+                  </a:rPr>
+                  <a:t> and mass balance function </a:t>
+                </a:r>
+                <a14:m>
+                  <m:oMath xmlns:m="http://schemas.openxmlformats.org/officeDocument/2006/math">
+                    <m:r>
+                      <a:rPr lang="en-US" i="1" dirty="0" smtClean="0">
+                        <a:solidFill>
+                          <a:srgbClr val="FFFFFF"/>
+                        </a:solidFill>
+                        <a:latin typeface="Cambria Math" panose="02040503050406030204" pitchFamily="18" charset="0"/>
+                      </a:rPr>
+                      <m:t>𝑎</m:t>
+                    </m:r>
+                    <m:r>
+                      <a:rPr lang="en-US" i="1" dirty="0" smtClean="0">
+                        <a:solidFill>
+                          <a:srgbClr val="FFFFFF"/>
+                        </a:solidFill>
+                        <a:latin typeface="Cambria Math" panose="02040503050406030204" pitchFamily="18" charset="0"/>
+                      </a:rPr>
+                      <m:t>(</m:t>
+                    </m:r>
+                    <m:r>
+                      <a:rPr lang="en-US" i="1" dirty="0" smtClean="0">
+                        <a:solidFill>
+                          <a:srgbClr val="FFFFFF"/>
+                        </a:solidFill>
+                        <a:latin typeface="Cambria Math" panose="02040503050406030204" pitchFamily="18" charset="0"/>
+                      </a:rPr>
+                      <m:t>𝑥</m:t>
+                    </m:r>
+                    <m:r>
+                      <a:rPr lang="en-US" i="1" dirty="0" smtClean="0">
+                        <a:solidFill>
+                          <a:srgbClr val="FFFFFF"/>
+                        </a:solidFill>
+                        <a:latin typeface="Cambria Math" panose="02040503050406030204" pitchFamily="18" charset="0"/>
+                      </a:rPr>
+                      <m:t>)</m:t>
+                    </m:r>
+                  </m:oMath>
+                </a14:m>
+                <a:r>
+                  <a:rPr lang="en-US" dirty="0">
+                    <a:solidFill>
+                      <a:srgbClr val="FFFFFF"/>
+                    </a:solidFill>
+                  </a:rPr>
+                  <a:t>.</a:t>
+                </a:r>
+              </a:p>
+              <a:p>
+                <a:endParaRPr lang="en-US" dirty="0">
+                  <a:solidFill>
+                    <a:srgbClr val="FFFFFF"/>
+                  </a:solidFill>
+                </a:endParaRPr>
+              </a:p>
+              <a:p>
+                <a:r>
+                  <a:rPr lang="en-US" dirty="0">
+                    <a:solidFill>
+                      <a:srgbClr val="FFFFFF"/>
+                    </a:solidFill>
+                  </a:rPr>
+                  <a:t>Real values of thickness </a:t>
+                </a:r>
+                <a14:m>
+                  <m:oMath xmlns:m="http://schemas.openxmlformats.org/officeDocument/2006/math">
+                    <m:sSub>
+                      <m:sSubPr>
+                        <m:ctrlPr>
+                          <a:rPr lang="en-US" b="0" i="1" smtClean="0">
+                            <a:solidFill>
+                              <a:srgbClr val="FFFFFF"/>
+                            </a:solidFill>
+                            <a:latin typeface="Cambria Math" panose="02040503050406030204" pitchFamily="18" charset="0"/>
+                          </a:rPr>
+                        </m:ctrlPr>
+                      </m:sSubPr>
+                      <m:e>
+                        <m:r>
+                          <a:rPr lang="en-US" b="0" i="1" smtClean="0">
+                            <a:solidFill>
+                              <a:srgbClr val="FFFFFF"/>
+                            </a:solidFill>
+                            <a:latin typeface="Cambria Math" panose="02040503050406030204" pitchFamily="18" charset="0"/>
+                          </a:rPr>
+                          <m:t>𝐻</m:t>
+                        </m:r>
+                      </m:e>
+                      <m:sub>
+                        <m:r>
+                          <a:rPr lang="en-US" b="0" i="1" smtClean="0">
+                            <a:solidFill>
+                              <a:srgbClr val="FFFFFF"/>
+                            </a:solidFill>
+                            <a:latin typeface="Cambria Math" panose="02040503050406030204" pitchFamily="18" charset="0"/>
+                          </a:rPr>
+                          <m:t>𝑜𝑏𝑠</m:t>
+                        </m:r>
+                      </m:sub>
+                    </m:sSub>
+                  </m:oMath>
+                </a14:m>
+                <a:r>
+                  <a:rPr lang="en-US" dirty="0">
+                    <a:solidFill>
+                      <a:srgbClr val="FFFFFF"/>
+                    </a:solidFill>
+                  </a:rPr>
+                  <a:t> are measured. Out objective is to obtain unknown parameters that minimize the error.</a:t>
+                </a:r>
+              </a:p>
+            </p:txBody>
+          </p:sp>
+        </mc:Choice>
+        <mc:Fallback>
+          <p:sp>
+            <p:nvSpPr>
+              <p:cNvPr id="3" name="Szöveg helye 2">
+                <a:extLst>
+                  <a:ext uri="{FF2B5EF4-FFF2-40B4-BE49-F238E27FC236}">
+                    <a16:creationId xmlns:a16="http://schemas.microsoft.com/office/drawing/2014/main" id="{8FA482A4-6C76-48D2-2FA4-6308F882D248}"/>
+                  </a:ext>
+                </a:extLst>
+              </p:cNvPr>
+              <p:cNvSpPr>
+                <a:spLocks noGrp="1" noRot="1" noChangeAspect="1" noMove="1" noResize="1" noEditPoints="1" noAdjustHandles="1" noChangeArrowheads="1" noChangeShapeType="1" noTextEdit="1"/>
+              </p:cNvSpPr>
+              <p:nvPr>
+                <p:ph type="body" idx="1"/>
+              </p:nvPr>
+            </p:nvSpPr>
+            <p:spPr>
+              <a:xfrm>
+                <a:off x="838200" y="1825625"/>
+                <a:ext cx="10515600" cy="2676037"/>
+              </a:xfrm>
+              <a:blipFill>
+                <a:blip r:embed="rId3"/>
+                <a:stretch>
+                  <a:fillRect l="-1043" t="-3645" r="-1449" b="-5467"/>
+                </a:stretch>
+              </a:blipFill>
+            </p:spPr>
+            <p:txBody>
+              <a:bodyPr/>
+              <a:lstStyle/>
+              <a:p>
+                <a:r>
+                  <a:rPr lang="en-US">
+                    <a:noFill/>
+                  </a:rPr>
+                  <a:t> </a:t>
+                </a:r>
+              </a:p>
+            </p:txBody>
+          </p:sp>
+        </mc:Fallback>
+      </mc:AlternateContent>
     </p:spTree>
     <p:extLst>
       <p:ext uri="{BB962C8B-B14F-4D97-AF65-F5344CB8AC3E}">
@@ -6745,52 +7270,12 @@
               <a:lstStyle/>
               <a:p>
                 <a:r>
-                  <a:rPr lang="hu-HU" b="0" dirty="0">
+                  <a:rPr lang="en-US" b="0" dirty="0">
                     <a:solidFill>
                       <a:srgbClr val="FFFFFF"/>
                     </a:solidFill>
                   </a:rPr>
-                  <a:t>Objective </a:t>
-                </a:r>
-                <a:r>
-                  <a:rPr lang="hu-HU" b="0" dirty="0" err="1">
-                    <a:solidFill>
-                      <a:srgbClr val="FFFFFF"/>
-                    </a:solidFill>
-                  </a:rPr>
-                  <a:t>function</a:t>
-                </a:r>
-                <a:r>
-                  <a:rPr lang="hu-HU" b="0" dirty="0">
-                    <a:solidFill>
-                      <a:srgbClr val="FFFFFF"/>
-                    </a:solidFill>
-                  </a:rPr>
-                  <a:t> </a:t>
-                </a:r>
-                <a:r>
-                  <a:rPr lang="hu-HU" b="0" dirty="0" err="1">
-                    <a:solidFill>
-                      <a:srgbClr val="FFFFFF"/>
-                    </a:solidFill>
-                  </a:rPr>
-                  <a:t>to</a:t>
-                </a:r>
-                <a:r>
-                  <a:rPr lang="hu-HU" b="0" dirty="0">
-                    <a:solidFill>
-                      <a:srgbClr val="FFFFFF"/>
-                    </a:solidFill>
-                  </a:rPr>
-                  <a:t> </a:t>
-                </a:r>
-                <a:r>
-                  <a:rPr lang="hu-HU" b="0" dirty="0" err="1">
-                    <a:solidFill>
-                      <a:srgbClr val="FFFFFF"/>
-                    </a:solidFill>
-                  </a:rPr>
-                  <a:t>minimize</a:t>
+                  <a:t>Theoretical thickness</a:t>
                 </a:r>
                 <a:r>
                   <a:rPr lang="hu-HU" b="0" dirty="0">
@@ -6875,6 +7360,15 @@
                           </m:dPr>
                           <m:e>
                             <m:r>
+                              <a:rPr lang="en-US" b="0" i="1" smtClean="0">
+                                <a:solidFill>
+                                  <a:srgbClr val="FFFFFF"/>
+                                </a:solidFill>
+                                <a:latin typeface="Cambria Math" panose="02040503050406030204" pitchFamily="18" charset="0"/>
+                              </a:rPr>
+                              <m:t>−</m:t>
+                            </m:r>
+                            <m:r>
                               <a:rPr lang="hu-HU" b="0" i="1" smtClean="0">
                                 <a:solidFill>
                                   <a:srgbClr val="FFFFFF"/>
@@ -6906,81 +7400,58 @@
                                 </m:r>
                               </m:e>
                             </m:d>
-                            <m:d>
-                              <m:dPr>
+                            <m:f>
+                              <m:fPr>
                                 <m:ctrlPr>
-                                  <a:rPr lang="hu-HU" b="0" i="1" smtClean="0">
+                                  <a:rPr lang="hu-HU" i="1">
                                     <a:solidFill>
                                       <a:srgbClr val="FFFFFF"/>
                                     </a:solidFill>
                                     <a:latin typeface="Cambria Math" panose="02040503050406030204" pitchFamily="18" charset="0"/>
                                   </a:rPr>
                                 </m:ctrlPr>
-                              </m:dPr>
-                              <m:e>
+                              </m:fPr>
+                              <m:num>
                                 <m:r>
-                                  <a:rPr lang="hu-HU" b="0" i="1" smtClean="0">
+                                  <a:rPr lang="hu-HU" i="1">
                                     <a:solidFill>
                                       <a:srgbClr val="FFFFFF"/>
                                     </a:solidFill>
                                     <a:latin typeface="Cambria Math" panose="02040503050406030204" pitchFamily="18" charset="0"/>
                                   </a:rPr>
-                                  <m:t>−</m:t>
+                                  <m:t>𝑛</m:t>
                                 </m:r>
-                                <m:f>
-                                  <m:fPr>
-                                    <m:ctrlPr>
-                                      <a:rPr lang="hu-HU" b="0" i="1" smtClean="0">
-                                        <a:solidFill>
-                                          <a:srgbClr val="FFFFFF"/>
-                                        </a:solidFill>
-                                        <a:latin typeface="Cambria Math" panose="02040503050406030204" pitchFamily="18" charset="0"/>
-                                      </a:rPr>
-                                    </m:ctrlPr>
-                                  </m:fPr>
-                                  <m:num>
-                                    <m:r>
-                                      <a:rPr lang="hu-HU" b="0" i="1" smtClean="0">
-                                        <a:solidFill>
-                                          <a:srgbClr val="FFFFFF"/>
-                                        </a:solidFill>
-                                        <a:latin typeface="Cambria Math" panose="02040503050406030204" pitchFamily="18" charset="0"/>
-                                      </a:rPr>
-                                      <m:t>𝑛</m:t>
-                                    </m:r>
-                                    <m:r>
-                                      <a:rPr lang="hu-HU" b="0" i="1" smtClean="0">
-                                        <a:solidFill>
-                                          <a:srgbClr val="FFFFFF"/>
-                                        </a:solidFill>
-                                        <a:latin typeface="Cambria Math" panose="02040503050406030204" pitchFamily="18" charset="0"/>
-                                      </a:rPr>
-                                      <m:t>+2</m:t>
-                                    </m:r>
-                                  </m:num>
-                                  <m:den>
-                                    <m:r>
-                                      <a:rPr lang="hu-HU" b="0" i="1" smtClean="0">
-                                        <a:solidFill>
-                                          <a:srgbClr val="FFFFFF"/>
-                                        </a:solidFill>
-                                        <a:latin typeface="Cambria Math" panose="02040503050406030204" pitchFamily="18" charset="0"/>
-                                      </a:rPr>
-                                      <m:t>2</m:t>
-                                    </m:r>
-                                    <m:r>
-                                      <a:rPr lang="hu-HU" b="0" i="1" smtClean="0">
-                                        <a:solidFill>
-                                          <a:srgbClr val="FFFFFF"/>
-                                        </a:solidFill>
-                                        <a:latin typeface="Cambria Math" panose="02040503050406030204" pitchFamily="18" charset="0"/>
-                                      </a:rPr>
-                                      <m:t>𝐴</m:t>
-                                    </m:r>
-                                  </m:den>
-                                </m:f>
-                              </m:e>
-                            </m:d>
+                                <m:r>
+                                  <a:rPr lang="hu-HU" i="1">
+                                    <a:solidFill>
+                                      <a:srgbClr val="FFFFFF"/>
+                                    </a:solidFill>
+                                    <a:latin typeface="Cambria Math" panose="02040503050406030204" pitchFamily="18" charset="0"/>
+                                  </a:rPr>
+                                  <m:t>+2</m:t>
+                                </m:r>
+                              </m:num>
+                              <m:den>
+                                <m:r>
+                                  <a:rPr lang="hu-HU" i="1">
+                                    <a:solidFill>
+                                      <a:srgbClr val="FFFFFF"/>
+                                    </a:solidFill>
+                                    <a:latin typeface="Cambria Math" panose="02040503050406030204" pitchFamily="18" charset="0"/>
+                                  </a:rPr>
+                                  <m:t>2</m:t>
+                                </m:r>
+                                <m:r>
+                                  <a:rPr lang="hu-HU" i="1">
+                                    <a:solidFill>
+                                      <a:srgbClr val="FFFFFF"/>
+                                    </a:solidFill>
+                                    <a:latin typeface="Cambria Math" panose="02040503050406030204" pitchFamily="18" charset="0"/>
+                                  </a:rPr>
+                                  <m:t>𝐴</m:t>
+                                </m:r>
+                              </m:den>
+                            </m:f>
                             <m:sSup>
                               <m:sSupPr>
                                 <m:ctrlPr>
@@ -7163,10 +7634,8 @@
                               <m:e>
                                 <m:d>
                                   <m:dPr>
-                                    <m:begChr m:val="|"/>
-                                    <m:endChr m:val="|"/>
                                     <m:ctrlPr>
-                                      <a:rPr lang="hu-HU" b="0" i="1" smtClean="0">
+                                      <a:rPr lang="en-US" b="0" i="1" smtClean="0">
                                         <a:solidFill>
                                           <a:srgbClr val="FFFFFF"/>
                                         </a:solidFill>
@@ -7178,7 +7647,7 @@
                                     <m:f>
                                       <m:fPr>
                                         <m:ctrlPr>
-                                          <a:rPr lang="hu-HU" b="0" i="1" smtClean="0">
+                                          <a:rPr lang="en-US" b="0" i="1" smtClean="0">
                                             <a:solidFill>
                                               <a:srgbClr val="FFFFFF"/>
                                             </a:solidFill>
@@ -7188,42 +7657,24 @@
                                       </m:fPr>
                                       <m:num>
                                         <m:r>
-                                          <a:rPr lang="hu-HU" b="0" i="1" smtClean="0">
+                                          <a:rPr lang="en-US" b="0" i="1" smtClean="0">
                                             <a:solidFill>
                                               <a:srgbClr val="FFFFFF"/>
                                             </a:solidFill>
                                             <a:latin typeface="Cambria Math" panose="02040503050406030204" pitchFamily="18" charset="0"/>
                                           </a:rPr>
-                                          <m:t>ⅆ</m:t>
+                                          <m:t>𝑑h</m:t>
                                         </m:r>
+                                      </m:num>
+                                      <m:den>
                                         <m:r>
-                                          <a:rPr lang="hu-HU" b="0" i="1" smtClean="0">
+                                          <a:rPr lang="en-US" b="0" i="1" smtClean="0">
                                             <a:solidFill>
                                               <a:srgbClr val="FFFFFF"/>
                                             </a:solidFill>
                                             <a:latin typeface="Cambria Math" panose="02040503050406030204" pitchFamily="18" charset="0"/>
                                           </a:rPr>
-                                          <m:t>h</m:t>
-                                        </m:r>
-                                      </m:num>
-                                      <m:den>
-                                        <m:r>
-                                          <a:rPr lang="hu-HU" b="0" i="1" smtClean="0">
-                                            <a:solidFill>
-                                              <a:srgbClr val="FFFFFF"/>
-                                            </a:solidFill>
-                                            <a:latin typeface="Cambria Math" panose="02040503050406030204" pitchFamily="18" charset="0"/>
-                                          </a:rPr>
-                                          <m:t>ⅆ</m:t>
-                                        </m:r>
-                                        <m:r>
-                                          <a:rPr lang="hu-HU" b="0" i="1" smtClean="0">
-                                            <a:solidFill>
-                                              <a:srgbClr val="FFFFFF"/>
-                                            </a:solidFill>
-                                            <a:latin typeface="Cambria Math" panose="02040503050406030204" pitchFamily="18" charset="0"/>
-                                          </a:rPr>
-                                          <m:t>𝑥</m:t>
+                                          <m:t>𝑑𝑥</m:t>
                                         </m:r>
                                       </m:den>
                                     </m:f>
@@ -7313,13 +7764,13 @@
                 <a14:m>
                   <m:oMath xmlns:m="http://schemas.openxmlformats.org/officeDocument/2006/math">
                     <m:r>
-                      <a:rPr lang="hu-HU" b="0" i="1" smtClean="0">
+                      <a:rPr lang="en-US" b="0" i="1" smtClean="0">
                         <a:solidFill>
                           <a:srgbClr val="FFFFFF"/>
                         </a:solidFill>
                         <a:latin typeface="Cambria Math" panose="02040503050406030204" pitchFamily="18" charset="0"/>
                       </a:rPr>
-                      <m:t>𝐸𝑟𝑟𝑜𝑟</m:t>
+                      <m:t>𝑂𝑏𝑗𝑒𝑐𝑡𝑖𝑣𝑒</m:t>
                     </m:r>
                     <m:r>
                       <a:rPr lang="hu-HU" b="0" i="1" smtClean="0">
@@ -7481,16 +7932,7 @@
                                     </a:solidFill>
                                     <a:latin typeface="Cambria Math" panose="02040503050406030204" pitchFamily="18" charset="0"/>
                                   </a:rPr>
-                                  <m:t>𝑜</m:t>
-                                </m:r>
-                                <m:r>
-                                  <a:rPr lang="hu-HU" b="0" i="1" smtClean="0">
-                                    <a:solidFill>
-                                      <a:srgbClr val="FFFFFF"/>
-                                    </a:solidFill>
-                                    <a:latin typeface="Cambria Math" panose="02040503050406030204" pitchFamily="18" charset="0"/>
-                                  </a:rPr>
-                                  <m:t>𝑏𝑠</m:t>
+                                  <m:t>𝑜𝑏𝑠</m:t>
                                 </m:r>
                               </m:sub>
                             </m:sSub>
@@ -7537,13 +7979,13 @@
                       </m:sub>
                       <m:sup>
                         <m:r>
-                          <a:rPr lang="en-US" i="1" smtClean="0">
+                          <a:rPr lang="en-US" b="0" i="1" smtClean="0">
                             <a:solidFill>
                               <a:srgbClr val="FFFFFF"/>
                             </a:solidFill>
                             <a:latin typeface="Cambria Math" panose="02040503050406030204" pitchFamily="18" charset="0"/>
                           </a:rPr>
-                          <m:t>2</m:t>
+                          <m:t> </m:t>
                         </m:r>
                       </m:sup>
                     </m:sSubSup>
@@ -7557,12 +7999,12 @@
               </a:p>
               <a:p>
                 <a:r>
-                  <a:rPr lang="hu-HU" dirty="0" err="1">
+                  <a:rPr lang="en-US" dirty="0">
                     <a:solidFill>
                       <a:srgbClr val="FFFFFF"/>
                     </a:solidFill>
                   </a:rPr>
-                  <a:t>Provided</a:t>
+                  <a:t>Initial</a:t>
                 </a:r>
                 <a:r>
                   <a:rPr lang="hu-HU" dirty="0">
@@ -7570,39 +8012,7 @@
                       <a:srgbClr val="FFFFFF"/>
                     </a:solidFill>
                   </a:rPr>
-                  <a:t> </a:t>
-                </a:r>
-                <a:r>
-                  <a:rPr lang="hu-HU" dirty="0" err="1">
-                    <a:solidFill>
-                      <a:srgbClr val="FFFFFF"/>
-                    </a:solidFill>
-                  </a:rPr>
-                  <a:t>rate</a:t>
-                </a:r>
-                <a:r>
-                  <a:rPr lang="hu-HU" dirty="0">
-                    <a:solidFill>
-                      <a:srgbClr val="FFFFFF"/>
-                    </a:solidFill>
-                  </a:rPr>
-                  <a:t> </a:t>
-                </a:r>
-                <a:r>
-                  <a:rPr lang="hu-HU" dirty="0" err="1">
-                    <a:solidFill>
-                      <a:srgbClr val="FFFFFF"/>
-                    </a:solidFill>
-                  </a:rPr>
-                  <a:t>factor</a:t>
-                </a:r>
-                <a:r>
-                  <a:rPr lang="hu-HU" dirty="0">
-                    <a:solidFill>
-                      <a:srgbClr val="FFFFFF"/>
-                    </a:solidFill>
-                  </a:rPr>
-                  <a:t>: </a:t>
+                  <a:t> rate factor: </a:t>
                 </a:r>
                 <a14:m>
                   <m:oMath xmlns:m="http://schemas.openxmlformats.org/officeDocument/2006/math">
@@ -7667,113 +8077,34 @@
                 </a:endParaRPr>
               </a:p>
               <a:p>
+                <a14:m>
+                  <m:oMath xmlns:m="http://schemas.openxmlformats.org/officeDocument/2006/math">
+                    <m:r>
+                      <a:rPr lang="en-US" b="0" i="1" smtClean="0">
+                        <a:solidFill>
+                          <a:srgbClr val="FFFFFF"/>
+                        </a:solidFill>
+                        <a:latin typeface="Cambria Math" panose="02040503050406030204" pitchFamily="18" charset="0"/>
+                      </a:rPr>
+                      <m:t>𝑛</m:t>
+                    </m:r>
+                  </m:oMath>
+                </a14:m>
                 <a:r>
                   <a:rPr lang="hu-HU" dirty="0">
                     <a:solidFill>
                       <a:srgbClr val="FFFFFF"/>
                     </a:solidFill>
                   </a:rPr>
-                  <a:t>N </a:t>
+                  <a:t> that minimizes the objective function, using </a:t>
                 </a:r>
                 <a:r>
-                  <a:rPr lang="hu-HU" dirty="0" err="1">
-                    <a:solidFill>
-                      <a:srgbClr val="FFFFFF"/>
-                    </a:solidFill>
-                  </a:rPr>
-                  <a:t>that</a:t>
-                </a:r>
-                <a:r>
-                  <a:rPr lang="hu-HU" dirty="0">
-                    <a:solidFill>
-                      <a:srgbClr val="FFFFFF"/>
-                    </a:solidFill>
-                  </a:rPr>
-                  <a:t> </a:t>
-                </a:r>
-                <a:r>
-                  <a:rPr lang="hu-HU" dirty="0" err="1">
-                    <a:solidFill>
-                      <a:srgbClr val="FFFFFF"/>
-                    </a:solidFill>
-                  </a:rPr>
-                  <a:t>minimizes</a:t>
-                </a:r>
-                <a:r>
-                  <a:rPr lang="hu-HU" dirty="0">
-                    <a:solidFill>
-                      <a:srgbClr val="FFFFFF"/>
-                    </a:solidFill>
-                  </a:rPr>
-                  <a:t> </a:t>
-                </a:r>
-                <a:r>
-                  <a:rPr lang="hu-HU" dirty="0" err="1">
-                    <a:solidFill>
-                      <a:srgbClr val="FFFFFF"/>
-                    </a:solidFill>
-                  </a:rPr>
-                  <a:t>the</a:t>
-                </a:r>
-                <a:r>
-                  <a:rPr lang="hu-HU" dirty="0">
-                    <a:solidFill>
-                      <a:srgbClr val="FFFFFF"/>
-                    </a:solidFill>
-                  </a:rPr>
-                  <a:t> </a:t>
-                </a:r>
-                <a:r>
-                  <a:rPr lang="hu-HU" dirty="0" err="1">
-                    <a:solidFill>
-                      <a:srgbClr val="FFFFFF"/>
-                    </a:solidFill>
-                  </a:rPr>
-                  <a:t>objective</a:t>
-                </a:r>
-                <a:r>
-                  <a:rPr lang="hu-HU" dirty="0">
-                    <a:solidFill>
-                      <a:srgbClr val="FFFFFF"/>
-                    </a:solidFill>
-                  </a:rPr>
-                  <a:t> </a:t>
-                </a:r>
-                <a:r>
-                  <a:rPr lang="hu-HU" dirty="0" err="1">
-                    <a:solidFill>
-                      <a:srgbClr val="FFFFFF"/>
-                    </a:solidFill>
-                  </a:rPr>
-                  <a:t>function</a:t>
-                </a:r>
-                <a:r>
-                  <a:rPr lang="hu-HU" dirty="0">
-                    <a:solidFill>
-                      <a:srgbClr val="FFFFFF"/>
-                    </a:solidFill>
-                  </a:rPr>
-                  <a:t>, </a:t>
-                </a:r>
-                <a:r>
-                  <a:rPr lang="hu-HU" dirty="0" err="1">
-                    <a:solidFill>
-                      <a:srgbClr val="FFFFFF"/>
-                    </a:solidFill>
-                  </a:rPr>
-                  <a:t>using</a:t>
-                </a:r>
-                <a:r>
-                  <a:rPr lang="hu-HU" dirty="0">
-                    <a:solidFill>
-                      <a:srgbClr val="FFFFFF"/>
-                    </a:solidFill>
-                  </a:rPr>
-                  <a:t> </a:t>
+                  <a:rPr lang="en-US" i="1" dirty="0" err="1"/>
+                  <a:t>fminun</a:t>
                 </a:r>
                 <a:r>
                   <a:rPr lang="en-US" dirty="0" err="1"/>
-                  <a:t>fminunc</a:t>
+                  <a:t>c</a:t>
                 </a:r>
                 <a:r>
                   <a:rPr lang="hu-HU" dirty="0"/>
@@ -7782,18 +8113,25 @@
                 <a:br>
                   <a:rPr lang="hu-HU" dirty="0"/>
                 </a:br>
-                <a:r>
-                  <a:rPr lang="hu-HU" dirty="0"/>
-                  <a:t>n</a:t>
-                </a:r>
-                <a:r>
-                  <a:rPr lang="hu-HU" dirty="0">
-                    <a:solidFill>
-                      <a:srgbClr val="FFFFFF"/>
-                    </a:solidFill>
-                  </a:rPr>
-                  <a:t>= 2.7633</a:t>
-                </a:r>
+                <a14:m>
+                  <m:oMath xmlns:m="http://schemas.openxmlformats.org/officeDocument/2006/math">
+                    <m:r>
+                      <a:rPr lang="hu-HU" i="1" dirty="0" smtClean="0">
+                        <a:latin typeface="Cambria Math" panose="02040503050406030204" pitchFamily="18" charset="0"/>
+                      </a:rPr>
+                      <m:t>𝑛</m:t>
+                    </m:r>
+                    <m:r>
+                      <a:rPr lang="hu-HU" i="1" dirty="0">
+                        <a:solidFill>
+                          <a:srgbClr val="FFFFFF"/>
+                        </a:solidFill>
+                        <a:latin typeface="Cambria Math" panose="02040503050406030204" pitchFamily="18" charset="0"/>
+                      </a:rPr>
+                      <m:t>= 2.7633</m:t>
+                    </m:r>
+                  </m:oMath>
+                </a14:m>
                 <a:endParaRPr lang="en-US" dirty="0">
                   <a:solidFill>
                     <a:srgbClr val="FFFFFF"/>
@@ -8018,83 +8356,259 @@
           </a:p>
         </p:txBody>
       </p:sp>
-      <p:sp>
-        <p:nvSpPr>
-          <p:cNvPr id="3" name="Szöveg helye 2">
-            <a:extLst>
-              <a:ext uri="{FF2B5EF4-FFF2-40B4-BE49-F238E27FC236}">
-                <a16:creationId xmlns:a16="http://schemas.microsoft.com/office/drawing/2014/main" id="{B8EA570E-640E-C1CC-9964-9D9F8EF96861}"/>
-              </a:ext>
-            </a:extLst>
-          </p:cNvPr>
-          <p:cNvSpPr>
-            <a:spLocks noGrp="1"/>
-          </p:cNvSpPr>
-          <p:nvPr>
-            <p:ph type="body" idx="1"/>
-          </p:nvPr>
-        </p:nvSpPr>
-        <p:spPr>
-          <a:xfrm>
-            <a:off x="838200" y="1825625"/>
-            <a:ext cx="10515600" cy="4351338"/>
-          </a:xfrm>
-        </p:spPr>
-        <p:txBody>
-          <a:bodyPr vert="horz" lIns="91440" tIns="45720" rIns="91440" bIns="45720" rtlCol="0">
-            <a:normAutofit/>
-          </a:bodyPr>
-          <a:lstStyle/>
-          <a:p>
-            <a:r>
-              <a:rPr lang="en-US" dirty="0">
-                <a:solidFill>
-                  <a:srgbClr val="FFFFFF"/>
-                </a:solidFill>
-              </a:rPr>
-              <a:t>Use the value of n you find in Task 1, try to find A to minimize f. Did you get</a:t>
-            </a:r>
-            <a:r>
-              <a:rPr lang="hu-HU" dirty="0">
-                <a:solidFill>
-                  <a:srgbClr val="FFFFFF"/>
-                </a:solidFill>
-              </a:rPr>
-              <a:t> </a:t>
-            </a:r>
-            <a:r>
-              <a:rPr lang="en-US" dirty="0">
-                <a:solidFill>
-                  <a:srgbClr val="FFFFFF"/>
-                </a:solidFill>
-              </a:rPr>
-              <a:t>a different A value than 10−25?</a:t>
-            </a:r>
-            <a:endParaRPr lang="hu-HU" dirty="0">
-              <a:solidFill>
-                <a:srgbClr val="FFFFFF"/>
-              </a:solidFill>
-            </a:endParaRPr>
-          </a:p>
-          <a:p>
-            <a:endParaRPr lang="hu-HU" dirty="0">
-              <a:solidFill>
-                <a:srgbClr val="FFFFFF"/>
-              </a:solidFill>
-            </a:endParaRPr>
-          </a:p>
-          <a:p>
-            <a:r>
-              <a:rPr lang="en-US" dirty="0">
-                <a:solidFill>
-                  <a:srgbClr val="FFFFFF"/>
-                </a:solidFill>
-              </a:rPr>
-              <a:t>A = 1.0064e-26</a:t>
-            </a:r>
-          </a:p>
-        </p:txBody>
-      </p:sp>
+      <mc:AlternateContent xmlns:mc="http://schemas.openxmlformats.org/markup-compatibility/2006">
+        <mc:Choice xmlns:a14="http://schemas.microsoft.com/office/drawing/2010/main" Requires="a14">
+          <p:sp>
+            <p:nvSpPr>
+              <p:cNvPr id="3" name="Szöveg helye 2">
+                <a:extLst>
+                  <a:ext uri="{FF2B5EF4-FFF2-40B4-BE49-F238E27FC236}">
+                    <a16:creationId xmlns:a16="http://schemas.microsoft.com/office/drawing/2014/main" id="{B8EA570E-640E-C1CC-9964-9D9F8EF96861}"/>
+                  </a:ext>
+                </a:extLst>
+              </p:cNvPr>
+              <p:cNvSpPr>
+                <a:spLocks noGrp="1"/>
+              </p:cNvSpPr>
+              <p:nvPr>
+                <p:ph type="body" idx="1"/>
+              </p:nvPr>
+            </p:nvSpPr>
+            <p:spPr>
+              <a:xfrm>
+                <a:off x="838200" y="1825625"/>
+                <a:ext cx="10515600" cy="4351338"/>
+              </a:xfrm>
+            </p:spPr>
+            <p:txBody>
+              <a:bodyPr vert="horz" lIns="91440" tIns="45720" rIns="91440" bIns="45720" rtlCol="0">
+                <a:normAutofit/>
+              </a:bodyPr>
+              <a:lstStyle/>
+              <a:p>
+                <a:r>
+                  <a:rPr lang="en-US" dirty="0">
+                    <a:solidFill>
+                      <a:srgbClr val="FFFFFF"/>
+                    </a:solidFill>
+                  </a:rPr>
+                  <a:t>Use the value of </a:t>
+                </a:r>
+                <a14:m>
+                  <m:oMath xmlns:m="http://schemas.openxmlformats.org/officeDocument/2006/math">
+                    <m:r>
+                      <a:rPr lang="en-US" i="1" dirty="0" smtClean="0">
+                        <a:solidFill>
+                          <a:srgbClr val="FFFFFF"/>
+                        </a:solidFill>
+                        <a:latin typeface="Cambria Math" panose="02040503050406030204" pitchFamily="18" charset="0"/>
+                      </a:rPr>
+                      <m:t>𝑛</m:t>
+                    </m:r>
+                  </m:oMath>
+                </a14:m>
+                <a:r>
+                  <a:rPr lang="en-US" dirty="0">
+                    <a:solidFill>
+                      <a:srgbClr val="FFFFFF"/>
+                    </a:solidFill>
+                  </a:rPr>
+                  <a:t> you find in Task 1, try to find </a:t>
+                </a:r>
+                <a14:m>
+                  <m:oMath xmlns:m="http://schemas.openxmlformats.org/officeDocument/2006/math">
+                    <m:r>
+                      <a:rPr lang="en-US" i="1" dirty="0" smtClean="0">
+                        <a:solidFill>
+                          <a:srgbClr val="FFFFFF"/>
+                        </a:solidFill>
+                        <a:latin typeface="Cambria Math" panose="02040503050406030204" pitchFamily="18" charset="0"/>
+                      </a:rPr>
+                      <m:t>𝐴</m:t>
+                    </m:r>
+                  </m:oMath>
+                </a14:m>
+                <a:r>
+                  <a:rPr lang="en-US" dirty="0">
+                    <a:solidFill>
+                      <a:srgbClr val="FFFFFF"/>
+                    </a:solidFill>
+                  </a:rPr>
+                  <a:t> to minimize </a:t>
+                </a:r>
+                <a14:m>
+                  <m:oMath xmlns:m="http://schemas.openxmlformats.org/officeDocument/2006/math">
+                    <m:r>
+                      <a:rPr lang="en-US" i="1" dirty="0" smtClean="0">
+                        <a:solidFill>
+                          <a:srgbClr val="FFFFFF"/>
+                        </a:solidFill>
+                        <a:latin typeface="Cambria Math" panose="02040503050406030204" pitchFamily="18" charset="0"/>
+                      </a:rPr>
+                      <m:t>𝑓</m:t>
+                    </m:r>
+                  </m:oMath>
+                </a14:m>
+                <a:r>
+                  <a:rPr lang="en-US" dirty="0">
+                    <a:solidFill>
+                      <a:srgbClr val="FFFFFF"/>
+                    </a:solidFill>
+                  </a:rPr>
+                  <a:t>. Did you get</a:t>
+                </a:r>
+                <a:r>
+                  <a:rPr lang="hu-HU" dirty="0">
+                    <a:solidFill>
+                      <a:srgbClr val="FFFFFF"/>
+                    </a:solidFill>
+                  </a:rPr>
+                  <a:t> </a:t>
+                </a:r>
+                <a:r>
+                  <a:rPr lang="en-US" dirty="0">
+                    <a:solidFill>
+                      <a:srgbClr val="FFFFFF"/>
+                    </a:solidFill>
+                  </a:rPr>
+                  <a:t>a different </a:t>
+                </a:r>
+                <a14:m>
+                  <m:oMath xmlns:m="http://schemas.openxmlformats.org/officeDocument/2006/math">
+                    <m:r>
+                      <a:rPr lang="en-US" i="1" dirty="0" smtClean="0">
+                        <a:solidFill>
+                          <a:srgbClr val="FFFFFF"/>
+                        </a:solidFill>
+                        <a:latin typeface="Cambria Math" panose="02040503050406030204" pitchFamily="18" charset="0"/>
+                      </a:rPr>
+                      <m:t>𝐴</m:t>
+                    </m:r>
+                  </m:oMath>
+                </a14:m>
+                <a:r>
+                  <a:rPr lang="en-US" dirty="0">
+                    <a:solidFill>
+                      <a:srgbClr val="FFFFFF"/>
+                    </a:solidFill>
+                  </a:rPr>
+                  <a:t> value than 10−25?</a:t>
+                </a:r>
+                <a:endParaRPr lang="hu-HU" dirty="0">
+                  <a:solidFill>
+                    <a:srgbClr val="FFFFFF"/>
+                  </a:solidFill>
+                </a:endParaRPr>
+              </a:p>
+              <a:p>
+                <a:endParaRPr lang="hu-HU" dirty="0">
+                  <a:solidFill>
+                    <a:srgbClr val="FFFFFF"/>
+                  </a:solidFill>
+                </a:endParaRPr>
+              </a:p>
+              <a:p>
+                <a:pPr marL="0" indent="0">
+                  <a:buNone/>
+                </a:pPr>
+                <a14:m>
+                  <m:oMathPara xmlns:m="http://schemas.openxmlformats.org/officeDocument/2006/math">
+                    <m:oMathParaPr>
+                      <m:jc m:val="center"/>
+                    </m:oMathParaPr>
+                    <m:oMath xmlns:m="http://schemas.openxmlformats.org/officeDocument/2006/math">
+                      <m:r>
+                        <a:rPr lang="en-US" i="1" dirty="0" smtClean="0">
+                          <a:solidFill>
+                            <a:srgbClr val="FFFFFF"/>
+                          </a:solidFill>
+                          <a:latin typeface="Cambria Math" panose="02040503050406030204" pitchFamily="18" charset="0"/>
+                        </a:rPr>
+                        <m:t>𝐴</m:t>
+                      </m:r>
+                      <m:r>
+                        <a:rPr lang="en-US" i="1" dirty="0" smtClean="0">
+                          <a:solidFill>
+                            <a:srgbClr val="FFFFFF"/>
+                          </a:solidFill>
+                          <a:latin typeface="Cambria Math" panose="02040503050406030204" pitchFamily="18" charset="0"/>
+                        </a:rPr>
+                        <m:t> = 1.0064</m:t>
+                      </m:r>
+                      <m:r>
+                        <a:rPr lang="en-US" i="1" dirty="0" smtClean="0">
+                          <a:solidFill>
+                            <a:srgbClr val="FFFFFF"/>
+                          </a:solidFill>
+                          <a:latin typeface="Cambria Math" panose="02040503050406030204" pitchFamily="18" charset="0"/>
+                        </a:rPr>
+                        <m:t>𝑒</m:t>
+                      </m:r>
+                      <m:r>
+                        <a:rPr lang="en-US" i="1" dirty="0" smtClean="0">
+                          <a:solidFill>
+                            <a:srgbClr val="FFFFFF"/>
+                          </a:solidFill>
+                          <a:latin typeface="Cambria Math" panose="02040503050406030204" pitchFamily="18" charset="0"/>
+                        </a:rPr>
+                        <m:t>−25</m:t>
+                      </m:r>
+                    </m:oMath>
+                  </m:oMathPara>
+                </a14:m>
+                <a:endParaRPr lang="en-US" dirty="0">
+                  <a:solidFill>
+                    <a:srgbClr val="FFFFFF"/>
+                  </a:solidFill>
+                </a:endParaRPr>
+              </a:p>
+            </p:txBody>
+          </p:sp>
+        </mc:Choice>
+        <mc:Fallback>
+          <p:sp>
+            <p:nvSpPr>
+              <p:cNvPr id="3" name="Szöveg helye 2">
+                <a:extLst>
+                  <a:ext uri="{FF2B5EF4-FFF2-40B4-BE49-F238E27FC236}">
+                    <a16:creationId xmlns:a16="http://schemas.microsoft.com/office/drawing/2014/main" id="{B8EA570E-640E-C1CC-9964-9D9F8EF96861}"/>
+                  </a:ext>
+                </a:extLst>
+              </p:cNvPr>
+              <p:cNvSpPr>
+                <a:spLocks noGrp="1" noRot="1" noChangeAspect="1" noMove="1" noResize="1" noEditPoints="1" noAdjustHandles="1" noChangeArrowheads="1" noChangeShapeType="1" noTextEdit="1"/>
+              </p:cNvSpPr>
+              <p:nvPr>
+                <p:ph type="body" idx="1"/>
+              </p:nvPr>
+            </p:nvSpPr>
+            <p:spPr>
+              <a:xfrm>
+                <a:off x="838200" y="1825625"/>
+                <a:ext cx="10515600" cy="4351338"/>
+              </a:xfrm>
+              <a:blipFill>
+                <a:blip r:embed="rId3"/>
+                <a:stretch>
+                  <a:fillRect l="-1043" t="-2241"/>
+                </a:stretch>
+              </a:blipFill>
+            </p:spPr>
+            <p:txBody>
+              <a:bodyPr/>
+              <a:lstStyle/>
+              <a:p>
+                <a:r>
+                  <a:rPr lang="en-US">
+                    <a:noFill/>
+                  </a:rPr>
+                  <a:t> </a:t>
+                </a:r>
+              </a:p>
+            </p:txBody>
+          </p:sp>
+        </mc:Fallback>
+      </mc:AlternateContent>
     </p:spTree>
     <p:extLst>
       <p:ext uri="{BB962C8B-B14F-4D97-AF65-F5344CB8AC3E}">
@@ -8512,6 +9026,263 @@
           </p:txBody>
         </p:sp>
       </p:grpSp>
+      <mc:AlternateContent xmlns:mc="http://schemas.openxmlformats.org/markup-compatibility/2006">
+        <mc:Choice xmlns:a14="http://schemas.microsoft.com/office/drawing/2010/main" Requires="a14">
+          <p:sp>
+            <p:nvSpPr>
+              <p:cNvPr id="3" name="TextBox 2">
+                <a:extLst>
+                  <a:ext uri="{FF2B5EF4-FFF2-40B4-BE49-F238E27FC236}">
+                    <a16:creationId xmlns:a16="http://schemas.microsoft.com/office/drawing/2014/main" id="{74FD45FE-1B61-4CC6-A5AE-203EF3086CEF}"/>
+                  </a:ext>
+                </a:extLst>
+              </p:cNvPr>
+              <p:cNvSpPr txBox="1"/>
+              <p:nvPr/>
+            </p:nvSpPr>
+            <p:spPr>
+              <a:xfrm>
+                <a:off x="2405575" y="562707"/>
+                <a:ext cx="2160015" cy="373500"/>
+              </a:xfrm>
+              <a:prstGeom prst="rect">
+                <a:avLst/>
+              </a:prstGeom>
+              <a:noFill/>
+            </p:spPr>
+            <p:txBody>
+              <a:bodyPr wrap="none" lIns="0" tIns="0" rIns="0" bIns="0" rtlCol="0">
+                <a:spAutoFit/>
+              </a:bodyPr>
+              <a:lstStyle/>
+              <a:p>
+                <a14:m>
+                  <m:oMathPara xmlns:m="http://schemas.openxmlformats.org/officeDocument/2006/math">
+                    <m:oMathParaPr>
+                      <m:jc m:val="centerGroup"/>
+                    </m:oMathParaPr>
+                    <m:oMath xmlns:m="http://schemas.openxmlformats.org/officeDocument/2006/math">
+                      <m:r>
+                        <m:rPr>
+                          <m:nor/>
+                        </m:rPr>
+                        <a:rPr lang="en-US" sz="2400" b="0" i="0" smtClean="0">
+                          <a:latin typeface="Cambria Math" panose="02040503050406030204" pitchFamily="18" charset="0"/>
+                        </a:rPr>
+                        <m:t>fixed</m:t>
+                      </m:r>
+                      <m:r>
+                        <a:rPr lang="en-US" sz="2400" b="0" i="1" smtClean="0">
+                          <a:latin typeface="Cambria Math" panose="02040503050406030204" pitchFamily="18" charset="0"/>
+                        </a:rPr>
+                        <m:t> </m:t>
+                      </m:r>
+                      <m:r>
+                        <a:rPr lang="en-US" sz="2400" b="0" i="1" smtClean="0">
+                          <a:latin typeface="Cambria Math" panose="02040503050406030204" pitchFamily="18" charset="0"/>
+                        </a:rPr>
+                        <m:t>𝐴</m:t>
+                      </m:r>
+                      <m:r>
+                        <a:rPr lang="en-US" sz="2400" b="0" i="1" smtClean="0">
+                          <a:latin typeface="Cambria Math" panose="02040503050406030204" pitchFamily="18" charset="0"/>
+                        </a:rPr>
+                        <m:t>=</m:t>
+                      </m:r>
+                      <m:sSup>
+                        <m:sSupPr>
+                          <m:ctrlPr>
+                            <a:rPr lang="en-US" sz="2400" b="0" i="1" smtClean="0">
+                              <a:latin typeface="Cambria Math" panose="02040503050406030204" pitchFamily="18" charset="0"/>
+                            </a:rPr>
+                          </m:ctrlPr>
+                        </m:sSupPr>
+                        <m:e>
+                          <m:r>
+                            <a:rPr lang="en-US" sz="2400" b="0" i="1" smtClean="0">
+                              <a:latin typeface="Cambria Math" panose="02040503050406030204" pitchFamily="18" charset="0"/>
+                            </a:rPr>
+                            <m:t>10</m:t>
+                          </m:r>
+                        </m:e>
+                        <m:sup>
+                          <m:r>
+                            <a:rPr lang="en-US" sz="2400" b="0" i="1" smtClean="0">
+                              <a:latin typeface="Cambria Math" panose="02040503050406030204" pitchFamily="18" charset="0"/>
+                            </a:rPr>
+                            <m:t>−25</m:t>
+                          </m:r>
+                        </m:sup>
+                      </m:sSup>
+                    </m:oMath>
+                  </m:oMathPara>
+                </a14:m>
+                <a:endParaRPr lang="en-US" sz="2400" dirty="0"/>
+              </a:p>
+            </p:txBody>
+          </p:sp>
+        </mc:Choice>
+        <mc:Fallback>
+          <p:sp>
+            <p:nvSpPr>
+              <p:cNvPr id="3" name="TextBox 2">
+                <a:extLst>
+                  <a:ext uri="{FF2B5EF4-FFF2-40B4-BE49-F238E27FC236}">
+                    <a16:creationId xmlns:a16="http://schemas.microsoft.com/office/drawing/2014/main" id="{74FD45FE-1B61-4CC6-A5AE-203EF3086CEF}"/>
+                  </a:ext>
+                </a:extLst>
+              </p:cNvPr>
+              <p:cNvSpPr txBox="1">
+                <a:spLocks noRot="1" noChangeAspect="1" noMove="1" noResize="1" noEditPoints="1" noAdjustHandles="1" noChangeArrowheads="1" noChangeShapeType="1" noTextEdit="1"/>
+              </p:cNvSpPr>
+              <p:nvPr/>
+            </p:nvSpPr>
+            <p:spPr>
+              <a:xfrm>
+                <a:off x="2405575" y="562707"/>
+                <a:ext cx="2160015" cy="373500"/>
+              </a:xfrm>
+              <a:prstGeom prst="rect">
+                <a:avLst/>
+              </a:prstGeom>
+              <a:blipFill>
+                <a:blip r:embed="rId4"/>
+                <a:stretch>
+                  <a:fillRect l="-3107" r="-1130" b="-6452"/>
+                </a:stretch>
+              </a:blipFill>
+            </p:spPr>
+            <p:txBody>
+              <a:bodyPr/>
+              <a:lstStyle/>
+              <a:p>
+                <a:r>
+                  <a:rPr lang="en-US">
+                    <a:noFill/>
+                  </a:rPr>
+                  <a:t> </a:t>
+                </a:r>
+              </a:p>
+            </p:txBody>
+          </p:sp>
+        </mc:Fallback>
+      </mc:AlternateContent>
+      <mc:AlternateContent xmlns:mc="http://schemas.openxmlformats.org/markup-compatibility/2006">
+        <mc:Choice xmlns:a14="http://schemas.microsoft.com/office/drawing/2010/main" Requires="a14">
+          <p:sp>
+            <p:nvSpPr>
+              <p:cNvPr id="9" name="TextBox 8">
+                <a:extLst>
+                  <a:ext uri="{FF2B5EF4-FFF2-40B4-BE49-F238E27FC236}">
+                    <a16:creationId xmlns:a16="http://schemas.microsoft.com/office/drawing/2014/main" id="{5BAEC641-19B2-4226-AEA8-93EF8837E501}"/>
+                  </a:ext>
+                </a:extLst>
+              </p:cNvPr>
+              <p:cNvSpPr txBox="1"/>
+              <p:nvPr/>
+            </p:nvSpPr>
+            <p:spPr>
+              <a:xfrm>
+                <a:off x="8412479" y="562707"/>
+                <a:ext cx="2279342" cy="369332"/>
+              </a:xfrm>
+              <a:prstGeom prst="rect">
+                <a:avLst/>
+              </a:prstGeom>
+              <a:noFill/>
+            </p:spPr>
+            <p:txBody>
+              <a:bodyPr wrap="none" lIns="0" tIns="0" rIns="0" bIns="0" rtlCol="0">
+                <a:spAutoFit/>
+              </a:bodyPr>
+              <a:lstStyle/>
+              <a:p>
+                <a14:m>
+                  <m:oMathPara xmlns:m="http://schemas.openxmlformats.org/officeDocument/2006/math">
+                    <m:oMathParaPr>
+                      <m:jc m:val="centerGroup"/>
+                    </m:oMathParaPr>
+                    <m:oMath xmlns:m="http://schemas.openxmlformats.org/officeDocument/2006/math">
+                      <m:r>
+                        <m:rPr>
+                          <m:nor/>
+                        </m:rPr>
+                        <a:rPr lang="en-US" sz="2400" b="0" i="0" smtClean="0">
+                          <a:latin typeface="Cambria Math" panose="02040503050406030204" pitchFamily="18" charset="0"/>
+                        </a:rPr>
+                        <m:t>fixed</m:t>
+                      </m:r>
+                      <m:r>
+                        <a:rPr lang="en-US" sz="2400" b="0" i="1" smtClean="0">
+                          <a:latin typeface="Cambria Math" panose="02040503050406030204" pitchFamily="18" charset="0"/>
+                        </a:rPr>
+                        <m:t> </m:t>
+                      </m:r>
+                      <m:r>
+                        <a:rPr lang="en-US" sz="2400" b="0" i="1" smtClean="0">
+                          <a:latin typeface="Cambria Math" panose="02040503050406030204" pitchFamily="18" charset="0"/>
+                        </a:rPr>
+                        <m:t>𝑛</m:t>
+                      </m:r>
+                      <m:r>
+                        <a:rPr lang="en-US" sz="2400" b="0" i="1" smtClean="0">
+                          <a:latin typeface="Cambria Math" panose="02040503050406030204" pitchFamily="18" charset="0"/>
+                        </a:rPr>
+                        <m:t>=2.7633</m:t>
+                      </m:r>
+                    </m:oMath>
+                  </m:oMathPara>
+                </a14:m>
+                <a:endParaRPr lang="en-US" sz="2400" dirty="0"/>
+              </a:p>
+            </p:txBody>
+          </p:sp>
+        </mc:Choice>
+        <mc:Fallback>
+          <p:sp>
+            <p:nvSpPr>
+              <p:cNvPr id="9" name="TextBox 8">
+                <a:extLst>
+                  <a:ext uri="{FF2B5EF4-FFF2-40B4-BE49-F238E27FC236}">
+                    <a16:creationId xmlns:a16="http://schemas.microsoft.com/office/drawing/2014/main" id="{5BAEC641-19B2-4226-AEA8-93EF8837E501}"/>
+                  </a:ext>
+                </a:extLst>
+              </p:cNvPr>
+              <p:cNvSpPr txBox="1">
+                <a:spLocks noRot="1" noChangeAspect="1" noMove="1" noResize="1" noEditPoints="1" noAdjustHandles="1" noChangeArrowheads="1" noChangeShapeType="1" noTextEdit="1"/>
+              </p:cNvSpPr>
+              <p:nvPr/>
+            </p:nvSpPr>
+            <p:spPr>
+              <a:xfrm>
+                <a:off x="8412479" y="562707"/>
+                <a:ext cx="2279342" cy="369332"/>
+              </a:xfrm>
+              <a:prstGeom prst="rect">
+                <a:avLst/>
+              </a:prstGeom>
+              <a:blipFill>
+                <a:blip r:embed="rId5"/>
+                <a:stretch>
+                  <a:fillRect l="-2941" r="-2674" b="-6557"/>
+                </a:stretch>
+              </a:blipFill>
+            </p:spPr>
+            <p:txBody>
+              <a:bodyPr/>
+              <a:lstStyle/>
+              <a:p>
+                <a:r>
+                  <a:rPr lang="en-US">
+                    <a:noFill/>
+                  </a:rPr>
+                  <a:t> </a:t>
+                </a:r>
+              </a:p>
+            </p:txBody>
+          </p:sp>
+        </mc:Fallback>
+      </mc:AlternateContent>
     </p:spTree>
     <p:extLst>
       <p:ext uri="{BB962C8B-B14F-4D97-AF65-F5344CB8AC3E}">
@@ -8698,8 +9469,8 @@
         </p:nvSpPr>
         <p:spPr>
           <a:xfrm>
-            <a:off x="1524000" y="1122363"/>
-            <a:ext cx="9144000" cy="2777852"/>
+            <a:off x="1524000" y="797316"/>
+            <a:ext cx="9144000" cy="1221059"/>
           </a:xfrm>
         </p:spPr>
         <p:txBody>
@@ -8734,7 +9505,7 @@
         </p:nvSpPr>
         <p:spPr>
           <a:xfrm>
-            <a:off x="1524000" y="4036740"/>
+            <a:off x="1524000" y="2606599"/>
             <a:ext cx="9144000" cy="1221059"/>
           </a:xfrm>
         </p:spPr>
@@ -8873,68 +9644,379 @@
           </a:p>
         </p:txBody>
       </p:sp>
+      <mc:AlternateContent xmlns:mc="http://schemas.openxmlformats.org/markup-compatibility/2006">
+        <mc:Choice xmlns:a14="http://schemas.microsoft.com/office/drawing/2010/main" Requires="a14">
+          <p:sp>
+            <p:nvSpPr>
+              <p:cNvPr id="3" name="Szöveg helye 2">
+                <a:extLst>
+                  <a:ext uri="{FF2B5EF4-FFF2-40B4-BE49-F238E27FC236}">
+                    <a16:creationId xmlns:a16="http://schemas.microsoft.com/office/drawing/2014/main" id="{4627448D-4DE8-06D8-40E9-0D13CB6ADDE1}"/>
+                  </a:ext>
+                </a:extLst>
+              </p:cNvPr>
+              <p:cNvSpPr>
+                <a:spLocks noGrp="1"/>
+              </p:cNvSpPr>
+              <p:nvPr>
+                <p:ph type="body" idx="1"/>
+              </p:nvPr>
+            </p:nvSpPr>
+            <p:spPr>
+              <a:xfrm>
+                <a:off x="838200" y="1825624"/>
+                <a:ext cx="10515600" cy="2915187"/>
+              </a:xfrm>
+              <a:gradFill>
+                <a:gsLst>
+                  <a:gs pos="100000">
+                    <a:schemeClr val="bg1">
+                      <a:lumMod val="95000"/>
+                      <a:lumOff val="5000"/>
+                      <a:alpha val="43000"/>
+                    </a:schemeClr>
+                  </a:gs>
+                  <a:gs pos="100000">
+                    <a:schemeClr val="accent1">
+                      <a:lumMod val="45000"/>
+                      <a:lumOff val="55000"/>
+                    </a:schemeClr>
+                  </a:gs>
+                  <a:gs pos="100000">
+                    <a:schemeClr val="accent1">
+                      <a:lumMod val="45000"/>
+                      <a:lumOff val="55000"/>
+                    </a:schemeClr>
+                  </a:gs>
+                  <a:gs pos="100000">
+                    <a:schemeClr val="accent1">
+                      <a:lumMod val="30000"/>
+                      <a:lumOff val="70000"/>
+                    </a:schemeClr>
+                  </a:gs>
+                </a:gsLst>
+                <a:lin ang="5400000" scaled="1"/>
+              </a:gradFill>
+            </p:spPr>
+            <p:txBody>
+              <a:bodyPr vert="horz" lIns="91440" tIns="45720" rIns="91440" bIns="45720" rtlCol="0">
+                <a:normAutofit lnSpcReduction="10000"/>
+              </a:bodyPr>
+              <a:lstStyle/>
+              <a:p>
+                <a:r>
+                  <a:rPr lang="en-US" dirty="0"/>
+                  <a:t>It is also possible to find </a:t>
+                </a:r>
+                <a14:m>
+                  <m:oMath xmlns:m="http://schemas.openxmlformats.org/officeDocument/2006/math">
+                    <m:r>
+                      <a:rPr lang="en-US" i="1" dirty="0" smtClean="0">
+                        <a:latin typeface="Cambria Math" panose="02040503050406030204" pitchFamily="18" charset="0"/>
+                      </a:rPr>
+                      <m:t>𝐴</m:t>
+                    </m:r>
+                  </m:oMath>
+                </a14:m>
+                <a:r>
+                  <a:rPr lang="en-US" dirty="0"/>
+                  <a:t> and </a:t>
+                </a:r>
+                <a14:m>
+                  <m:oMath xmlns:m="http://schemas.openxmlformats.org/officeDocument/2006/math">
+                    <m:r>
+                      <a:rPr lang="en-US" i="1" dirty="0" smtClean="0">
+                        <a:latin typeface="Cambria Math" panose="02040503050406030204" pitchFamily="18" charset="0"/>
+                      </a:rPr>
+                      <m:t>𝑛</m:t>
+                    </m:r>
+                    <m:r>
+                      <a:rPr lang="en-US" i="1" dirty="0" smtClean="0">
+                        <a:latin typeface="Cambria Math" panose="02040503050406030204" pitchFamily="18" charset="0"/>
+                      </a:rPr>
+                      <m:t> </m:t>
+                    </m:r>
+                  </m:oMath>
+                </a14:m>
+                <a:r>
+                  <a:rPr lang="en-US" dirty="0"/>
+                  <a:t>with the given data at the same time. Try to</a:t>
+                </a:r>
+                <a:r>
+                  <a:rPr lang="hu-HU" dirty="0"/>
+                  <a:t> </a:t>
+                </a:r>
+                <a:r>
+                  <a:rPr lang="en-US" dirty="0"/>
+                  <a:t>modify your code to find the optimal values for </a:t>
+                </a:r>
+                <a14:m>
+                  <m:oMath xmlns:m="http://schemas.openxmlformats.org/officeDocument/2006/math">
+                    <m:r>
+                      <a:rPr lang="en-US" i="1" dirty="0" smtClean="0">
+                        <a:latin typeface="Cambria Math" panose="02040503050406030204" pitchFamily="18" charset="0"/>
+                      </a:rPr>
+                      <m:t>𝐴</m:t>
+                    </m:r>
+                  </m:oMath>
+                </a14:m>
+                <a:r>
+                  <a:rPr lang="en-US" dirty="0"/>
+                  <a:t> and </a:t>
+                </a:r>
+                <a14:m>
+                  <m:oMath xmlns:m="http://schemas.openxmlformats.org/officeDocument/2006/math">
+                    <m:r>
+                      <a:rPr lang="en-US" i="1" dirty="0" smtClean="0">
+                        <a:latin typeface="Cambria Math" panose="02040503050406030204" pitchFamily="18" charset="0"/>
+                      </a:rPr>
+                      <m:t>𝑛</m:t>
+                    </m:r>
+                  </m:oMath>
+                </a14:m>
+                <a:r>
+                  <a:rPr lang="en-US" dirty="0"/>
+                  <a:t>. Take </a:t>
+                </a:r>
+                <a14:m>
+                  <m:oMath xmlns:m="http://schemas.openxmlformats.org/officeDocument/2006/math">
+                    <m:r>
+                      <a:rPr lang="en-US" i="1" dirty="0" smtClean="0">
+                        <a:latin typeface="Cambria Math" panose="02040503050406030204" pitchFamily="18" charset="0"/>
+                      </a:rPr>
+                      <m:t>𝐴</m:t>
+                    </m:r>
+                  </m:oMath>
+                </a14:m>
+                <a:r>
+                  <a:rPr lang="en-US" dirty="0"/>
+                  <a:t> = 10−25 and</a:t>
+                </a:r>
+                <a:r>
+                  <a:rPr lang="hu-HU" dirty="0"/>
+                  <a:t> </a:t>
+                </a:r>
+                <a14:m>
+                  <m:oMath xmlns:m="http://schemas.openxmlformats.org/officeDocument/2006/math">
+                    <m:r>
+                      <a:rPr lang="en-US" i="1" dirty="0" smtClean="0">
+                        <a:latin typeface="Cambria Math" panose="02040503050406030204" pitchFamily="18" charset="0"/>
+                      </a:rPr>
+                      <m:t>𝑛</m:t>
+                    </m:r>
+                  </m:oMath>
+                </a14:m>
+                <a:r>
+                  <a:rPr lang="en-US" dirty="0"/>
+                  <a:t> = 1.1 as an initial guess.</a:t>
+                </a:r>
+              </a:p>
+              <a:p>
+                <a:endParaRPr lang="hu-HU" dirty="0"/>
+              </a:p>
+              <a:p>
+                <a:pPr marL="0" indent="0">
+                  <a:buNone/>
+                </a:pPr>
+                <a14:m>
+                  <m:oMathPara xmlns:m="http://schemas.openxmlformats.org/officeDocument/2006/math">
+                    <m:oMathParaPr>
+                      <m:jc m:val="centerGroup"/>
+                    </m:oMathParaPr>
+                    <m:oMath xmlns:m="http://schemas.openxmlformats.org/officeDocument/2006/math">
+                      <m:r>
+                        <a:rPr lang="hu-HU" i="1" dirty="0" smtClean="0">
+                          <a:latin typeface="Cambria Math" panose="02040503050406030204" pitchFamily="18" charset="0"/>
+                        </a:rPr>
+                        <m:t>𝑛</m:t>
+                      </m:r>
+                      <m:r>
+                        <a:rPr lang="hu-HU" i="1" dirty="0" smtClean="0">
+                          <a:latin typeface="Cambria Math" panose="02040503050406030204" pitchFamily="18" charset="0"/>
+                        </a:rPr>
+                        <m:t> = 62.9049</m:t>
+                      </m:r>
+                    </m:oMath>
+                  </m:oMathPara>
+                </a14:m>
+                <a:endParaRPr lang="en-US" dirty="0"/>
+              </a:p>
+              <a:p>
+                <a:pPr marL="0" indent="0">
+                  <a:buNone/>
+                </a:pPr>
+                <a:endParaRPr lang="hu-HU" dirty="0"/>
+              </a:p>
+              <a:p>
+                <a:pPr marL="0" indent="0">
+                  <a:buNone/>
+                </a:pPr>
+                <a14:m>
+                  <m:oMathPara xmlns:m="http://schemas.openxmlformats.org/officeDocument/2006/math">
+                    <m:oMathParaPr>
+                      <m:jc m:val="centerGroup"/>
+                    </m:oMathParaPr>
+                    <m:oMath xmlns:m="http://schemas.openxmlformats.org/officeDocument/2006/math">
+                      <m:r>
+                        <a:rPr lang="hu-HU" i="1" dirty="0" smtClean="0">
+                          <a:latin typeface="Cambria Math" panose="02040503050406030204" pitchFamily="18" charset="0"/>
+                        </a:rPr>
+                        <m:t>𝐴</m:t>
+                      </m:r>
+                      <m:r>
+                        <a:rPr lang="hu-HU" i="1" dirty="0" smtClean="0">
+                          <a:latin typeface="Cambria Math" panose="02040503050406030204" pitchFamily="18" charset="0"/>
+                        </a:rPr>
+                        <m:t> =</m:t>
+                      </m:r>
+                      <m:sSup>
+                        <m:sSupPr>
+                          <m:ctrlPr>
+                            <a:rPr lang="en-US" b="0" i="1" dirty="0" smtClean="0">
+                              <a:latin typeface="Cambria Math" panose="02040503050406030204" pitchFamily="18" charset="0"/>
+                            </a:rPr>
+                          </m:ctrlPr>
+                        </m:sSupPr>
+                        <m:e>
+                          <m:r>
+                            <a:rPr lang="en-US" b="0" i="1" dirty="0" smtClean="0">
+                              <a:latin typeface="Cambria Math" panose="02040503050406030204" pitchFamily="18" charset="0"/>
+                            </a:rPr>
+                            <m:t>10</m:t>
+                          </m:r>
+                        </m:e>
+                        <m:sup>
+                          <m:r>
+                            <a:rPr lang="hu-HU" i="1" dirty="0" smtClean="0">
+                              <a:latin typeface="Cambria Math" panose="02040503050406030204" pitchFamily="18" charset="0"/>
+                            </a:rPr>
+                            <m:t>−306.740</m:t>
+                          </m:r>
+                        </m:sup>
+                      </m:sSup>
+                      <m:r>
+                        <a:rPr lang="hu-HU" i="1" dirty="0" smtClean="0">
+                          <a:latin typeface="Cambria Math" panose="02040503050406030204" pitchFamily="18" charset="0"/>
+                        </a:rPr>
+                        <m:t> </m:t>
+                      </m:r>
+                    </m:oMath>
+                  </m:oMathPara>
+                </a14:m>
+                <a:endParaRPr lang="en-US" dirty="0"/>
+              </a:p>
+            </p:txBody>
+          </p:sp>
+        </mc:Choice>
+        <mc:Fallback>
+          <p:sp>
+            <p:nvSpPr>
+              <p:cNvPr id="3" name="Szöveg helye 2">
+                <a:extLst>
+                  <a:ext uri="{FF2B5EF4-FFF2-40B4-BE49-F238E27FC236}">
+                    <a16:creationId xmlns:a16="http://schemas.microsoft.com/office/drawing/2014/main" id="{4627448D-4DE8-06D8-40E9-0D13CB6ADDE1}"/>
+                  </a:ext>
+                </a:extLst>
+              </p:cNvPr>
+              <p:cNvSpPr>
+                <a:spLocks noGrp="1" noRot="1" noChangeAspect="1" noMove="1" noResize="1" noEditPoints="1" noAdjustHandles="1" noChangeArrowheads="1" noChangeShapeType="1" noTextEdit="1"/>
+              </p:cNvSpPr>
+              <p:nvPr>
+                <p:ph type="body" idx="1"/>
+              </p:nvPr>
+            </p:nvSpPr>
+            <p:spPr>
+              <a:xfrm>
+                <a:off x="838200" y="1825624"/>
+                <a:ext cx="10515600" cy="2915187"/>
+              </a:xfrm>
+              <a:blipFill>
+                <a:blip r:embed="rId3"/>
+                <a:stretch>
+                  <a:fillRect l="-1043" t="-4593"/>
+                </a:stretch>
+              </a:blipFill>
+            </p:spPr>
+            <p:txBody>
+              <a:bodyPr/>
+              <a:lstStyle/>
+              <a:p>
+                <a:r>
+                  <a:rPr lang="en-US">
+                    <a:noFill/>
+                  </a:rPr>
+                  <a:t> </a:t>
+                </a:r>
+              </a:p>
+            </p:txBody>
+          </p:sp>
+        </mc:Fallback>
+      </mc:AlternateContent>
       <p:sp>
         <p:nvSpPr>
-          <p:cNvPr id="3" name="Szöveg helye 2">
-            <a:extLst>
-              <a:ext uri="{FF2B5EF4-FFF2-40B4-BE49-F238E27FC236}">
-                <a16:creationId xmlns:a16="http://schemas.microsoft.com/office/drawing/2014/main" id="{4627448D-4DE8-06D8-40E9-0D13CB6ADDE1}"/>
-              </a:ext>
-            </a:extLst>
-          </p:cNvPr>
-          <p:cNvSpPr>
-            <a:spLocks noGrp="1"/>
-          </p:cNvSpPr>
-          <p:nvPr>
-            <p:ph type="body" idx="1"/>
-          </p:nvPr>
+          <p:cNvPr id="4" name="TextBox 3">
+            <a:extLst>
+              <a:ext uri="{FF2B5EF4-FFF2-40B4-BE49-F238E27FC236}">
+                <a16:creationId xmlns:a16="http://schemas.microsoft.com/office/drawing/2014/main" id="{89EA6913-F7DA-4EE9-9641-BBE72E05D7F1}"/>
+              </a:ext>
+            </a:extLst>
+          </p:cNvPr>
+          <p:cNvSpPr txBox="1"/>
+          <p:nvPr/>
         </p:nvSpPr>
         <p:spPr>
           <a:xfrm>
-            <a:off x="838200" y="1825625"/>
-            <a:ext cx="10515600" cy="4351338"/>
+            <a:off x="5684435" y="5153074"/>
+            <a:ext cx="3653180" cy="646331"/>
           </a:xfrm>
+          <a:prstGeom prst="rect">
+            <a:avLst/>
+          </a:prstGeom>
+          <a:gradFill>
+            <a:gsLst>
+              <a:gs pos="100000">
+                <a:schemeClr val="bg1">
+                  <a:lumMod val="95000"/>
+                  <a:lumOff val="5000"/>
+                  <a:alpha val="43000"/>
+                </a:schemeClr>
+              </a:gs>
+              <a:gs pos="100000">
+                <a:schemeClr val="accent1">
+                  <a:lumMod val="45000"/>
+                  <a:lumOff val="55000"/>
+                </a:schemeClr>
+              </a:gs>
+              <a:gs pos="100000">
+                <a:schemeClr val="accent1">
+                  <a:lumMod val="45000"/>
+                  <a:lumOff val="55000"/>
+                </a:schemeClr>
+              </a:gs>
+              <a:gs pos="100000">
+                <a:schemeClr val="accent1">
+                  <a:lumMod val="30000"/>
+                  <a:lumOff val="70000"/>
+                </a:schemeClr>
+              </a:gs>
+            </a:gsLst>
+            <a:lin ang="5400000" scaled="1"/>
+          </a:gradFill>
         </p:spPr>
         <p:txBody>
-          <a:bodyPr vert="horz" lIns="91440" tIns="45720" rIns="91440" bIns="45720" rtlCol="0">
-            <a:normAutofit/>
+          <a:bodyPr wrap="none" rtlCol="0">
+            <a:spAutoFit/>
           </a:bodyPr>
           <a:lstStyle/>
           <a:p>
             <a:r>
-              <a:rPr lang="en-US" dirty="0"/>
-              <a:t>It is also possible to find A and n with the given data at the same time. Try to</a:t>
+              <a:rPr lang="en-US" sz="3600" b="1" dirty="0">
+                <a:solidFill>
+                  <a:srgbClr val="FF0000"/>
+                </a:solidFill>
+              </a:rPr>
+              <a:t>ILOGICAL VALUES!</a:t>
             </a:r>
-            <a:r>
-              <a:rPr lang="hu-HU" dirty="0"/>
-              <a:t> </a:t>
-            </a:r>
-            <a:r>
-              <a:rPr lang="en-US" dirty="0"/>
-              <a:t>modify your code to find the optimal values for A and n. Take A = 10−25 and</a:t>
-            </a:r>
-            <a:r>
-              <a:rPr lang="hu-HU" dirty="0"/>
-              <a:t> </a:t>
-            </a:r>
-            <a:r>
-              <a:rPr lang="en-US" dirty="0"/>
-              <a:t>n = 1.1 as an initial guess.</a:t>
-            </a:r>
-            <a:endParaRPr lang="hu-HU" dirty="0"/>
-          </a:p>
-          <a:p>
-            <a:r>
-              <a:rPr lang="hu-HU" dirty="0"/>
-              <a:t>n = 62.9049</a:t>
-            </a:r>
-          </a:p>
-          <a:p>
-            <a:r>
-              <a:rPr lang="hu-HU" dirty="0"/>
-              <a:t>A = 1e-306.740 </a:t>
-            </a:r>
-            <a:endParaRPr lang="en-US" dirty="0"/>
           </a:p>
         </p:txBody>
       </p:sp>
@@ -9359,8 +10441,8 @@
         </p:nvSpPr>
         <p:spPr>
           <a:xfrm>
-            <a:off x="838200" y="1122362"/>
-            <a:ext cx="10515600" cy="2900518"/>
+            <a:off x="838200" y="835432"/>
+            <a:ext cx="10515600" cy="829514"/>
           </a:xfrm>
         </p:spPr>
         <p:txBody>
@@ -9399,7 +10481,7 @@
         </p:nvSpPr>
         <p:spPr>
           <a:xfrm>
-            <a:off x="838200" y="4159404"/>
+            <a:off x="838200" y="2330604"/>
             <a:ext cx="10515600" cy="1098395"/>
           </a:xfrm>
         </p:spPr>
